--- a/Wash_Machines_Live_Monitoring_Service_ppt.pptx
+++ b/Wash_Machines_Live_Monitoring_Service_ppt.pptx
@@ -5,19 +5,22 @@
     <p:sldMasterId id="2147484426" r:id="rId1"/>
   </p:sldMasterIdLst>
   <p:notesMasterIdLst>
-    <p:notesMasterId r:id="rId12"/>
+    <p:notesMasterId r:id="rId15"/>
   </p:notesMasterIdLst>
   <p:sldIdLst>
     <p:sldId id="256" r:id="rId2"/>
     <p:sldId id="257" r:id="rId3"/>
     <p:sldId id="258" r:id="rId4"/>
     <p:sldId id="259" r:id="rId5"/>
-    <p:sldId id="260" r:id="rId6"/>
-    <p:sldId id="262" r:id="rId7"/>
-    <p:sldId id="263" r:id="rId8"/>
-    <p:sldId id="264" r:id="rId9"/>
-    <p:sldId id="265" r:id="rId10"/>
-    <p:sldId id="261" r:id="rId11"/>
+    <p:sldId id="266" r:id="rId6"/>
+    <p:sldId id="260" r:id="rId7"/>
+    <p:sldId id="262" r:id="rId8"/>
+    <p:sldId id="263" r:id="rId9"/>
+    <p:sldId id="264" r:id="rId10"/>
+    <p:sldId id="267" r:id="rId11"/>
+    <p:sldId id="269" r:id="rId12"/>
+    <p:sldId id="265" r:id="rId13"/>
+    <p:sldId id="261" r:id="rId14"/>
   </p:sldIdLst>
   <p:sldSz cx="12192000" cy="6858000"/>
   <p:notesSz cx="6858000" cy="9144000"/>
@@ -206,7 +209,7 @@
           <a:p>
             <a:fld id="{AE76DCA5-8E6D-4CBC-B508-9F380DB16B15}" type="datetimeFigureOut">
               <a:rPr lang="en-US" smtClean="0"/>
-              <a:t>29-Jun-23</a:t>
+              <a:t>04-Jul-23</a:t>
             </a:fld>
             <a:endParaRPr lang="en-US"/>
           </a:p>
@@ -568,7 +571,7 @@
           <a:effectLst/>
           <a:extLst>
             <a:ext uri="{91240B29-F687-4f45-9708-019B960494DF}">
-              <a14:hiddenLine xmlns:a14="http://schemas.microsoft.com/office/drawing/2010/main" xmlns="" w="9525">
+              <a14:hiddenLine xmlns="" xmlns:a14="http://schemas.microsoft.com/office/drawing/2010/main" w="9525">
                 <a:solidFill>
                   <a:srgbClr val="000000"/>
                 </a:solidFill>
@@ -760,7 +763,7 @@
           <a:p>
             <a:fld id="{3F9583F3-32AA-48AD-9540-6763F80012B8}" type="datetime1">
               <a:rPr lang="en-US" smtClean="0"/>
-              <a:t>29-Jun-23</a:t>
+              <a:t>04-Jul-23</a:t>
             </a:fld>
             <a:endParaRPr lang="en-US"/>
           </a:p>
@@ -1081,7 +1084,7 @@
           <a:p>
             <a:fld id="{810681F3-FA1C-4678-A5F6-918B08299839}" type="datetime1">
               <a:rPr lang="en-US" smtClean="0"/>
-              <a:t>29-Jun-23</a:t>
+              <a:t>04-Jul-23</a:t>
             </a:fld>
             <a:endParaRPr lang="en-US"/>
           </a:p>
@@ -1572,7 +1575,7 @@
           <a:p>
             <a:fld id="{B220EF02-9EAB-4577-8FAF-C6870AB1F894}" type="datetime1">
               <a:rPr lang="en-US" smtClean="0"/>
-              <a:t>29-Jun-23</a:t>
+              <a:t>04-Jul-23</a:t>
             </a:fld>
             <a:endParaRPr lang="en-US"/>
           </a:p>
@@ -1944,7 +1947,7 @@
           <a:p>
             <a:fld id="{5D085E55-ABCA-4E3C-9941-BF8E9FC6D9B8}" type="datetime1">
               <a:rPr lang="en-US" smtClean="0"/>
-              <a:t>29-Jun-23</a:t>
+              <a:t>04-Jul-23</a:t>
             </a:fld>
             <a:endParaRPr lang="en-US"/>
           </a:p>
@@ -2102,7 +2105,7 @@
           <a:ln/>
           <a:extLst>
             <a:ext uri="{91240B29-F687-4f45-9708-019B960494DF}">
-              <a14:hiddenLine xmlns:a14="http://schemas.microsoft.com/office/drawing/2010/main" xmlns="" w="9525">
+              <a14:hiddenLine xmlns="" xmlns:a14="http://schemas.microsoft.com/office/drawing/2010/main" w="9525">
                 <a:solidFill>
                   <a:srgbClr val="000000"/>
                 </a:solidFill>
@@ -2220,7 +2223,7 @@
           <a:p>
             <a:fld id="{003734E1-BD92-4F35-AB69-BF8C4ADEEF56}" type="datetime1">
               <a:rPr lang="en-US" smtClean="0"/>
-              <a:t>29-Jun-23</a:t>
+              <a:t>04-Jul-23</a:t>
             </a:fld>
             <a:endParaRPr lang="en-US"/>
           </a:p>
@@ -2380,7 +2383,7 @@
           <a:ln/>
           <a:extLst>
             <a:ext uri="{91240B29-F687-4f45-9708-019B960494DF}">
-              <a14:hiddenLine xmlns:a14="http://schemas.microsoft.com/office/drawing/2010/main" xmlns="" w="9525">
+              <a14:hiddenLine xmlns="" xmlns:a14="http://schemas.microsoft.com/office/drawing/2010/main" w="9525">
                 <a:solidFill>
                   <a:srgbClr val="000000"/>
                 </a:solidFill>
@@ -2508,7 +2511,7 @@
           <a:p>
             <a:fld id="{21A69E37-16B4-4EA6-9925-357F883A0A55}" type="datetime1">
               <a:rPr lang="en-US" smtClean="0"/>
-              <a:t>29-Jun-23</a:t>
+              <a:t>04-Jul-23</a:t>
             </a:fld>
             <a:endParaRPr lang="en-US"/>
           </a:p>
@@ -2666,7 +2669,7 @@
           <a:ln/>
           <a:extLst>
             <a:ext uri="{91240B29-F687-4f45-9708-019B960494DF}">
-              <a14:hiddenLine xmlns:a14="http://schemas.microsoft.com/office/drawing/2010/main" xmlns="" w="9525">
+              <a14:hiddenLine xmlns="" xmlns:a14="http://schemas.microsoft.com/office/drawing/2010/main" w="9525">
                 <a:solidFill>
                   <a:srgbClr val="000000"/>
                 </a:solidFill>
@@ -2794,7 +2797,7 @@
           <a:p>
             <a:fld id="{EB66EB2B-286A-45BC-9953-B5DF063DD154}" type="datetime1">
               <a:rPr lang="en-US" smtClean="0"/>
-              <a:t>29-Jun-23</a:t>
+              <a:t>04-Jul-23</a:t>
             </a:fld>
             <a:endParaRPr lang="en-US"/>
           </a:p>
@@ -3140,7 +3143,7 @@
           <a:p>
             <a:fld id="{E440E805-9B12-4732-8D2A-54229C8EEC7B}" type="datetime1">
               <a:rPr lang="en-US" smtClean="0"/>
-              <a:t>29-Jun-23</a:t>
+              <a:t>04-Jul-23</a:t>
             </a:fld>
             <a:endParaRPr lang="en-US"/>
           </a:p>
@@ -3298,7 +3301,7 @@
           <a:ln/>
           <a:extLst>
             <a:ext uri="{91240B29-F687-4f45-9708-019B960494DF}">
-              <a14:hiddenLine xmlns:a14="http://schemas.microsoft.com/office/drawing/2010/main" xmlns="" w="9525">
+              <a14:hiddenLine xmlns="" xmlns:a14="http://schemas.microsoft.com/office/drawing/2010/main" w="9525">
                 <a:solidFill>
                   <a:srgbClr val="000000"/>
                 </a:solidFill>
@@ -3482,7 +3485,7 @@
           <a:p>
             <a:fld id="{A9E8F6D6-B90E-45F3-B098-480C8EADE700}" type="datetime1">
               <a:rPr lang="en-US" smtClean="0"/>
-              <a:t>29-Jun-23</a:t>
+              <a:t>04-Jul-23</a:t>
             </a:fld>
             <a:endParaRPr lang="en-US"/>
           </a:p>
@@ -3640,7 +3643,7 @@
           <a:ln/>
           <a:extLst>
             <a:ext uri="{91240B29-F687-4f45-9708-019B960494DF}">
-              <a14:hiddenLine xmlns:a14="http://schemas.microsoft.com/office/drawing/2010/main" xmlns="" w="9525">
+              <a14:hiddenLine xmlns="" xmlns:a14="http://schemas.microsoft.com/office/drawing/2010/main" w="9525">
                 <a:solidFill>
                   <a:srgbClr val="000000"/>
                 </a:solidFill>
@@ -3962,7 +3965,7 @@
           <a:p>
             <a:fld id="{788F7E87-3E19-46B7-82BB-4B237E6483A0}" type="datetime1">
               <a:rPr lang="en-US" smtClean="0"/>
-              <a:t>29-Jun-23</a:t>
+              <a:t>04-Jul-23</a:t>
             </a:fld>
             <a:endParaRPr lang="en-US"/>
           </a:p>
@@ -4120,7 +4123,7 @@
           <a:ln/>
           <a:extLst>
             <a:ext uri="{91240B29-F687-4f45-9708-019B960494DF}">
-              <a14:hiddenLine xmlns:a14="http://schemas.microsoft.com/office/drawing/2010/main" xmlns="" w="9525">
+              <a14:hiddenLine xmlns="" xmlns:a14="http://schemas.microsoft.com/office/drawing/2010/main" w="9525">
                 <a:solidFill>
                   <a:srgbClr val="000000"/>
                 </a:solidFill>
@@ -4186,7 +4189,7 @@
           <a:p>
             <a:fld id="{65C6B112-5761-40C8-B402-481A6264317A}" type="datetime1">
               <a:rPr lang="en-US" smtClean="0"/>
-              <a:t>29-Jun-23</a:t>
+              <a:t>04-Jul-23</a:t>
             </a:fld>
             <a:endParaRPr lang="en-US"/>
           </a:p>
@@ -4284,7 +4287,7 @@
           <a:p>
             <a:fld id="{B66B4A43-7279-4AD9-A5CC-8301E123E8C6}" type="datetime1">
               <a:rPr lang="en-US" smtClean="0"/>
-              <a:t>29-Jun-23</a:t>
+              <a:t>04-Jul-23</a:t>
             </a:fld>
             <a:endParaRPr lang="en-US"/>
           </a:p>
@@ -4555,7 +4558,7 @@
           <a:ln/>
           <a:extLst>
             <a:ext uri="{91240B29-F687-4f45-9708-019B960494DF}">
-              <a14:hiddenLine xmlns:a14="http://schemas.microsoft.com/office/drawing/2010/main" xmlns="" w="9525">
+              <a14:hiddenLine xmlns="" xmlns:a14="http://schemas.microsoft.com/office/drawing/2010/main" w="9525">
                 <a:solidFill>
                   <a:srgbClr val="000000"/>
                 </a:solidFill>
@@ -4754,7 +4757,7 @@
           <a:p>
             <a:fld id="{64C0B7F3-DBFD-4ACE-811F-A30C4219D5DC}" type="datetime1">
               <a:rPr lang="en-US" smtClean="0"/>
-              <a:t>29-Jun-23</a:t>
+              <a:t>04-Jul-23</a:t>
             </a:fld>
             <a:endParaRPr lang="en-US"/>
           </a:p>
@@ -5070,7 +5073,7 @@
           <a:p>
             <a:fld id="{3B826361-A2E3-4F36-8FD1-FBD6C2BE6A17}" type="datetime1">
               <a:rPr lang="en-US" smtClean="0"/>
-              <a:t>29-Jun-23</a:t>
+              <a:t>04-Jul-23</a:t>
             </a:fld>
             <a:endParaRPr lang="en-US"/>
           </a:p>
@@ -5346,7 +5349,7 @@
           <a:p>
             <a:fld id="{725CA8ED-ABFF-4C62-8702-9E6824684401}" type="datetime1">
               <a:rPr lang="en-US" smtClean="0"/>
-              <a:t>29-Jun-23</a:t>
+              <a:t>04-Jul-23</a:t>
             </a:fld>
             <a:endParaRPr lang="en-US"/>
           </a:p>
@@ -5819,7 +5822,7 @@
           <a:p>
             <a:r>
               <a:rPr lang="en-US" dirty="0"/>
-              <a:t>Wash Machines Live Monitoring Service</a:t>
+              <a:t>Smart &amp; Sustainable Wash Machines Live Monitoring App</a:t>
             </a:r>
           </a:p>
         </p:txBody>
@@ -5858,7 +5861,7 @@
             </a:pPr>
             <a:r>
               <a:rPr lang="en-US" b="1" i="1" dirty="0"/>
-              <a:t>Project for the Students of University of the Aegean to the students!</a:t>
+              <a:t>Project from the Students of University of the Aegean to the students!</a:t>
             </a:r>
           </a:p>
           <a:p>
@@ -6224,10 +6227,68 @@
       </p:grpSpPr>
       <p:sp>
         <p:nvSpPr>
+          <p:cNvPr id="68" name="Rectangle: Rounded Corners 67">
+            <a:extLst>
+              <a:ext uri="{FF2B5EF4-FFF2-40B4-BE49-F238E27FC236}">
+                <a16:creationId xmlns:a16="http://schemas.microsoft.com/office/drawing/2014/main" id="{94AD778E-BD85-DD81-5297-6D05275A7FE7}"/>
+              </a:ext>
+            </a:extLst>
+          </p:cNvPr>
+          <p:cNvSpPr/>
+          <p:nvPr/>
+        </p:nvSpPr>
+        <p:spPr>
+          <a:xfrm>
+            <a:off x="2939145" y="4499219"/>
+            <a:ext cx="2295895" cy="1073575"/>
+          </a:xfrm>
+          <a:prstGeom prst="roundRect">
+            <a:avLst/>
+          </a:prstGeom>
+          <a:solidFill>
+            <a:schemeClr val="tx1"/>
+          </a:solidFill>
+          <a:ln w="28575">
+            <a:solidFill>
+              <a:schemeClr val="bg1">
+                <a:lumMod val="65000"/>
+                <a:lumOff val="35000"/>
+              </a:schemeClr>
+            </a:solidFill>
+            <a:prstDash val="sysDash"/>
+          </a:ln>
+        </p:spPr>
+        <p:style>
+          <a:lnRef idx="2">
+            <a:schemeClr val="accent3">
+              <a:shade val="15000"/>
+            </a:schemeClr>
+          </a:lnRef>
+          <a:fillRef idx="1">
+            <a:schemeClr val="accent3"/>
+          </a:fillRef>
+          <a:effectRef idx="0">
+            <a:schemeClr val="accent3"/>
+          </a:effectRef>
+          <a:fontRef idx="minor">
+            <a:schemeClr val="lt1"/>
+          </a:fontRef>
+        </p:style>
+        <p:txBody>
+          <a:bodyPr rtlCol="0" anchor="ctr"/>
+          <a:lstStyle/>
+          <a:p>
+            <a:pPr algn="ctr"/>
+            <a:endParaRPr lang="en-US" b="1" dirty="0"/>
+          </a:p>
+        </p:txBody>
+      </p:sp>
+      <p:sp>
+        <p:nvSpPr>
           <p:cNvPr id="2" name="Title 1">
             <a:extLst>
               <a:ext uri="{FF2B5EF4-FFF2-40B4-BE49-F238E27FC236}">
-                <a16:creationId xmlns:a16="http://schemas.microsoft.com/office/drawing/2014/main" id="{43C238E8-D642-BD3D-5043-1988DE71319C}"/>
+                <a16:creationId xmlns:a16="http://schemas.microsoft.com/office/drawing/2014/main" id="{24CBE441-36BD-C538-ED08-2E7435406062}"/>
               </a:ext>
             </a:extLst>
           </p:cNvPr>
@@ -6245,6 +6306,3527 @@
           <a:p>
             <a:r>
               <a:rPr lang="en-US" dirty="0"/>
+              <a:t>Raspberry Pi 3 Model B+ Service View</a:t>
+            </a:r>
+          </a:p>
+        </p:txBody>
+      </p:sp>
+      <p:sp>
+        <p:nvSpPr>
+          <p:cNvPr id="5" name="Slide Number Placeholder 4">
+            <a:extLst>
+              <a:ext uri="{FF2B5EF4-FFF2-40B4-BE49-F238E27FC236}">
+                <a16:creationId xmlns:a16="http://schemas.microsoft.com/office/drawing/2014/main" id="{3EC025B3-A7C9-5B05-FD7B-1D47A393458C}"/>
+              </a:ext>
+            </a:extLst>
+          </p:cNvPr>
+          <p:cNvSpPr>
+            <a:spLocks noGrp="1"/>
+          </p:cNvSpPr>
+          <p:nvPr>
+            <p:ph type="sldNum" sz="quarter" idx="12"/>
+          </p:nvPr>
+        </p:nvSpPr>
+        <p:spPr/>
+        <p:txBody>
+          <a:bodyPr/>
+          <a:lstStyle/>
+          <a:p>
+            <a:fld id="{DB48B2AB-3808-49D7-8A5E-478590DD98C6}" type="slidenum">
+              <a:rPr lang="en-US" smtClean="0"/>
+              <a:t>10</a:t>
+            </a:fld>
+            <a:endParaRPr lang="en-US"/>
+          </a:p>
+        </p:txBody>
+      </p:sp>
+      <p:sp>
+        <p:nvSpPr>
+          <p:cNvPr id="6" name="Rectangle: Rounded Corners 5">
+            <a:extLst>
+              <a:ext uri="{FF2B5EF4-FFF2-40B4-BE49-F238E27FC236}">
+                <a16:creationId xmlns:a16="http://schemas.microsoft.com/office/drawing/2014/main" id="{3A881C00-5207-0BCD-9770-123B4999C956}"/>
+              </a:ext>
+            </a:extLst>
+          </p:cNvPr>
+          <p:cNvSpPr/>
+          <p:nvPr/>
+        </p:nvSpPr>
+        <p:spPr>
+          <a:xfrm>
+            <a:off x="204995" y="2238214"/>
+            <a:ext cx="11145234" cy="4474028"/>
+          </a:xfrm>
+          <a:prstGeom prst="roundRect">
+            <a:avLst/>
+          </a:prstGeom>
+          <a:solidFill>
+            <a:schemeClr val="tx1"/>
+          </a:solidFill>
+          <a:ln w="57150">
+            <a:solidFill>
+              <a:schemeClr val="accent1">
+                <a:lumMod val="50000"/>
+              </a:schemeClr>
+            </a:solidFill>
+          </a:ln>
+        </p:spPr>
+        <p:style>
+          <a:lnRef idx="2">
+            <a:schemeClr val="accent6">
+              <a:shade val="15000"/>
+            </a:schemeClr>
+          </a:lnRef>
+          <a:fillRef idx="1">
+            <a:schemeClr val="accent6"/>
+          </a:fillRef>
+          <a:effectRef idx="0">
+            <a:schemeClr val="accent6"/>
+          </a:effectRef>
+          <a:fontRef idx="minor">
+            <a:schemeClr val="lt1"/>
+          </a:fontRef>
+        </p:style>
+        <p:txBody>
+          <a:bodyPr rtlCol="0" anchor="ctr"/>
+          <a:lstStyle/>
+          <a:p>
+            <a:pPr algn="ctr"/>
+            <a:endParaRPr lang="en-US"/>
+          </a:p>
+        </p:txBody>
+      </p:sp>
+      <p:sp>
+        <p:nvSpPr>
+          <p:cNvPr id="7" name="Rectangle: Rounded Corners 6">
+            <a:extLst>
+              <a:ext uri="{FF2B5EF4-FFF2-40B4-BE49-F238E27FC236}">
+                <a16:creationId xmlns:a16="http://schemas.microsoft.com/office/drawing/2014/main" id="{FBDE642F-7DFA-647A-211D-56E00FC1250C}"/>
+              </a:ext>
+            </a:extLst>
+          </p:cNvPr>
+          <p:cNvSpPr/>
+          <p:nvPr/>
+        </p:nvSpPr>
+        <p:spPr>
+          <a:xfrm>
+            <a:off x="4799886" y="5862050"/>
+            <a:ext cx="2188029" cy="672482"/>
+          </a:xfrm>
+          <a:prstGeom prst="roundRect">
+            <a:avLst/>
+          </a:prstGeom>
+        </p:spPr>
+        <p:style>
+          <a:lnRef idx="2">
+            <a:schemeClr val="accent1">
+              <a:shade val="15000"/>
+            </a:schemeClr>
+          </a:lnRef>
+          <a:fillRef idx="1">
+            <a:schemeClr val="accent1"/>
+          </a:fillRef>
+          <a:effectRef idx="0">
+            <a:schemeClr val="accent1"/>
+          </a:effectRef>
+          <a:fontRef idx="minor">
+            <a:schemeClr val="lt1"/>
+          </a:fontRef>
+        </p:style>
+        <p:txBody>
+          <a:bodyPr rtlCol="0" anchor="ctr"/>
+          <a:lstStyle/>
+          <a:p>
+            <a:pPr algn="ctr"/>
+            <a:r>
+              <a:rPr lang="en-US" b="1" dirty="0"/>
+              <a:t>Python Service</a:t>
+            </a:r>
+          </a:p>
+        </p:txBody>
+      </p:sp>
+      <p:sp>
+        <p:nvSpPr>
+          <p:cNvPr id="8" name="Rectangle: Rounded Corners 7">
+            <a:extLst>
+              <a:ext uri="{FF2B5EF4-FFF2-40B4-BE49-F238E27FC236}">
+                <a16:creationId xmlns:a16="http://schemas.microsoft.com/office/drawing/2014/main" id="{64598BEA-B8D5-D6AA-4538-593C999E9FEC}"/>
+              </a:ext>
+            </a:extLst>
+          </p:cNvPr>
+          <p:cNvSpPr/>
+          <p:nvPr/>
+        </p:nvSpPr>
+        <p:spPr>
+          <a:xfrm>
+            <a:off x="1335417" y="5854727"/>
+            <a:ext cx="2188029" cy="672482"/>
+          </a:xfrm>
+          <a:prstGeom prst="roundRect">
+            <a:avLst/>
+          </a:prstGeom>
+        </p:spPr>
+        <p:style>
+          <a:lnRef idx="2">
+            <a:schemeClr val="accent1">
+              <a:shade val="15000"/>
+            </a:schemeClr>
+          </a:lnRef>
+          <a:fillRef idx="1">
+            <a:schemeClr val="accent1"/>
+          </a:fillRef>
+          <a:effectRef idx="0">
+            <a:schemeClr val="accent1"/>
+          </a:effectRef>
+          <a:fontRef idx="minor">
+            <a:schemeClr val="lt1"/>
+          </a:fontRef>
+        </p:style>
+        <p:txBody>
+          <a:bodyPr rtlCol="0" anchor="ctr"/>
+          <a:lstStyle/>
+          <a:p>
+            <a:pPr algn="ctr"/>
+            <a:r>
+              <a:rPr lang="en-US" b="1" dirty="0"/>
+              <a:t>Mosquito Service</a:t>
+            </a:r>
+          </a:p>
+        </p:txBody>
+      </p:sp>
+      <p:sp>
+        <p:nvSpPr>
+          <p:cNvPr id="12" name="Rectangle 11">
+            <a:extLst>
+              <a:ext uri="{FF2B5EF4-FFF2-40B4-BE49-F238E27FC236}">
+                <a16:creationId xmlns:a16="http://schemas.microsoft.com/office/drawing/2014/main" id="{CF8BFACF-6099-CEA0-1B78-D8356001718A}"/>
+              </a:ext>
+            </a:extLst>
+          </p:cNvPr>
+          <p:cNvSpPr/>
+          <p:nvPr/>
+        </p:nvSpPr>
+        <p:spPr>
+          <a:xfrm>
+            <a:off x="97971" y="2734641"/>
+            <a:ext cx="712029" cy="694360"/>
+          </a:xfrm>
+          <a:prstGeom prst="rect">
+            <a:avLst/>
+          </a:prstGeom>
+          <a:solidFill>
+            <a:srgbClr val="C00000"/>
+          </a:solidFill>
+          <a:ln>
+            <a:solidFill>
+              <a:schemeClr val="bg1"/>
+            </a:solidFill>
+          </a:ln>
+        </p:spPr>
+        <p:style>
+          <a:lnRef idx="3">
+            <a:schemeClr val="lt1"/>
+          </a:lnRef>
+          <a:fillRef idx="1">
+            <a:schemeClr val="accent5"/>
+          </a:fillRef>
+          <a:effectRef idx="1">
+            <a:schemeClr val="accent5"/>
+          </a:effectRef>
+          <a:fontRef idx="minor">
+            <a:schemeClr val="lt1"/>
+          </a:fontRef>
+        </p:style>
+        <p:txBody>
+          <a:bodyPr rtlCol="0" anchor="ctr"/>
+          <a:lstStyle/>
+          <a:p>
+            <a:pPr algn="ctr"/>
+            <a:r>
+              <a:rPr lang="en-US" dirty="0"/>
+              <a:t>LAN</a:t>
+            </a:r>
+          </a:p>
+          <a:p>
+            <a:pPr algn="ctr"/>
+            <a:r>
+              <a:rPr lang="en-US" dirty="0"/>
+              <a:t>IF</a:t>
+            </a:r>
+          </a:p>
+        </p:txBody>
+      </p:sp>
+      <p:cxnSp>
+        <p:nvCxnSpPr>
+          <p:cNvPr id="20" name="Straight Connector 19">
+            <a:extLst>
+              <a:ext uri="{FF2B5EF4-FFF2-40B4-BE49-F238E27FC236}">
+                <a16:creationId xmlns:a16="http://schemas.microsoft.com/office/drawing/2014/main" id="{94FC654D-0CD9-179C-7775-8596246BAD47}"/>
+              </a:ext>
+            </a:extLst>
+          </p:cNvPr>
+          <p:cNvCxnSpPr>
+            <a:cxnSpLocks/>
+          </p:cNvCxnSpPr>
+          <p:nvPr/>
+        </p:nvCxnSpPr>
+        <p:spPr>
+          <a:xfrm flipV="1">
+            <a:off x="841771" y="2926177"/>
+            <a:ext cx="4791587" cy="5198"/>
+          </a:xfrm>
+          <a:prstGeom prst="line">
+            <a:avLst/>
+          </a:prstGeom>
+          <a:ln w="19050">
+            <a:solidFill>
+              <a:srgbClr val="C00000"/>
+            </a:solidFill>
+            <a:prstDash val="sysDash"/>
+          </a:ln>
+        </p:spPr>
+        <p:style>
+          <a:lnRef idx="1">
+            <a:schemeClr val="accent1"/>
+          </a:lnRef>
+          <a:fillRef idx="0">
+            <a:schemeClr val="accent1"/>
+          </a:fillRef>
+          <a:effectRef idx="0">
+            <a:schemeClr val="accent1"/>
+          </a:effectRef>
+          <a:fontRef idx="minor">
+            <a:schemeClr val="tx1"/>
+          </a:fontRef>
+        </p:style>
+      </p:cxnSp>
+      <p:cxnSp>
+        <p:nvCxnSpPr>
+          <p:cNvPr id="24" name="Straight Connector 23">
+            <a:extLst>
+              <a:ext uri="{FF2B5EF4-FFF2-40B4-BE49-F238E27FC236}">
+                <a16:creationId xmlns:a16="http://schemas.microsoft.com/office/drawing/2014/main" id="{A567BDEA-1A46-DB69-FA2D-EC3F9ECC009C}"/>
+              </a:ext>
+            </a:extLst>
+          </p:cNvPr>
+          <p:cNvCxnSpPr>
+            <a:cxnSpLocks/>
+          </p:cNvCxnSpPr>
+          <p:nvPr/>
+        </p:nvCxnSpPr>
+        <p:spPr>
+          <a:xfrm flipH="1">
+            <a:off x="810000" y="2833007"/>
+            <a:ext cx="5035628" cy="0"/>
+          </a:xfrm>
+          <a:prstGeom prst="line">
+            <a:avLst/>
+          </a:prstGeom>
+          <a:ln w="19050">
+            <a:solidFill>
+              <a:srgbClr val="92D050"/>
+            </a:solidFill>
+            <a:prstDash val="sysDash"/>
+            <a:tailEnd type="triangle"/>
+          </a:ln>
+        </p:spPr>
+        <p:style>
+          <a:lnRef idx="1">
+            <a:schemeClr val="accent1"/>
+          </a:lnRef>
+          <a:fillRef idx="0">
+            <a:schemeClr val="accent1"/>
+          </a:fillRef>
+          <a:effectRef idx="0">
+            <a:schemeClr val="accent1"/>
+          </a:effectRef>
+          <a:fontRef idx="minor">
+            <a:schemeClr val="tx1"/>
+          </a:fontRef>
+        </p:style>
+      </p:cxnSp>
+      <p:cxnSp>
+        <p:nvCxnSpPr>
+          <p:cNvPr id="54" name="Straight Connector 53">
+            <a:extLst>
+              <a:ext uri="{FF2B5EF4-FFF2-40B4-BE49-F238E27FC236}">
+                <a16:creationId xmlns:a16="http://schemas.microsoft.com/office/drawing/2014/main" id="{CC282890-65C6-5C41-BD56-CED739173B66}"/>
+              </a:ext>
+            </a:extLst>
+          </p:cNvPr>
+          <p:cNvCxnSpPr>
+            <a:cxnSpLocks/>
+          </p:cNvCxnSpPr>
+          <p:nvPr/>
+        </p:nvCxnSpPr>
+        <p:spPr>
+          <a:xfrm>
+            <a:off x="834493" y="3026922"/>
+            <a:ext cx="1843395" cy="0"/>
+          </a:xfrm>
+          <a:prstGeom prst="line">
+            <a:avLst/>
+          </a:prstGeom>
+          <a:ln w="19050">
+            <a:solidFill>
+              <a:srgbClr val="C00000"/>
+            </a:solidFill>
+            <a:prstDash val="sysDash"/>
+          </a:ln>
+        </p:spPr>
+        <p:style>
+          <a:lnRef idx="1">
+            <a:schemeClr val="accent1"/>
+          </a:lnRef>
+          <a:fillRef idx="0">
+            <a:schemeClr val="accent1"/>
+          </a:fillRef>
+          <a:effectRef idx="0">
+            <a:schemeClr val="accent1"/>
+          </a:effectRef>
+          <a:fontRef idx="minor">
+            <a:schemeClr val="tx1"/>
+          </a:fontRef>
+        </p:style>
+      </p:cxnSp>
+      <p:cxnSp>
+        <p:nvCxnSpPr>
+          <p:cNvPr id="64" name="Straight Connector 63">
+            <a:extLst>
+              <a:ext uri="{FF2B5EF4-FFF2-40B4-BE49-F238E27FC236}">
+                <a16:creationId xmlns:a16="http://schemas.microsoft.com/office/drawing/2014/main" id="{025F373A-3424-5A1E-931F-2974647F0879}"/>
+              </a:ext>
+            </a:extLst>
+          </p:cNvPr>
+          <p:cNvCxnSpPr>
+            <a:cxnSpLocks/>
+          </p:cNvCxnSpPr>
+          <p:nvPr/>
+        </p:nvCxnSpPr>
+        <p:spPr>
+          <a:xfrm flipH="1">
+            <a:off x="810000" y="3154951"/>
+            <a:ext cx="1736355" cy="0"/>
+          </a:xfrm>
+          <a:prstGeom prst="line">
+            <a:avLst/>
+          </a:prstGeom>
+          <a:ln w="19050">
+            <a:solidFill>
+              <a:srgbClr val="7030A0"/>
+            </a:solidFill>
+            <a:prstDash val="sysDash"/>
+            <a:tailEnd type="triangle"/>
+          </a:ln>
+        </p:spPr>
+        <p:style>
+          <a:lnRef idx="1">
+            <a:schemeClr val="accent1"/>
+          </a:lnRef>
+          <a:fillRef idx="0">
+            <a:schemeClr val="accent1"/>
+          </a:fillRef>
+          <a:effectRef idx="0">
+            <a:schemeClr val="accent1"/>
+          </a:effectRef>
+          <a:fontRef idx="minor">
+            <a:schemeClr val="tx1"/>
+          </a:fontRef>
+        </p:style>
+      </p:cxnSp>
+      <p:sp>
+        <p:nvSpPr>
+          <p:cNvPr id="69" name="Rectangle: Rounded Corners 68">
+            <a:extLst>
+              <a:ext uri="{FF2B5EF4-FFF2-40B4-BE49-F238E27FC236}">
+                <a16:creationId xmlns:a16="http://schemas.microsoft.com/office/drawing/2014/main" id="{825EC4E0-E376-47FE-05FD-9C2C48462BB5}"/>
+              </a:ext>
+            </a:extLst>
+          </p:cNvPr>
+          <p:cNvSpPr/>
+          <p:nvPr/>
+        </p:nvSpPr>
+        <p:spPr>
+          <a:xfrm>
+            <a:off x="4351719" y="4115950"/>
+            <a:ext cx="3077899" cy="1623427"/>
+          </a:xfrm>
+          <a:prstGeom prst="roundRect">
+            <a:avLst/>
+          </a:prstGeom>
+          <a:solidFill>
+            <a:schemeClr val="tx1"/>
+          </a:solidFill>
+          <a:ln w="25400">
+            <a:solidFill>
+              <a:schemeClr val="bg1">
+                <a:lumMod val="65000"/>
+                <a:lumOff val="35000"/>
+              </a:schemeClr>
+            </a:solidFill>
+            <a:prstDash val="sysDash"/>
+          </a:ln>
+        </p:spPr>
+        <p:style>
+          <a:lnRef idx="2">
+            <a:schemeClr val="accent3">
+              <a:shade val="15000"/>
+            </a:schemeClr>
+          </a:lnRef>
+          <a:fillRef idx="1">
+            <a:schemeClr val="accent3"/>
+          </a:fillRef>
+          <a:effectRef idx="0">
+            <a:schemeClr val="accent3"/>
+          </a:effectRef>
+          <a:fontRef idx="minor">
+            <a:schemeClr val="lt1"/>
+          </a:fontRef>
+        </p:style>
+        <p:txBody>
+          <a:bodyPr rtlCol="0" anchor="ctr"/>
+          <a:lstStyle/>
+          <a:p>
+            <a:pPr algn="ctr"/>
+            <a:endParaRPr lang="en-US" b="1" dirty="0"/>
+          </a:p>
+        </p:txBody>
+      </p:sp>
+      <p:sp>
+        <p:nvSpPr>
+          <p:cNvPr id="10" name="Rectangle: Rounded Corners 9">
+            <a:extLst>
+              <a:ext uri="{FF2B5EF4-FFF2-40B4-BE49-F238E27FC236}">
+                <a16:creationId xmlns:a16="http://schemas.microsoft.com/office/drawing/2014/main" id="{653FC945-A80B-B343-2303-80214B8DDD45}"/>
+              </a:ext>
+            </a:extLst>
+          </p:cNvPr>
+          <p:cNvSpPr/>
+          <p:nvPr/>
+        </p:nvSpPr>
+        <p:spPr>
+          <a:xfrm>
+            <a:off x="4889694" y="4285466"/>
+            <a:ext cx="2098221" cy="547007"/>
+          </a:xfrm>
+          <a:prstGeom prst="roundRect">
+            <a:avLst/>
+          </a:prstGeom>
+        </p:spPr>
+        <p:style>
+          <a:lnRef idx="2">
+            <a:schemeClr val="accent3">
+              <a:shade val="15000"/>
+            </a:schemeClr>
+          </a:lnRef>
+          <a:fillRef idx="1">
+            <a:schemeClr val="accent3"/>
+          </a:fillRef>
+          <a:effectRef idx="0">
+            <a:schemeClr val="accent3"/>
+          </a:effectRef>
+          <a:fontRef idx="minor">
+            <a:schemeClr val="lt1"/>
+          </a:fontRef>
+        </p:style>
+        <p:txBody>
+          <a:bodyPr rtlCol="0" anchor="ctr"/>
+          <a:lstStyle/>
+          <a:p>
+            <a:pPr algn="ctr"/>
+            <a:r>
+              <a:rPr lang="en-US" b="1" dirty="0"/>
+              <a:t>Flask – 8000 port</a:t>
+            </a:r>
+          </a:p>
+        </p:txBody>
+      </p:sp>
+      <p:sp>
+        <p:nvSpPr>
+          <p:cNvPr id="11" name="Rectangle: Rounded Corners 10">
+            <a:extLst>
+              <a:ext uri="{FF2B5EF4-FFF2-40B4-BE49-F238E27FC236}">
+                <a16:creationId xmlns:a16="http://schemas.microsoft.com/office/drawing/2014/main" id="{58786AF1-EF39-D01E-75BA-A2B6C1432875}"/>
+              </a:ext>
+            </a:extLst>
+          </p:cNvPr>
+          <p:cNvSpPr/>
+          <p:nvPr/>
+        </p:nvSpPr>
+        <p:spPr>
+          <a:xfrm>
+            <a:off x="4596647" y="5104843"/>
+            <a:ext cx="2684314" cy="547007"/>
+          </a:xfrm>
+          <a:prstGeom prst="roundRect">
+            <a:avLst/>
+          </a:prstGeom>
+        </p:spPr>
+        <p:style>
+          <a:lnRef idx="2">
+            <a:schemeClr val="accent4">
+              <a:shade val="15000"/>
+            </a:schemeClr>
+          </a:lnRef>
+          <a:fillRef idx="1">
+            <a:schemeClr val="accent4"/>
+          </a:fillRef>
+          <a:effectRef idx="0">
+            <a:schemeClr val="accent4"/>
+          </a:effectRef>
+          <a:fontRef idx="minor">
+            <a:schemeClr val="lt1"/>
+          </a:fontRef>
+        </p:style>
+        <p:txBody>
+          <a:bodyPr rtlCol="0" anchor="ctr"/>
+          <a:lstStyle/>
+          <a:p>
+            <a:pPr algn="ctr"/>
+            <a:r>
+              <a:rPr lang="en-US" b="1" dirty="0" err="1"/>
+              <a:t>mqtt</a:t>
+            </a:r>
+            <a:r>
+              <a:rPr lang="en-US" b="1" dirty="0"/>
+              <a:t> client– 1883 port</a:t>
+            </a:r>
+          </a:p>
+        </p:txBody>
+      </p:sp>
+      <p:cxnSp>
+        <p:nvCxnSpPr>
+          <p:cNvPr id="21" name="Straight Connector 20">
+            <a:extLst>
+              <a:ext uri="{FF2B5EF4-FFF2-40B4-BE49-F238E27FC236}">
+                <a16:creationId xmlns:a16="http://schemas.microsoft.com/office/drawing/2014/main" id="{27077011-9329-E234-6E73-081099E53886}"/>
+              </a:ext>
+            </a:extLst>
+          </p:cNvPr>
+          <p:cNvCxnSpPr>
+            <a:cxnSpLocks/>
+          </p:cNvCxnSpPr>
+          <p:nvPr/>
+        </p:nvCxnSpPr>
+        <p:spPr>
+          <a:xfrm>
+            <a:off x="5633358" y="2955189"/>
+            <a:ext cx="0" cy="1308242"/>
+          </a:xfrm>
+          <a:prstGeom prst="line">
+            <a:avLst/>
+          </a:prstGeom>
+          <a:ln w="19050">
+            <a:solidFill>
+              <a:srgbClr val="C00000"/>
+            </a:solidFill>
+            <a:prstDash val="sysDash"/>
+            <a:tailEnd type="triangle"/>
+          </a:ln>
+        </p:spPr>
+        <p:style>
+          <a:lnRef idx="1">
+            <a:schemeClr val="accent1"/>
+          </a:lnRef>
+          <a:fillRef idx="0">
+            <a:schemeClr val="accent1"/>
+          </a:fillRef>
+          <a:effectRef idx="0">
+            <a:schemeClr val="accent1"/>
+          </a:effectRef>
+          <a:fontRef idx="minor">
+            <a:schemeClr val="tx1"/>
+          </a:fontRef>
+        </p:style>
+      </p:cxnSp>
+      <p:cxnSp>
+        <p:nvCxnSpPr>
+          <p:cNvPr id="27" name="Straight Connector 26">
+            <a:extLst>
+              <a:ext uri="{FF2B5EF4-FFF2-40B4-BE49-F238E27FC236}">
+                <a16:creationId xmlns:a16="http://schemas.microsoft.com/office/drawing/2014/main" id="{B0250F34-48AC-036C-A72B-87AC7E953D7D}"/>
+              </a:ext>
+            </a:extLst>
+          </p:cNvPr>
+          <p:cNvCxnSpPr>
+            <a:cxnSpLocks/>
+          </p:cNvCxnSpPr>
+          <p:nvPr/>
+        </p:nvCxnSpPr>
+        <p:spPr>
+          <a:xfrm>
+            <a:off x="5845628" y="2856503"/>
+            <a:ext cx="0" cy="1428963"/>
+          </a:xfrm>
+          <a:prstGeom prst="line">
+            <a:avLst/>
+          </a:prstGeom>
+          <a:ln w="19050">
+            <a:solidFill>
+              <a:srgbClr val="92D050"/>
+            </a:solidFill>
+            <a:prstDash val="sysDash"/>
+          </a:ln>
+        </p:spPr>
+        <p:style>
+          <a:lnRef idx="1">
+            <a:schemeClr val="accent1"/>
+          </a:lnRef>
+          <a:fillRef idx="0">
+            <a:schemeClr val="accent1"/>
+          </a:fillRef>
+          <a:effectRef idx="0">
+            <a:schemeClr val="accent1"/>
+          </a:effectRef>
+          <a:fontRef idx="minor">
+            <a:schemeClr val="tx1"/>
+          </a:fontRef>
+        </p:style>
+      </p:cxnSp>
+      <p:sp>
+        <p:nvSpPr>
+          <p:cNvPr id="52" name="Arrow: Up 51">
+            <a:extLst>
+              <a:ext uri="{FF2B5EF4-FFF2-40B4-BE49-F238E27FC236}">
+                <a16:creationId xmlns:a16="http://schemas.microsoft.com/office/drawing/2014/main" id="{BA76E84C-553F-44FD-2B11-EC5069A5FF12}"/>
+              </a:ext>
+            </a:extLst>
+          </p:cNvPr>
+          <p:cNvSpPr/>
+          <p:nvPr/>
+        </p:nvSpPr>
+        <p:spPr>
+          <a:xfrm>
+            <a:off x="5738778" y="5617331"/>
+            <a:ext cx="261257" cy="244719"/>
+          </a:xfrm>
+          <a:prstGeom prst="upArrow">
+            <a:avLst/>
+          </a:prstGeom>
+          <a:solidFill>
+            <a:srgbClr val="0070C0"/>
+          </a:solidFill>
+        </p:spPr>
+        <p:style>
+          <a:lnRef idx="2">
+            <a:schemeClr val="accent1">
+              <a:shade val="15000"/>
+            </a:schemeClr>
+          </a:lnRef>
+          <a:fillRef idx="1">
+            <a:schemeClr val="accent1"/>
+          </a:fillRef>
+          <a:effectRef idx="0">
+            <a:schemeClr val="accent1"/>
+          </a:effectRef>
+          <a:fontRef idx="minor">
+            <a:schemeClr val="lt1"/>
+          </a:fontRef>
+        </p:style>
+        <p:txBody>
+          <a:bodyPr rtlCol="0" anchor="ctr"/>
+          <a:lstStyle/>
+          <a:p>
+            <a:pPr algn="ctr"/>
+            <a:endParaRPr lang="en-US"/>
+          </a:p>
+        </p:txBody>
+      </p:sp>
+      <p:sp>
+        <p:nvSpPr>
+          <p:cNvPr id="70" name="Rectangle: Rounded Corners 69">
+            <a:extLst>
+              <a:ext uri="{FF2B5EF4-FFF2-40B4-BE49-F238E27FC236}">
+                <a16:creationId xmlns:a16="http://schemas.microsoft.com/office/drawing/2014/main" id="{714768D6-6025-0070-43B2-F92D723CF72F}"/>
+              </a:ext>
+            </a:extLst>
+          </p:cNvPr>
+          <p:cNvSpPr/>
+          <p:nvPr/>
+        </p:nvSpPr>
+        <p:spPr>
+          <a:xfrm>
+            <a:off x="1243874" y="4924265"/>
+            <a:ext cx="2361214" cy="815112"/>
+          </a:xfrm>
+          <a:prstGeom prst="roundRect">
+            <a:avLst/>
+          </a:prstGeom>
+          <a:solidFill>
+            <a:schemeClr val="tx1"/>
+          </a:solidFill>
+          <a:ln w="25400">
+            <a:solidFill>
+              <a:schemeClr val="bg1">
+                <a:lumMod val="65000"/>
+                <a:lumOff val="35000"/>
+              </a:schemeClr>
+            </a:solidFill>
+            <a:prstDash val="sysDash"/>
+          </a:ln>
+        </p:spPr>
+        <p:style>
+          <a:lnRef idx="2">
+            <a:schemeClr val="accent3">
+              <a:shade val="15000"/>
+            </a:schemeClr>
+          </a:lnRef>
+          <a:fillRef idx="1">
+            <a:schemeClr val="accent3"/>
+          </a:fillRef>
+          <a:effectRef idx="0">
+            <a:schemeClr val="accent3"/>
+          </a:effectRef>
+          <a:fontRef idx="minor">
+            <a:schemeClr val="lt1"/>
+          </a:fontRef>
+        </p:style>
+        <p:txBody>
+          <a:bodyPr rtlCol="0" anchor="ctr"/>
+          <a:lstStyle/>
+          <a:p>
+            <a:pPr algn="ctr"/>
+            <a:endParaRPr lang="en-US" b="1" dirty="0"/>
+          </a:p>
+        </p:txBody>
+      </p:sp>
+      <p:sp>
+        <p:nvSpPr>
+          <p:cNvPr id="53" name="Arrow: Up 52">
+            <a:extLst>
+              <a:ext uri="{FF2B5EF4-FFF2-40B4-BE49-F238E27FC236}">
+                <a16:creationId xmlns:a16="http://schemas.microsoft.com/office/drawing/2014/main" id="{461152FF-49C4-3B6D-9910-937F1FA54507}"/>
+              </a:ext>
+            </a:extLst>
+          </p:cNvPr>
+          <p:cNvSpPr/>
+          <p:nvPr/>
+        </p:nvSpPr>
+        <p:spPr>
+          <a:xfrm>
+            <a:off x="2317481" y="5627268"/>
+            <a:ext cx="261257" cy="244719"/>
+          </a:xfrm>
+          <a:prstGeom prst="upArrow">
+            <a:avLst/>
+          </a:prstGeom>
+          <a:solidFill>
+            <a:srgbClr val="0070C0"/>
+          </a:solidFill>
+        </p:spPr>
+        <p:style>
+          <a:lnRef idx="2">
+            <a:schemeClr val="accent1">
+              <a:shade val="15000"/>
+            </a:schemeClr>
+          </a:lnRef>
+          <a:fillRef idx="1">
+            <a:schemeClr val="accent1"/>
+          </a:fillRef>
+          <a:effectRef idx="0">
+            <a:schemeClr val="accent1"/>
+          </a:effectRef>
+          <a:fontRef idx="minor">
+            <a:schemeClr val="lt1"/>
+          </a:fontRef>
+        </p:style>
+        <p:txBody>
+          <a:bodyPr rtlCol="0" anchor="ctr"/>
+          <a:lstStyle/>
+          <a:p>
+            <a:pPr algn="ctr"/>
+            <a:endParaRPr lang="en-US"/>
+          </a:p>
+        </p:txBody>
+      </p:sp>
+      <p:sp>
+        <p:nvSpPr>
+          <p:cNvPr id="31" name="Rectangle: Rounded Corners 30">
+            <a:extLst>
+              <a:ext uri="{FF2B5EF4-FFF2-40B4-BE49-F238E27FC236}">
+                <a16:creationId xmlns:a16="http://schemas.microsoft.com/office/drawing/2014/main" id="{52C9CD84-8862-83AE-8A53-E0B9D6BABD53}"/>
+              </a:ext>
+            </a:extLst>
+          </p:cNvPr>
+          <p:cNvSpPr/>
+          <p:nvPr/>
+        </p:nvSpPr>
+        <p:spPr>
+          <a:xfrm>
+            <a:off x="1452008" y="5168064"/>
+            <a:ext cx="1954845" cy="476463"/>
+          </a:xfrm>
+          <a:prstGeom prst="roundRect">
+            <a:avLst/>
+          </a:prstGeom>
+          <a:solidFill>
+            <a:srgbClr val="7030A0"/>
+          </a:solidFill>
+        </p:spPr>
+        <p:style>
+          <a:lnRef idx="2">
+            <a:schemeClr val="accent4">
+              <a:shade val="15000"/>
+            </a:schemeClr>
+          </a:lnRef>
+          <a:fillRef idx="1">
+            <a:schemeClr val="accent4"/>
+          </a:fillRef>
+          <a:effectRef idx="0">
+            <a:schemeClr val="accent4"/>
+          </a:effectRef>
+          <a:fontRef idx="minor">
+            <a:schemeClr val="lt1"/>
+          </a:fontRef>
+        </p:style>
+        <p:txBody>
+          <a:bodyPr rtlCol="0" anchor="ctr"/>
+          <a:lstStyle/>
+          <a:p>
+            <a:pPr algn="ctr"/>
+            <a:r>
+              <a:rPr lang="en-US" b="1" dirty="0"/>
+              <a:t>Broker</a:t>
+            </a:r>
+          </a:p>
+        </p:txBody>
+      </p:sp>
+      <p:cxnSp>
+        <p:nvCxnSpPr>
+          <p:cNvPr id="59" name="Straight Connector 58">
+            <a:extLst>
+              <a:ext uri="{FF2B5EF4-FFF2-40B4-BE49-F238E27FC236}">
+                <a16:creationId xmlns:a16="http://schemas.microsoft.com/office/drawing/2014/main" id="{1FAFF5BB-1A9B-D6A1-AC8F-3E7984AB9CA2}"/>
+              </a:ext>
+            </a:extLst>
+          </p:cNvPr>
+          <p:cNvCxnSpPr>
+            <a:cxnSpLocks/>
+          </p:cNvCxnSpPr>
+          <p:nvPr/>
+        </p:nvCxnSpPr>
+        <p:spPr>
+          <a:xfrm>
+            <a:off x="2546355" y="3204600"/>
+            <a:ext cx="0" cy="1939823"/>
+          </a:xfrm>
+          <a:prstGeom prst="line">
+            <a:avLst/>
+          </a:prstGeom>
+          <a:ln w="19050">
+            <a:solidFill>
+              <a:srgbClr val="7030A0"/>
+            </a:solidFill>
+            <a:prstDash val="sysDash"/>
+          </a:ln>
+        </p:spPr>
+        <p:style>
+          <a:lnRef idx="1">
+            <a:schemeClr val="accent1"/>
+          </a:lnRef>
+          <a:fillRef idx="0">
+            <a:schemeClr val="accent1"/>
+          </a:fillRef>
+          <a:effectRef idx="0">
+            <a:schemeClr val="accent1"/>
+          </a:effectRef>
+          <a:fontRef idx="minor">
+            <a:schemeClr val="tx1"/>
+          </a:fontRef>
+        </p:style>
+      </p:cxnSp>
+      <p:cxnSp>
+        <p:nvCxnSpPr>
+          <p:cNvPr id="57" name="Straight Connector 56">
+            <a:extLst>
+              <a:ext uri="{FF2B5EF4-FFF2-40B4-BE49-F238E27FC236}">
+                <a16:creationId xmlns:a16="http://schemas.microsoft.com/office/drawing/2014/main" id="{15BDE374-38A3-C0CF-2A5C-3F8061EF58A3}"/>
+              </a:ext>
+            </a:extLst>
+          </p:cNvPr>
+          <p:cNvCxnSpPr>
+            <a:cxnSpLocks/>
+          </p:cNvCxnSpPr>
+          <p:nvPr/>
+        </p:nvCxnSpPr>
+        <p:spPr>
+          <a:xfrm>
+            <a:off x="2677888" y="3026922"/>
+            <a:ext cx="0" cy="2141142"/>
+          </a:xfrm>
+          <a:prstGeom prst="line">
+            <a:avLst/>
+          </a:prstGeom>
+          <a:ln w="19050">
+            <a:solidFill>
+              <a:srgbClr val="C00000"/>
+            </a:solidFill>
+            <a:prstDash val="sysDash"/>
+            <a:tailEnd type="triangle"/>
+          </a:ln>
+        </p:spPr>
+        <p:style>
+          <a:lnRef idx="1">
+            <a:schemeClr val="accent1"/>
+          </a:lnRef>
+          <a:fillRef idx="0">
+            <a:schemeClr val="accent1"/>
+          </a:fillRef>
+          <a:effectRef idx="0">
+            <a:schemeClr val="accent1"/>
+          </a:effectRef>
+          <a:fontRef idx="minor">
+            <a:schemeClr val="tx1"/>
+          </a:fontRef>
+        </p:style>
+      </p:cxnSp>
+      <p:cxnSp>
+        <p:nvCxnSpPr>
+          <p:cNvPr id="32" name="Straight Connector 31">
+            <a:extLst>
+              <a:ext uri="{FF2B5EF4-FFF2-40B4-BE49-F238E27FC236}">
+                <a16:creationId xmlns:a16="http://schemas.microsoft.com/office/drawing/2014/main" id="{0CDC051D-AB40-68DD-4AD6-C0CA65EE9AF1}"/>
+              </a:ext>
+            </a:extLst>
+          </p:cNvPr>
+          <p:cNvCxnSpPr>
+            <a:cxnSpLocks/>
+          </p:cNvCxnSpPr>
+          <p:nvPr/>
+        </p:nvCxnSpPr>
+        <p:spPr>
+          <a:xfrm flipV="1">
+            <a:off x="3468295" y="5319817"/>
+            <a:ext cx="1128352" cy="12004"/>
+          </a:xfrm>
+          <a:prstGeom prst="line">
+            <a:avLst/>
+          </a:prstGeom>
+          <a:ln w="19050">
+            <a:solidFill>
+              <a:srgbClr val="7030A0"/>
+            </a:solidFill>
+            <a:prstDash val="sysDash"/>
+            <a:tailEnd type="triangle"/>
+          </a:ln>
+        </p:spPr>
+        <p:style>
+          <a:lnRef idx="1">
+            <a:schemeClr val="accent1"/>
+          </a:lnRef>
+          <a:fillRef idx="0">
+            <a:schemeClr val="accent1"/>
+          </a:fillRef>
+          <a:effectRef idx="0">
+            <a:schemeClr val="accent1"/>
+          </a:effectRef>
+          <a:fontRef idx="minor">
+            <a:schemeClr val="tx1"/>
+          </a:fontRef>
+        </p:style>
+      </p:cxnSp>
+      <p:cxnSp>
+        <p:nvCxnSpPr>
+          <p:cNvPr id="72" name="Straight Connector 71">
+            <a:extLst>
+              <a:ext uri="{FF2B5EF4-FFF2-40B4-BE49-F238E27FC236}">
+                <a16:creationId xmlns:a16="http://schemas.microsoft.com/office/drawing/2014/main" id="{51520C81-9910-607A-A956-8D60E5C396D1}"/>
+              </a:ext>
+            </a:extLst>
+          </p:cNvPr>
+          <p:cNvCxnSpPr>
+            <a:cxnSpLocks/>
+          </p:cNvCxnSpPr>
+          <p:nvPr/>
+        </p:nvCxnSpPr>
+        <p:spPr>
+          <a:xfrm flipH="1">
+            <a:off x="3444211" y="5501981"/>
+            <a:ext cx="1152436" cy="8720"/>
+          </a:xfrm>
+          <a:prstGeom prst="line">
+            <a:avLst/>
+          </a:prstGeom>
+          <a:ln w="19050">
+            <a:solidFill>
+              <a:srgbClr val="FFC000"/>
+            </a:solidFill>
+            <a:prstDash val="sysDash"/>
+            <a:tailEnd type="triangle"/>
+          </a:ln>
+        </p:spPr>
+        <p:style>
+          <a:lnRef idx="1">
+            <a:schemeClr val="accent1"/>
+          </a:lnRef>
+          <a:fillRef idx="0">
+            <a:schemeClr val="accent1"/>
+          </a:fillRef>
+          <a:effectRef idx="0">
+            <a:schemeClr val="accent1"/>
+          </a:effectRef>
+          <a:fontRef idx="minor">
+            <a:schemeClr val="tx1"/>
+          </a:fontRef>
+        </p:style>
+      </p:cxnSp>
+    </p:spTree>
+    <p:extLst>
+      <p:ext uri="{BB962C8B-B14F-4D97-AF65-F5344CB8AC3E}">
+        <p14:creationId xmlns:p14="http://schemas.microsoft.com/office/powerpoint/2010/main" val="3194339020"/>
+      </p:ext>
+    </p:extLst>
+  </p:cSld>
+  <p:clrMapOvr>
+    <a:masterClrMapping/>
+  </p:clrMapOvr>
+</p:sld>
+</file>
+
+<file path=ppt/slides/slide11.xml><?xml version="1.0" encoding="utf-8"?>
+<p:sld xmlns:a="http://schemas.openxmlformats.org/drawingml/2006/main" xmlns:r="http://schemas.openxmlformats.org/officeDocument/2006/relationships" xmlns:p="http://schemas.openxmlformats.org/presentationml/2006/main">
+  <p:cSld>
+    <p:spTree>
+      <p:nvGrpSpPr>
+        <p:cNvPr id="1" name=""/>
+        <p:cNvGrpSpPr/>
+        <p:nvPr/>
+      </p:nvGrpSpPr>
+      <p:grpSpPr>
+        <a:xfrm>
+          <a:off x="0" y="0"/>
+          <a:ext cx="0" cy="0"/>
+          <a:chOff x="0" y="0"/>
+          <a:chExt cx="0" cy="0"/>
+        </a:xfrm>
+      </p:grpSpPr>
+      <p:sp>
+        <p:nvSpPr>
+          <p:cNvPr id="68" name="Rectangle: Rounded Corners 67">
+            <a:extLst>
+              <a:ext uri="{FF2B5EF4-FFF2-40B4-BE49-F238E27FC236}">
+                <a16:creationId xmlns:a16="http://schemas.microsoft.com/office/drawing/2014/main" id="{94AD778E-BD85-DD81-5297-6D05275A7FE7}"/>
+              </a:ext>
+            </a:extLst>
+          </p:cNvPr>
+          <p:cNvSpPr/>
+          <p:nvPr/>
+        </p:nvSpPr>
+        <p:spPr>
+          <a:xfrm>
+            <a:off x="2939145" y="4499219"/>
+            <a:ext cx="2295895" cy="1073575"/>
+          </a:xfrm>
+          <a:prstGeom prst="roundRect">
+            <a:avLst/>
+          </a:prstGeom>
+          <a:solidFill>
+            <a:schemeClr val="tx1"/>
+          </a:solidFill>
+          <a:ln w="28575">
+            <a:solidFill>
+              <a:schemeClr val="bg1">
+                <a:lumMod val="65000"/>
+                <a:lumOff val="35000"/>
+              </a:schemeClr>
+            </a:solidFill>
+            <a:prstDash val="sysDash"/>
+          </a:ln>
+        </p:spPr>
+        <p:style>
+          <a:lnRef idx="2">
+            <a:schemeClr val="accent3">
+              <a:shade val="15000"/>
+            </a:schemeClr>
+          </a:lnRef>
+          <a:fillRef idx="1">
+            <a:schemeClr val="accent3"/>
+          </a:fillRef>
+          <a:effectRef idx="0">
+            <a:schemeClr val="accent3"/>
+          </a:effectRef>
+          <a:fontRef idx="minor">
+            <a:schemeClr val="lt1"/>
+          </a:fontRef>
+        </p:style>
+        <p:txBody>
+          <a:bodyPr rtlCol="0" anchor="ctr"/>
+          <a:lstStyle/>
+          <a:p>
+            <a:pPr algn="ctr"/>
+            <a:endParaRPr lang="en-US" b="1" dirty="0"/>
+          </a:p>
+        </p:txBody>
+      </p:sp>
+      <p:sp>
+        <p:nvSpPr>
+          <p:cNvPr id="2" name="Title 1">
+            <a:extLst>
+              <a:ext uri="{FF2B5EF4-FFF2-40B4-BE49-F238E27FC236}">
+                <a16:creationId xmlns:a16="http://schemas.microsoft.com/office/drawing/2014/main" id="{24CBE441-36BD-C538-ED08-2E7435406062}"/>
+              </a:ext>
+            </a:extLst>
+          </p:cNvPr>
+          <p:cNvSpPr>
+            <a:spLocks noGrp="1"/>
+          </p:cNvSpPr>
+          <p:nvPr>
+            <p:ph type="title"/>
+          </p:nvPr>
+        </p:nvSpPr>
+        <p:spPr>
+          <a:xfrm>
+            <a:off x="810000" y="447187"/>
+            <a:ext cx="10571998" cy="1266389"/>
+          </a:xfrm>
+        </p:spPr>
+        <p:txBody>
+          <a:bodyPr/>
+          <a:lstStyle/>
+          <a:p>
+            <a:r>
+              <a:rPr lang="en-US" dirty="0"/>
+              <a:t>Raspberry Pi 3 Model B+ Service View Plus Statistical Information</a:t>
+            </a:r>
+          </a:p>
+        </p:txBody>
+      </p:sp>
+      <p:sp>
+        <p:nvSpPr>
+          <p:cNvPr id="5" name="Slide Number Placeholder 4">
+            <a:extLst>
+              <a:ext uri="{FF2B5EF4-FFF2-40B4-BE49-F238E27FC236}">
+                <a16:creationId xmlns:a16="http://schemas.microsoft.com/office/drawing/2014/main" id="{3EC025B3-A7C9-5B05-FD7B-1D47A393458C}"/>
+              </a:ext>
+            </a:extLst>
+          </p:cNvPr>
+          <p:cNvSpPr>
+            <a:spLocks noGrp="1"/>
+          </p:cNvSpPr>
+          <p:nvPr>
+            <p:ph type="sldNum" sz="quarter" idx="12"/>
+          </p:nvPr>
+        </p:nvSpPr>
+        <p:spPr/>
+        <p:txBody>
+          <a:bodyPr/>
+          <a:lstStyle/>
+          <a:p>
+            <a:fld id="{DB48B2AB-3808-49D7-8A5E-478590DD98C6}" type="slidenum">
+              <a:rPr lang="en-US" smtClean="0"/>
+              <a:t>11</a:t>
+            </a:fld>
+            <a:endParaRPr lang="en-US"/>
+          </a:p>
+        </p:txBody>
+      </p:sp>
+      <p:sp>
+        <p:nvSpPr>
+          <p:cNvPr id="6" name="Rectangle: Rounded Corners 5">
+            <a:extLst>
+              <a:ext uri="{FF2B5EF4-FFF2-40B4-BE49-F238E27FC236}">
+                <a16:creationId xmlns:a16="http://schemas.microsoft.com/office/drawing/2014/main" id="{3A881C00-5207-0BCD-9770-123B4999C956}"/>
+              </a:ext>
+            </a:extLst>
+          </p:cNvPr>
+          <p:cNvSpPr/>
+          <p:nvPr/>
+        </p:nvSpPr>
+        <p:spPr>
+          <a:xfrm>
+            <a:off x="204995" y="2238214"/>
+            <a:ext cx="11145234" cy="4474028"/>
+          </a:xfrm>
+          <a:prstGeom prst="roundRect">
+            <a:avLst/>
+          </a:prstGeom>
+          <a:solidFill>
+            <a:schemeClr val="tx1"/>
+          </a:solidFill>
+          <a:ln w="57150">
+            <a:solidFill>
+              <a:schemeClr val="accent1">
+                <a:lumMod val="50000"/>
+              </a:schemeClr>
+            </a:solidFill>
+          </a:ln>
+        </p:spPr>
+        <p:style>
+          <a:lnRef idx="2">
+            <a:schemeClr val="accent6">
+              <a:shade val="15000"/>
+            </a:schemeClr>
+          </a:lnRef>
+          <a:fillRef idx="1">
+            <a:schemeClr val="accent6"/>
+          </a:fillRef>
+          <a:effectRef idx="0">
+            <a:schemeClr val="accent6"/>
+          </a:effectRef>
+          <a:fontRef idx="minor">
+            <a:schemeClr val="lt1"/>
+          </a:fontRef>
+        </p:style>
+        <p:txBody>
+          <a:bodyPr rtlCol="0" anchor="ctr"/>
+          <a:lstStyle/>
+          <a:p>
+            <a:pPr algn="ctr"/>
+            <a:endParaRPr lang="en-US"/>
+          </a:p>
+        </p:txBody>
+      </p:sp>
+      <p:sp>
+        <p:nvSpPr>
+          <p:cNvPr id="7" name="Rectangle: Rounded Corners 6">
+            <a:extLst>
+              <a:ext uri="{FF2B5EF4-FFF2-40B4-BE49-F238E27FC236}">
+                <a16:creationId xmlns:a16="http://schemas.microsoft.com/office/drawing/2014/main" id="{FBDE642F-7DFA-647A-211D-56E00FC1250C}"/>
+              </a:ext>
+            </a:extLst>
+          </p:cNvPr>
+          <p:cNvSpPr/>
+          <p:nvPr/>
+        </p:nvSpPr>
+        <p:spPr>
+          <a:xfrm>
+            <a:off x="4799886" y="5862050"/>
+            <a:ext cx="2188029" cy="672482"/>
+          </a:xfrm>
+          <a:prstGeom prst="roundRect">
+            <a:avLst/>
+          </a:prstGeom>
+        </p:spPr>
+        <p:style>
+          <a:lnRef idx="2">
+            <a:schemeClr val="accent1">
+              <a:shade val="15000"/>
+            </a:schemeClr>
+          </a:lnRef>
+          <a:fillRef idx="1">
+            <a:schemeClr val="accent1"/>
+          </a:fillRef>
+          <a:effectRef idx="0">
+            <a:schemeClr val="accent1"/>
+          </a:effectRef>
+          <a:fontRef idx="minor">
+            <a:schemeClr val="lt1"/>
+          </a:fontRef>
+        </p:style>
+        <p:txBody>
+          <a:bodyPr rtlCol="0" anchor="ctr"/>
+          <a:lstStyle/>
+          <a:p>
+            <a:pPr algn="ctr"/>
+            <a:r>
+              <a:rPr lang="en-US" b="1" dirty="0"/>
+              <a:t>Python Service</a:t>
+            </a:r>
+          </a:p>
+        </p:txBody>
+      </p:sp>
+      <p:sp>
+        <p:nvSpPr>
+          <p:cNvPr id="8" name="Rectangle: Rounded Corners 7">
+            <a:extLst>
+              <a:ext uri="{FF2B5EF4-FFF2-40B4-BE49-F238E27FC236}">
+                <a16:creationId xmlns:a16="http://schemas.microsoft.com/office/drawing/2014/main" id="{64598BEA-B8D5-D6AA-4538-593C999E9FEC}"/>
+              </a:ext>
+            </a:extLst>
+          </p:cNvPr>
+          <p:cNvSpPr/>
+          <p:nvPr/>
+        </p:nvSpPr>
+        <p:spPr>
+          <a:xfrm>
+            <a:off x="1335417" y="5854727"/>
+            <a:ext cx="2188029" cy="672482"/>
+          </a:xfrm>
+          <a:prstGeom prst="roundRect">
+            <a:avLst/>
+          </a:prstGeom>
+        </p:spPr>
+        <p:style>
+          <a:lnRef idx="2">
+            <a:schemeClr val="accent1">
+              <a:shade val="15000"/>
+            </a:schemeClr>
+          </a:lnRef>
+          <a:fillRef idx="1">
+            <a:schemeClr val="accent1"/>
+          </a:fillRef>
+          <a:effectRef idx="0">
+            <a:schemeClr val="accent1"/>
+          </a:effectRef>
+          <a:fontRef idx="minor">
+            <a:schemeClr val="lt1"/>
+          </a:fontRef>
+        </p:style>
+        <p:txBody>
+          <a:bodyPr rtlCol="0" anchor="ctr"/>
+          <a:lstStyle/>
+          <a:p>
+            <a:pPr algn="ctr"/>
+            <a:r>
+              <a:rPr lang="en-US" b="1" dirty="0"/>
+              <a:t>Mosquito Service</a:t>
+            </a:r>
+          </a:p>
+        </p:txBody>
+      </p:sp>
+      <p:sp>
+        <p:nvSpPr>
+          <p:cNvPr id="12" name="Rectangle 11">
+            <a:extLst>
+              <a:ext uri="{FF2B5EF4-FFF2-40B4-BE49-F238E27FC236}">
+                <a16:creationId xmlns:a16="http://schemas.microsoft.com/office/drawing/2014/main" id="{CF8BFACF-6099-CEA0-1B78-D8356001718A}"/>
+              </a:ext>
+            </a:extLst>
+          </p:cNvPr>
+          <p:cNvSpPr/>
+          <p:nvPr/>
+        </p:nvSpPr>
+        <p:spPr>
+          <a:xfrm>
+            <a:off x="97971" y="2734641"/>
+            <a:ext cx="712029" cy="694360"/>
+          </a:xfrm>
+          <a:prstGeom prst="rect">
+            <a:avLst/>
+          </a:prstGeom>
+          <a:solidFill>
+            <a:srgbClr val="C00000"/>
+          </a:solidFill>
+          <a:ln>
+            <a:solidFill>
+              <a:schemeClr val="bg1"/>
+            </a:solidFill>
+          </a:ln>
+        </p:spPr>
+        <p:style>
+          <a:lnRef idx="3">
+            <a:schemeClr val="lt1"/>
+          </a:lnRef>
+          <a:fillRef idx="1">
+            <a:schemeClr val="accent5"/>
+          </a:fillRef>
+          <a:effectRef idx="1">
+            <a:schemeClr val="accent5"/>
+          </a:effectRef>
+          <a:fontRef idx="minor">
+            <a:schemeClr val="lt1"/>
+          </a:fontRef>
+        </p:style>
+        <p:txBody>
+          <a:bodyPr rtlCol="0" anchor="ctr"/>
+          <a:lstStyle/>
+          <a:p>
+            <a:pPr algn="ctr"/>
+            <a:r>
+              <a:rPr lang="en-US" dirty="0"/>
+              <a:t>LAN</a:t>
+            </a:r>
+          </a:p>
+          <a:p>
+            <a:pPr algn="ctr"/>
+            <a:r>
+              <a:rPr lang="en-US" dirty="0"/>
+              <a:t>IF</a:t>
+            </a:r>
+          </a:p>
+        </p:txBody>
+      </p:sp>
+      <p:cxnSp>
+        <p:nvCxnSpPr>
+          <p:cNvPr id="20" name="Straight Connector 19">
+            <a:extLst>
+              <a:ext uri="{FF2B5EF4-FFF2-40B4-BE49-F238E27FC236}">
+                <a16:creationId xmlns:a16="http://schemas.microsoft.com/office/drawing/2014/main" id="{94FC654D-0CD9-179C-7775-8596246BAD47}"/>
+              </a:ext>
+            </a:extLst>
+          </p:cNvPr>
+          <p:cNvCxnSpPr>
+            <a:cxnSpLocks/>
+          </p:cNvCxnSpPr>
+          <p:nvPr/>
+        </p:nvCxnSpPr>
+        <p:spPr>
+          <a:xfrm flipV="1">
+            <a:off x="841771" y="2926177"/>
+            <a:ext cx="4791587" cy="5198"/>
+          </a:xfrm>
+          <a:prstGeom prst="line">
+            <a:avLst/>
+          </a:prstGeom>
+          <a:ln w="19050">
+            <a:solidFill>
+              <a:srgbClr val="C00000"/>
+            </a:solidFill>
+            <a:prstDash val="sysDash"/>
+          </a:ln>
+        </p:spPr>
+        <p:style>
+          <a:lnRef idx="1">
+            <a:schemeClr val="accent1"/>
+          </a:lnRef>
+          <a:fillRef idx="0">
+            <a:schemeClr val="accent1"/>
+          </a:fillRef>
+          <a:effectRef idx="0">
+            <a:schemeClr val="accent1"/>
+          </a:effectRef>
+          <a:fontRef idx="minor">
+            <a:schemeClr val="tx1"/>
+          </a:fontRef>
+        </p:style>
+      </p:cxnSp>
+      <p:cxnSp>
+        <p:nvCxnSpPr>
+          <p:cNvPr id="24" name="Straight Connector 23">
+            <a:extLst>
+              <a:ext uri="{FF2B5EF4-FFF2-40B4-BE49-F238E27FC236}">
+                <a16:creationId xmlns:a16="http://schemas.microsoft.com/office/drawing/2014/main" id="{A567BDEA-1A46-DB69-FA2D-EC3F9ECC009C}"/>
+              </a:ext>
+            </a:extLst>
+          </p:cNvPr>
+          <p:cNvCxnSpPr>
+            <a:cxnSpLocks/>
+          </p:cNvCxnSpPr>
+          <p:nvPr/>
+        </p:nvCxnSpPr>
+        <p:spPr>
+          <a:xfrm flipH="1">
+            <a:off x="810000" y="2833007"/>
+            <a:ext cx="5035628" cy="0"/>
+          </a:xfrm>
+          <a:prstGeom prst="line">
+            <a:avLst/>
+          </a:prstGeom>
+          <a:ln w="19050">
+            <a:solidFill>
+              <a:srgbClr val="92D050"/>
+            </a:solidFill>
+            <a:prstDash val="sysDash"/>
+            <a:tailEnd type="triangle"/>
+          </a:ln>
+        </p:spPr>
+        <p:style>
+          <a:lnRef idx="1">
+            <a:schemeClr val="accent1"/>
+          </a:lnRef>
+          <a:fillRef idx="0">
+            <a:schemeClr val="accent1"/>
+          </a:fillRef>
+          <a:effectRef idx="0">
+            <a:schemeClr val="accent1"/>
+          </a:effectRef>
+          <a:fontRef idx="minor">
+            <a:schemeClr val="tx1"/>
+          </a:fontRef>
+        </p:style>
+      </p:cxnSp>
+      <p:cxnSp>
+        <p:nvCxnSpPr>
+          <p:cNvPr id="54" name="Straight Connector 53">
+            <a:extLst>
+              <a:ext uri="{FF2B5EF4-FFF2-40B4-BE49-F238E27FC236}">
+                <a16:creationId xmlns:a16="http://schemas.microsoft.com/office/drawing/2014/main" id="{CC282890-65C6-5C41-BD56-CED739173B66}"/>
+              </a:ext>
+            </a:extLst>
+          </p:cNvPr>
+          <p:cNvCxnSpPr>
+            <a:cxnSpLocks/>
+          </p:cNvCxnSpPr>
+          <p:nvPr/>
+        </p:nvCxnSpPr>
+        <p:spPr>
+          <a:xfrm>
+            <a:off x="834493" y="3026922"/>
+            <a:ext cx="1843395" cy="0"/>
+          </a:xfrm>
+          <a:prstGeom prst="line">
+            <a:avLst/>
+          </a:prstGeom>
+          <a:ln w="19050">
+            <a:solidFill>
+              <a:srgbClr val="C00000"/>
+            </a:solidFill>
+            <a:prstDash val="sysDash"/>
+          </a:ln>
+        </p:spPr>
+        <p:style>
+          <a:lnRef idx="1">
+            <a:schemeClr val="accent1"/>
+          </a:lnRef>
+          <a:fillRef idx="0">
+            <a:schemeClr val="accent1"/>
+          </a:fillRef>
+          <a:effectRef idx="0">
+            <a:schemeClr val="accent1"/>
+          </a:effectRef>
+          <a:fontRef idx="minor">
+            <a:schemeClr val="tx1"/>
+          </a:fontRef>
+        </p:style>
+      </p:cxnSp>
+      <p:cxnSp>
+        <p:nvCxnSpPr>
+          <p:cNvPr id="64" name="Straight Connector 63">
+            <a:extLst>
+              <a:ext uri="{FF2B5EF4-FFF2-40B4-BE49-F238E27FC236}">
+                <a16:creationId xmlns:a16="http://schemas.microsoft.com/office/drawing/2014/main" id="{025F373A-3424-5A1E-931F-2974647F0879}"/>
+              </a:ext>
+            </a:extLst>
+          </p:cNvPr>
+          <p:cNvCxnSpPr>
+            <a:cxnSpLocks/>
+          </p:cNvCxnSpPr>
+          <p:nvPr/>
+        </p:nvCxnSpPr>
+        <p:spPr>
+          <a:xfrm flipH="1">
+            <a:off x="810000" y="3154951"/>
+            <a:ext cx="1736355" cy="0"/>
+          </a:xfrm>
+          <a:prstGeom prst="line">
+            <a:avLst/>
+          </a:prstGeom>
+          <a:ln w="19050">
+            <a:solidFill>
+              <a:srgbClr val="7030A0"/>
+            </a:solidFill>
+            <a:prstDash val="sysDash"/>
+            <a:tailEnd type="triangle"/>
+          </a:ln>
+        </p:spPr>
+        <p:style>
+          <a:lnRef idx="1">
+            <a:schemeClr val="accent1"/>
+          </a:lnRef>
+          <a:fillRef idx="0">
+            <a:schemeClr val="accent1"/>
+          </a:fillRef>
+          <a:effectRef idx="0">
+            <a:schemeClr val="accent1"/>
+          </a:effectRef>
+          <a:fontRef idx="minor">
+            <a:schemeClr val="tx1"/>
+          </a:fontRef>
+        </p:style>
+      </p:cxnSp>
+      <p:sp>
+        <p:nvSpPr>
+          <p:cNvPr id="69" name="Rectangle: Rounded Corners 68">
+            <a:extLst>
+              <a:ext uri="{FF2B5EF4-FFF2-40B4-BE49-F238E27FC236}">
+                <a16:creationId xmlns:a16="http://schemas.microsoft.com/office/drawing/2014/main" id="{825EC4E0-E376-47FE-05FD-9C2C48462BB5}"/>
+              </a:ext>
+            </a:extLst>
+          </p:cNvPr>
+          <p:cNvSpPr/>
+          <p:nvPr/>
+        </p:nvSpPr>
+        <p:spPr>
+          <a:xfrm>
+            <a:off x="4351719" y="4115950"/>
+            <a:ext cx="3077899" cy="1623427"/>
+          </a:xfrm>
+          <a:prstGeom prst="roundRect">
+            <a:avLst/>
+          </a:prstGeom>
+          <a:solidFill>
+            <a:schemeClr val="tx1"/>
+          </a:solidFill>
+          <a:ln w="25400">
+            <a:solidFill>
+              <a:schemeClr val="bg1">
+                <a:lumMod val="65000"/>
+                <a:lumOff val="35000"/>
+              </a:schemeClr>
+            </a:solidFill>
+            <a:prstDash val="sysDash"/>
+          </a:ln>
+        </p:spPr>
+        <p:style>
+          <a:lnRef idx="2">
+            <a:schemeClr val="accent3">
+              <a:shade val="15000"/>
+            </a:schemeClr>
+          </a:lnRef>
+          <a:fillRef idx="1">
+            <a:schemeClr val="accent3"/>
+          </a:fillRef>
+          <a:effectRef idx="0">
+            <a:schemeClr val="accent3"/>
+          </a:effectRef>
+          <a:fontRef idx="minor">
+            <a:schemeClr val="lt1"/>
+          </a:fontRef>
+        </p:style>
+        <p:txBody>
+          <a:bodyPr rtlCol="0" anchor="ctr"/>
+          <a:lstStyle/>
+          <a:p>
+            <a:pPr algn="ctr"/>
+            <a:endParaRPr lang="en-US" b="1" dirty="0"/>
+          </a:p>
+        </p:txBody>
+      </p:sp>
+      <p:sp>
+        <p:nvSpPr>
+          <p:cNvPr id="10" name="Rectangle: Rounded Corners 9">
+            <a:extLst>
+              <a:ext uri="{FF2B5EF4-FFF2-40B4-BE49-F238E27FC236}">
+                <a16:creationId xmlns:a16="http://schemas.microsoft.com/office/drawing/2014/main" id="{653FC945-A80B-B343-2303-80214B8DDD45}"/>
+              </a:ext>
+            </a:extLst>
+          </p:cNvPr>
+          <p:cNvSpPr/>
+          <p:nvPr/>
+        </p:nvSpPr>
+        <p:spPr>
+          <a:xfrm>
+            <a:off x="4889694" y="4285466"/>
+            <a:ext cx="2098221" cy="547007"/>
+          </a:xfrm>
+          <a:prstGeom prst="roundRect">
+            <a:avLst/>
+          </a:prstGeom>
+        </p:spPr>
+        <p:style>
+          <a:lnRef idx="2">
+            <a:schemeClr val="accent3">
+              <a:shade val="15000"/>
+            </a:schemeClr>
+          </a:lnRef>
+          <a:fillRef idx="1">
+            <a:schemeClr val="accent3"/>
+          </a:fillRef>
+          <a:effectRef idx="0">
+            <a:schemeClr val="accent3"/>
+          </a:effectRef>
+          <a:fontRef idx="minor">
+            <a:schemeClr val="lt1"/>
+          </a:fontRef>
+        </p:style>
+        <p:txBody>
+          <a:bodyPr rtlCol="0" anchor="ctr"/>
+          <a:lstStyle/>
+          <a:p>
+            <a:pPr algn="ctr"/>
+            <a:r>
+              <a:rPr lang="en-US" b="1" dirty="0"/>
+              <a:t>Flask – 8000 port</a:t>
+            </a:r>
+          </a:p>
+        </p:txBody>
+      </p:sp>
+      <p:sp>
+        <p:nvSpPr>
+          <p:cNvPr id="11" name="Rectangle: Rounded Corners 10">
+            <a:extLst>
+              <a:ext uri="{FF2B5EF4-FFF2-40B4-BE49-F238E27FC236}">
+                <a16:creationId xmlns:a16="http://schemas.microsoft.com/office/drawing/2014/main" id="{58786AF1-EF39-D01E-75BA-A2B6C1432875}"/>
+              </a:ext>
+            </a:extLst>
+          </p:cNvPr>
+          <p:cNvSpPr/>
+          <p:nvPr/>
+        </p:nvSpPr>
+        <p:spPr>
+          <a:xfrm>
+            <a:off x="4596647" y="5104843"/>
+            <a:ext cx="2684314" cy="547007"/>
+          </a:xfrm>
+          <a:prstGeom prst="roundRect">
+            <a:avLst/>
+          </a:prstGeom>
+        </p:spPr>
+        <p:style>
+          <a:lnRef idx="2">
+            <a:schemeClr val="accent4">
+              <a:shade val="15000"/>
+            </a:schemeClr>
+          </a:lnRef>
+          <a:fillRef idx="1">
+            <a:schemeClr val="accent4"/>
+          </a:fillRef>
+          <a:effectRef idx="0">
+            <a:schemeClr val="accent4"/>
+          </a:effectRef>
+          <a:fontRef idx="minor">
+            <a:schemeClr val="lt1"/>
+          </a:fontRef>
+        </p:style>
+        <p:txBody>
+          <a:bodyPr rtlCol="0" anchor="ctr"/>
+          <a:lstStyle/>
+          <a:p>
+            <a:pPr algn="ctr"/>
+            <a:r>
+              <a:rPr lang="en-US" b="1" dirty="0" err="1"/>
+              <a:t>mqtt</a:t>
+            </a:r>
+            <a:r>
+              <a:rPr lang="en-US" b="1" dirty="0"/>
+              <a:t> client– 1883 port</a:t>
+            </a:r>
+          </a:p>
+        </p:txBody>
+      </p:sp>
+      <p:cxnSp>
+        <p:nvCxnSpPr>
+          <p:cNvPr id="21" name="Straight Connector 20">
+            <a:extLst>
+              <a:ext uri="{FF2B5EF4-FFF2-40B4-BE49-F238E27FC236}">
+                <a16:creationId xmlns:a16="http://schemas.microsoft.com/office/drawing/2014/main" id="{27077011-9329-E234-6E73-081099E53886}"/>
+              </a:ext>
+            </a:extLst>
+          </p:cNvPr>
+          <p:cNvCxnSpPr>
+            <a:cxnSpLocks/>
+          </p:cNvCxnSpPr>
+          <p:nvPr/>
+        </p:nvCxnSpPr>
+        <p:spPr>
+          <a:xfrm>
+            <a:off x="5633358" y="2955189"/>
+            <a:ext cx="0" cy="1308242"/>
+          </a:xfrm>
+          <a:prstGeom prst="line">
+            <a:avLst/>
+          </a:prstGeom>
+          <a:ln w="19050">
+            <a:solidFill>
+              <a:srgbClr val="C00000"/>
+            </a:solidFill>
+            <a:prstDash val="sysDash"/>
+            <a:tailEnd type="triangle"/>
+          </a:ln>
+        </p:spPr>
+        <p:style>
+          <a:lnRef idx="1">
+            <a:schemeClr val="accent1"/>
+          </a:lnRef>
+          <a:fillRef idx="0">
+            <a:schemeClr val="accent1"/>
+          </a:fillRef>
+          <a:effectRef idx="0">
+            <a:schemeClr val="accent1"/>
+          </a:effectRef>
+          <a:fontRef idx="minor">
+            <a:schemeClr val="tx1"/>
+          </a:fontRef>
+        </p:style>
+      </p:cxnSp>
+      <p:cxnSp>
+        <p:nvCxnSpPr>
+          <p:cNvPr id="27" name="Straight Connector 26">
+            <a:extLst>
+              <a:ext uri="{FF2B5EF4-FFF2-40B4-BE49-F238E27FC236}">
+                <a16:creationId xmlns:a16="http://schemas.microsoft.com/office/drawing/2014/main" id="{B0250F34-48AC-036C-A72B-87AC7E953D7D}"/>
+              </a:ext>
+            </a:extLst>
+          </p:cNvPr>
+          <p:cNvCxnSpPr>
+            <a:cxnSpLocks/>
+          </p:cNvCxnSpPr>
+          <p:nvPr/>
+        </p:nvCxnSpPr>
+        <p:spPr>
+          <a:xfrm>
+            <a:off x="5845628" y="2856503"/>
+            <a:ext cx="0" cy="1428963"/>
+          </a:xfrm>
+          <a:prstGeom prst="line">
+            <a:avLst/>
+          </a:prstGeom>
+          <a:ln w="19050">
+            <a:solidFill>
+              <a:srgbClr val="92D050"/>
+            </a:solidFill>
+            <a:prstDash val="sysDash"/>
+          </a:ln>
+        </p:spPr>
+        <p:style>
+          <a:lnRef idx="1">
+            <a:schemeClr val="accent1"/>
+          </a:lnRef>
+          <a:fillRef idx="0">
+            <a:schemeClr val="accent1"/>
+          </a:fillRef>
+          <a:effectRef idx="0">
+            <a:schemeClr val="accent1"/>
+          </a:effectRef>
+          <a:fontRef idx="minor">
+            <a:schemeClr val="tx1"/>
+          </a:fontRef>
+        </p:style>
+      </p:cxnSp>
+      <p:sp>
+        <p:nvSpPr>
+          <p:cNvPr id="52" name="Arrow: Up 51">
+            <a:extLst>
+              <a:ext uri="{FF2B5EF4-FFF2-40B4-BE49-F238E27FC236}">
+                <a16:creationId xmlns:a16="http://schemas.microsoft.com/office/drawing/2014/main" id="{BA76E84C-553F-44FD-2B11-EC5069A5FF12}"/>
+              </a:ext>
+            </a:extLst>
+          </p:cNvPr>
+          <p:cNvSpPr/>
+          <p:nvPr/>
+        </p:nvSpPr>
+        <p:spPr>
+          <a:xfrm>
+            <a:off x="5738778" y="5617331"/>
+            <a:ext cx="261257" cy="244719"/>
+          </a:xfrm>
+          <a:prstGeom prst="upArrow">
+            <a:avLst/>
+          </a:prstGeom>
+          <a:solidFill>
+            <a:srgbClr val="0070C0"/>
+          </a:solidFill>
+        </p:spPr>
+        <p:style>
+          <a:lnRef idx="2">
+            <a:schemeClr val="accent1">
+              <a:shade val="15000"/>
+            </a:schemeClr>
+          </a:lnRef>
+          <a:fillRef idx="1">
+            <a:schemeClr val="accent1"/>
+          </a:fillRef>
+          <a:effectRef idx="0">
+            <a:schemeClr val="accent1"/>
+          </a:effectRef>
+          <a:fontRef idx="minor">
+            <a:schemeClr val="lt1"/>
+          </a:fontRef>
+        </p:style>
+        <p:txBody>
+          <a:bodyPr rtlCol="0" anchor="ctr"/>
+          <a:lstStyle/>
+          <a:p>
+            <a:pPr algn="ctr"/>
+            <a:endParaRPr lang="en-US"/>
+          </a:p>
+        </p:txBody>
+      </p:sp>
+      <p:sp>
+        <p:nvSpPr>
+          <p:cNvPr id="70" name="Rectangle: Rounded Corners 69">
+            <a:extLst>
+              <a:ext uri="{FF2B5EF4-FFF2-40B4-BE49-F238E27FC236}">
+                <a16:creationId xmlns:a16="http://schemas.microsoft.com/office/drawing/2014/main" id="{714768D6-6025-0070-43B2-F92D723CF72F}"/>
+              </a:ext>
+            </a:extLst>
+          </p:cNvPr>
+          <p:cNvSpPr/>
+          <p:nvPr/>
+        </p:nvSpPr>
+        <p:spPr>
+          <a:xfrm>
+            <a:off x="1243874" y="4924265"/>
+            <a:ext cx="2361214" cy="815112"/>
+          </a:xfrm>
+          <a:prstGeom prst="roundRect">
+            <a:avLst/>
+          </a:prstGeom>
+          <a:solidFill>
+            <a:schemeClr val="tx1"/>
+          </a:solidFill>
+          <a:ln w="25400">
+            <a:solidFill>
+              <a:schemeClr val="bg1">
+                <a:lumMod val="65000"/>
+                <a:lumOff val="35000"/>
+              </a:schemeClr>
+            </a:solidFill>
+            <a:prstDash val="sysDash"/>
+          </a:ln>
+        </p:spPr>
+        <p:style>
+          <a:lnRef idx="2">
+            <a:schemeClr val="accent3">
+              <a:shade val="15000"/>
+            </a:schemeClr>
+          </a:lnRef>
+          <a:fillRef idx="1">
+            <a:schemeClr val="accent3"/>
+          </a:fillRef>
+          <a:effectRef idx="0">
+            <a:schemeClr val="accent3"/>
+          </a:effectRef>
+          <a:fontRef idx="minor">
+            <a:schemeClr val="lt1"/>
+          </a:fontRef>
+        </p:style>
+        <p:txBody>
+          <a:bodyPr rtlCol="0" anchor="ctr"/>
+          <a:lstStyle/>
+          <a:p>
+            <a:pPr algn="ctr"/>
+            <a:endParaRPr lang="en-US" b="1" dirty="0"/>
+          </a:p>
+        </p:txBody>
+      </p:sp>
+      <p:sp>
+        <p:nvSpPr>
+          <p:cNvPr id="53" name="Arrow: Up 52">
+            <a:extLst>
+              <a:ext uri="{FF2B5EF4-FFF2-40B4-BE49-F238E27FC236}">
+                <a16:creationId xmlns:a16="http://schemas.microsoft.com/office/drawing/2014/main" id="{461152FF-49C4-3B6D-9910-937F1FA54507}"/>
+              </a:ext>
+            </a:extLst>
+          </p:cNvPr>
+          <p:cNvSpPr/>
+          <p:nvPr/>
+        </p:nvSpPr>
+        <p:spPr>
+          <a:xfrm>
+            <a:off x="2317481" y="5627268"/>
+            <a:ext cx="261257" cy="244719"/>
+          </a:xfrm>
+          <a:prstGeom prst="upArrow">
+            <a:avLst/>
+          </a:prstGeom>
+          <a:solidFill>
+            <a:srgbClr val="0070C0"/>
+          </a:solidFill>
+        </p:spPr>
+        <p:style>
+          <a:lnRef idx="2">
+            <a:schemeClr val="accent1">
+              <a:shade val="15000"/>
+            </a:schemeClr>
+          </a:lnRef>
+          <a:fillRef idx="1">
+            <a:schemeClr val="accent1"/>
+          </a:fillRef>
+          <a:effectRef idx="0">
+            <a:schemeClr val="accent1"/>
+          </a:effectRef>
+          <a:fontRef idx="minor">
+            <a:schemeClr val="lt1"/>
+          </a:fontRef>
+        </p:style>
+        <p:txBody>
+          <a:bodyPr rtlCol="0" anchor="ctr"/>
+          <a:lstStyle/>
+          <a:p>
+            <a:pPr algn="ctr"/>
+            <a:endParaRPr lang="en-US"/>
+          </a:p>
+        </p:txBody>
+      </p:sp>
+      <p:sp>
+        <p:nvSpPr>
+          <p:cNvPr id="31" name="Rectangle: Rounded Corners 30">
+            <a:extLst>
+              <a:ext uri="{FF2B5EF4-FFF2-40B4-BE49-F238E27FC236}">
+                <a16:creationId xmlns:a16="http://schemas.microsoft.com/office/drawing/2014/main" id="{52C9CD84-8862-83AE-8A53-E0B9D6BABD53}"/>
+              </a:ext>
+            </a:extLst>
+          </p:cNvPr>
+          <p:cNvSpPr/>
+          <p:nvPr/>
+        </p:nvSpPr>
+        <p:spPr>
+          <a:xfrm>
+            <a:off x="1452008" y="5168064"/>
+            <a:ext cx="1954845" cy="476463"/>
+          </a:xfrm>
+          <a:prstGeom prst="roundRect">
+            <a:avLst/>
+          </a:prstGeom>
+          <a:solidFill>
+            <a:srgbClr val="7030A0"/>
+          </a:solidFill>
+        </p:spPr>
+        <p:style>
+          <a:lnRef idx="2">
+            <a:schemeClr val="accent4">
+              <a:shade val="15000"/>
+            </a:schemeClr>
+          </a:lnRef>
+          <a:fillRef idx="1">
+            <a:schemeClr val="accent4"/>
+          </a:fillRef>
+          <a:effectRef idx="0">
+            <a:schemeClr val="accent4"/>
+          </a:effectRef>
+          <a:fontRef idx="minor">
+            <a:schemeClr val="lt1"/>
+          </a:fontRef>
+        </p:style>
+        <p:txBody>
+          <a:bodyPr rtlCol="0" anchor="ctr"/>
+          <a:lstStyle/>
+          <a:p>
+            <a:pPr algn="ctr"/>
+            <a:r>
+              <a:rPr lang="en-US" b="1" dirty="0"/>
+              <a:t>Broker</a:t>
+            </a:r>
+          </a:p>
+        </p:txBody>
+      </p:sp>
+      <p:cxnSp>
+        <p:nvCxnSpPr>
+          <p:cNvPr id="59" name="Straight Connector 58">
+            <a:extLst>
+              <a:ext uri="{FF2B5EF4-FFF2-40B4-BE49-F238E27FC236}">
+                <a16:creationId xmlns:a16="http://schemas.microsoft.com/office/drawing/2014/main" id="{1FAFF5BB-1A9B-D6A1-AC8F-3E7984AB9CA2}"/>
+              </a:ext>
+            </a:extLst>
+          </p:cNvPr>
+          <p:cNvCxnSpPr>
+            <a:cxnSpLocks/>
+          </p:cNvCxnSpPr>
+          <p:nvPr/>
+        </p:nvCxnSpPr>
+        <p:spPr>
+          <a:xfrm>
+            <a:off x="2546355" y="3204600"/>
+            <a:ext cx="0" cy="1939823"/>
+          </a:xfrm>
+          <a:prstGeom prst="line">
+            <a:avLst/>
+          </a:prstGeom>
+          <a:ln w="19050">
+            <a:solidFill>
+              <a:srgbClr val="7030A0"/>
+            </a:solidFill>
+            <a:prstDash val="sysDash"/>
+          </a:ln>
+        </p:spPr>
+        <p:style>
+          <a:lnRef idx="1">
+            <a:schemeClr val="accent1"/>
+          </a:lnRef>
+          <a:fillRef idx="0">
+            <a:schemeClr val="accent1"/>
+          </a:fillRef>
+          <a:effectRef idx="0">
+            <a:schemeClr val="accent1"/>
+          </a:effectRef>
+          <a:fontRef idx="minor">
+            <a:schemeClr val="tx1"/>
+          </a:fontRef>
+        </p:style>
+      </p:cxnSp>
+      <p:cxnSp>
+        <p:nvCxnSpPr>
+          <p:cNvPr id="57" name="Straight Connector 56">
+            <a:extLst>
+              <a:ext uri="{FF2B5EF4-FFF2-40B4-BE49-F238E27FC236}">
+                <a16:creationId xmlns:a16="http://schemas.microsoft.com/office/drawing/2014/main" id="{15BDE374-38A3-C0CF-2A5C-3F8061EF58A3}"/>
+              </a:ext>
+            </a:extLst>
+          </p:cNvPr>
+          <p:cNvCxnSpPr>
+            <a:cxnSpLocks/>
+          </p:cNvCxnSpPr>
+          <p:nvPr/>
+        </p:nvCxnSpPr>
+        <p:spPr>
+          <a:xfrm>
+            <a:off x="2677888" y="3026922"/>
+            <a:ext cx="0" cy="2141142"/>
+          </a:xfrm>
+          <a:prstGeom prst="line">
+            <a:avLst/>
+          </a:prstGeom>
+          <a:ln w="19050">
+            <a:solidFill>
+              <a:srgbClr val="C00000"/>
+            </a:solidFill>
+            <a:prstDash val="sysDash"/>
+            <a:tailEnd type="triangle"/>
+          </a:ln>
+        </p:spPr>
+        <p:style>
+          <a:lnRef idx="1">
+            <a:schemeClr val="accent1"/>
+          </a:lnRef>
+          <a:fillRef idx="0">
+            <a:schemeClr val="accent1"/>
+          </a:fillRef>
+          <a:effectRef idx="0">
+            <a:schemeClr val="accent1"/>
+          </a:effectRef>
+          <a:fontRef idx="minor">
+            <a:schemeClr val="tx1"/>
+          </a:fontRef>
+        </p:style>
+      </p:cxnSp>
+      <p:cxnSp>
+        <p:nvCxnSpPr>
+          <p:cNvPr id="32" name="Straight Connector 31">
+            <a:extLst>
+              <a:ext uri="{FF2B5EF4-FFF2-40B4-BE49-F238E27FC236}">
+                <a16:creationId xmlns:a16="http://schemas.microsoft.com/office/drawing/2014/main" id="{0CDC051D-AB40-68DD-4AD6-C0CA65EE9AF1}"/>
+              </a:ext>
+            </a:extLst>
+          </p:cNvPr>
+          <p:cNvCxnSpPr>
+            <a:cxnSpLocks/>
+          </p:cNvCxnSpPr>
+          <p:nvPr/>
+        </p:nvCxnSpPr>
+        <p:spPr>
+          <a:xfrm flipV="1">
+            <a:off x="3468295" y="5319817"/>
+            <a:ext cx="1128352" cy="12004"/>
+          </a:xfrm>
+          <a:prstGeom prst="line">
+            <a:avLst/>
+          </a:prstGeom>
+          <a:ln w="19050">
+            <a:solidFill>
+              <a:srgbClr val="7030A0"/>
+            </a:solidFill>
+            <a:prstDash val="sysDash"/>
+            <a:tailEnd type="triangle"/>
+          </a:ln>
+        </p:spPr>
+        <p:style>
+          <a:lnRef idx="1">
+            <a:schemeClr val="accent1"/>
+          </a:lnRef>
+          <a:fillRef idx="0">
+            <a:schemeClr val="accent1"/>
+          </a:fillRef>
+          <a:effectRef idx="0">
+            <a:schemeClr val="accent1"/>
+          </a:effectRef>
+          <a:fontRef idx="minor">
+            <a:schemeClr val="tx1"/>
+          </a:fontRef>
+        </p:style>
+      </p:cxnSp>
+      <p:cxnSp>
+        <p:nvCxnSpPr>
+          <p:cNvPr id="72" name="Straight Connector 71">
+            <a:extLst>
+              <a:ext uri="{FF2B5EF4-FFF2-40B4-BE49-F238E27FC236}">
+                <a16:creationId xmlns:a16="http://schemas.microsoft.com/office/drawing/2014/main" id="{51520C81-9910-607A-A956-8D60E5C396D1}"/>
+              </a:ext>
+            </a:extLst>
+          </p:cNvPr>
+          <p:cNvCxnSpPr>
+            <a:cxnSpLocks/>
+          </p:cNvCxnSpPr>
+          <p:nvPr/>
+        </p:nvCxnSpPr>
+        <p:spPr>
+          <a:xfrm flipH="1">
+            <a:off x="3444211" y="5501981"/>
+            <a:ext cx="1152436" cy="8720"/>
+          </a:xfrm>
+          <a:prstGeom prst="line">
+            <a:avLst/>
+          </a:prstGeom>
+          <a:ln w="19050">
+            <a:solidFill>
+              <a:srgbClr val="FFC000"/>
+            </a:solidFill>
+            <a:prstDash val="sysDash"/>
+            <a:tailEnd type="triangle"/>
+          </a:ln>
+        </p:spPr>
+        <p:style>
+          <a:lnRef idx="1">
+            <a:schemeClr val="accent1"/>
+          </a:lnRef>
+          <a:fillRef idx="0">
+            <a:schemeClr val="accent1"/>
+          </a:fillRef>
+          <a:effectRef idx="0">
+            <a:schemeClr val="accent1"/>
+          </a:effectRef>
+          <a:fontRef idx="minor">
+            <a:schemeClr val="tx1"/>
+          </a:fontRef>
+        </p:style>
+      </p:cxnSp>
+      <p:sp>
+        <p:nvSpPr>
+          <p:cNvPr id="3" name="Date Placeholder 3">
+            <a:extLst>
+              <a:ext uri="{FF2B5EF4-FFF2-40B4-BE49-F238E27FC236}">
+                <a16:creationId xmlns:a16="http://schemas.microsoft.com/office/drawing/2014/main" id="{B78A8811-9BC8-C51B-FEEA-4CA376B9DE21}"/>
+              </a:ext>
+            </a:extLst>
+          </p:cNvPr>
+          <p:cNvSpPr txBox="1">
+            <a:spLocks/>
+          </p:cNvSpPr>
+          <p:nvPr/>
+        </p:nvSpPr>
+        <p:spPr>
+          <a:xfrm>
+            <a:off x="8992298" y="5946458"/>
+            <a:ext cx="1343706" cy="365125"/>
+          </a:xfrm>
+          <a:prstGeom prst="rect">
+            <a:avLst/>
+          </a:prstGeom>
+        </p:spPr>
+        <p:txBody>
+          <a:bodyPr vert="horz" lIns="91440" tIns="45720" rIns="91440" bIns="45720" rtlCol="0" anchor="b"/>
+          <a:lstStyle>
+            <a:defPPr>
+              <a:defRPr lang="en-US"/>
+            </a:defPPr>
+            <a:lvl1pPr marL="0" algn="r" defTabSz="457200" rtl="0" eaLnBrk="1" latinLnBrk="0" hangingPunct="1">
+              <a:defRPr sz="900" kern="1200">
+                <a:solidFill>
+                  <a:schemeClr val="tx1"/>
+                </a:solidFill>
+                <a:latin typeface="+mn-lt"/>
+                <a:ea typeface="+mn-ea"/>
+                <a:cs typeface="+mn-cs"/>
+              </a:defRPr>
+            </a:lvl1pPr>
+            <a:lvl2pPr marL="457200" algn="l" defTabSz="457200" rtl="0" eaLnBrk="1" latinLnBrk="0" hangingPunct="1">
+              <a:defRPr sz="1800" kern="1200">
+                <a:solidFill>
+                  <a:schemeClr val="tx1"/>
+                </a:solidFill>
+                <a:latin typeface="+mn-lt"/>
+                <a:ea typeface="+mn-ea"/>
+                <a:cs typeface="+mn-cs"/>
+              </a:defRPr>
+            </a:lvl2pPr>
+            <a:lvl3pPr marL="914400" algn="l" defTabSz="457200" rtl="0" eaLnBrk="1" latinLnBrk="0" hangingPunct="1">
+              <a:defRPr sz="1800" kern="1200">
+                <a:solidFill>
+                  <a:schemeClr val="tx1"/>
+                </a:solidFill>
+                <a:latin typeface="+mn-lt"/>
+                <a:ea typeface="+mn-ea"/>
+                <a:cs typeface="+mn-cs"/>
+              </a:defRPr>
+            </a:lvl3pPr>
+            <a:lvl4pPr marL="1371600" algn="l" defTabSz="457200" rtl="0" eaLnBrk="1" latinLnBrk="0" hangingPunct="1">
+              <a:defRPr sz="1800" kern="1200">
+                <a:solidFill>
+                  <a:schemeClr val="tx1"/>
+                </a:solidFill>
+                <a:latin typeface="+mn-lt"/>
+                <a:ea typeface="+mn-ea"/>
+                <a:cs typeface="+mn-cs"/>
+              </a:defRPr>
+            </a:lvl4pPr>
+            <a:lvl5pPr marL="1828800" algn="l" defTabSz="457200" rtl="0" eaLnBrk="1" latinLnBrk="0" hangingPunct="1">
+              <a:defRPr sz="1800" kern="1200">
+                <a:solidFill>
+                  <a:schemeClr val="tx1"/>
+                </a:solidFill>
+                <a:latin typeface="+mn-lt"/>
+                <a:ea typeface="+mn-ea"/>
+                <a:cs typeface="+mn-cs"/>
+              </a:defRPr>
+            </a:lvl5pPr>
+            <a:lvl6pPr marL="2286000" algn="l" defTabSz="457200" rtl="0" eaLnBrk="1" latinLnBrk="0" hangingPunct="1">
+              <a:defRPr sz="1800" kern="1200">
+                <a:solidFill>
+                  <a:schemeClr val="tx1"/>
+                </a:solidFill>
+                <a:latin typeface="+mn-lt"/>
+                <a:ea typeface="+mn-ea"/>
+                <a:cs typeface="+mn-cs"/>
+              </a:defRPr>
+            </a:lvl6pPr>
+            <a:lvl7pPr marL="2743200" algn="l" defTabSz="457200" rtl="0" eaLnBrk="1" latinLnBrk="0" hangingPunct="1">
+              <a:defRPr sz="1800" kern="1200">
+                <a:solidFill>
+                  <a:schemeClr val="tx1"/>
+                </a:solidFill>
+                <a:latin typeface="+mn-lt"/>
+                <a:ea typeface="+mn-ea"/>
+                <a:cs typeface="+mn-cs"/>
+              </a:defRPr>
+            </a:lvl7pPr>
+            <a:lvl8pPr marL="3200400" algn="l" defTabSz="457200" rtl="0" eaLnBrk="1" latinLnBrk="0" hangingPunct="1">
+              <a:defRPr sz="1800" kern="1200">
+                <a:solidFill>
+                  <a:schemeClr val="tx1"/>
+                </a:solidFill>
+                <a:latin typeface="+mn-lt"/>
+                <a:ea typeface="+mn-ea"/>
+                <a:cs typeface="+mn-cs"/>
+              </a:defRPr>
+            </a:lvl8pPr>
+            <a:lvl9pPr marL="3657600" algn="l" defTabSz="457200" rtl="0" eaLnBrk="1" latinLnBrk="0" hangingPunct="1">
+              <a:defRPr sz="1800" kern="1200">
+                <a:solidFill>
+                  <a:schemeClr val="tx1"/>
+                </a:solidFill>
+                <a:latin typeface="+mn-lt"/>
+                <a:ea typeface="+mn-ea"/>
+                <a:cs typeface="+mn-cs"/>
+              </a:defRPr>
+            </a:lvl9pPr>
+          </a:lstStyle>
+          <a:p>
+            <a:fld id="{EB66EB2B-286A-45BC-9953-B5DF063DD154}" type="datetime1">
+              <a:rPr lang="en-US" smtClean="0"/>
+              <a:pPr/>
+              <a:t>04-Jul-23</a:t>
+            </a:fld>
+            <a:endParaRPr lang="en-US"/>
+          </a:p>
+        </p:txBody>
+      </p:sp>
+      <p:sp>
+        <p:nvSpPr>
+          <p:cNvPr id="4" name="Rectangle: Rounded Corners 3">
+            <a:extLst>
+              <a:ext uri="{FF2B5EF4-FFF2-40B4-BE49-F238E27FC236}">
+                <a16:creationId xmlns:a16="http://schemas.microsoft.com/office/drawing/2014/main" id="{6886B027-1C1A-E196-F5BC-1907DB1B970C}"/>
+              </a:ext>
+            </a:extLst>
+          </p:cNvPr>
+          <p:cNvSpPr/>
+          <p:nvPr/>
+        </p:nvSpPr>
+        <p:spPr>
+          <a:xfrm>
+            <a:off x="8304184" y="5830435"/>
+            <a:ext cx="2188029" cy="672482"/>
+          </a:xfrm>
+          <a:prstGeom prst="roundRect">
+            <a:avLst/>
+          </a:prstGeom>
+        </p:spPr>
+        <p:style>
+          <a:lnRef idx="2">
+            <a:schemeClr val="accent1">
+              <a:shade val="15000"/>
+            </a:schemeClr>
+          </a:lnRef>
+          <a:fillRef idx="1">
+            <a:schemeClr val="accent1"/>
+          </a:fillRef>
+          <a:effectRef idx="0">
+            <a:schemeClr val="accent1"/>
+          </a:effectRef>
+          <a:fontRef idx="minor">
+            <a:schemeClr val="lt1"/>
+          </a:fontRef>
+        </p:style>
+        <p:txBody>
+          <a:bodyPr rtlCol="0" anchor="ctr"/>
+          <a:lstStyle/>
+          <a:p>
+            <a:pPr algn="ctr"/>
+            <a:r>
+              <a:rPr lang="en-US" b="1" dirty="0"/>
+              <a:t>MongoDB</a:t>
+            </a:r>
+          </a:p>
+        </p:txBody>
+      </p:sp>
+      <p:sp>
+        <p:nvSpPr>
+          <p:cNvPr id="9" name="Rectangle: Rounded Corners 8">
+            <a:extLst>
+              <a:ext uri="{FF2B5EF4-FFF2-40B4-BE49-F238E27FC236}">
+                <a16:creationId xmlns:a16="http://schemas.microsoft.com/office/drawing/2014/main" id="{1CFB8499-B2F5-5D15-F21B-83AE4738663F}"/>
+              </a:ext>
+            </a:extLst>
+          </p:cNvPr>
+          <p:cNvSpPr/>
+          <p:nvPr/>
+        </p:nvSpPr>
+        <p:spPr>
+          <a:xfrm>
+            <a:off x="8255447" y="4924265"/>
+            <a:ext cx="2318408" cy="790820"/>
+          </a:xfrm>
+          <a:prstGeom prst="roundRect">
+            <a:avLst/>
+          </a:prstGeom>
+          <a:solidFill>
+            <a:schemeClr val="tx1"/>
+          </a:solidFill>
+          <a:ln w="25400">
+            <a:solidFill>
+              <a:schemeClr val="bg1">
+                <a:lumMod val="65000"/>
+                <a:lumOff val="35000"/>
+              </a:schemeClr>
+            </a:solidFill>
+            <a:prstDash val="sysDash"/>
+          </a:ln>
+        </p:spPr>
+        <p:style>
+          <a:lnRef idx="2">
+            <a:schemeClr val="accent3">
+              <a:shade val="15000"/>
+            </a:schemeClr>
+          </a:lnRef>
+          <a:fillRef idx="1">
+            <a:schemeClr val="accent3"/>
+          </a:fillRef>
+          <a:effectRef idx="0">
+            <a:schemeClr val="accent3"/>
+          </a:effectRef>
+          <a:fontRef idx="minor">
+            <a:schemeClr val="lt1"/>
+          </a:fontRef>
+        </p:style>
+        <p:txBody>
+          <a:bodyPr rtlCol="0" anchor="ctr"/>
+          <a:lstStyle/>
+          <a:p>
+            <a:pPr algn="ctr"/>
+            <a:endParaRPr lang="en-US" b="1" dirty="0"/>
+          </a:p>
+        </p:txBody>
+      </p:sp>
+      <p:sp>
+        <p:nvSpPr>
+          <p:cNvPr id="13" name="Arrow: Up 12">
+            <a:extLst>
+              <a:ext uri="{FF2B5EF4-FFF2-40B4-BE49-F238E27FC236}">
+                <a16:creationId xmlns:a16="http://schemas.microsoft.com/office/drawing/2014/main" id="{A3F6E3CB-89CB-9922-2345-59828EA1FCBF}"/>
+              </a:ext>
+            </a:extLst>
+          </p:cNvPr>
+          <p:cNvSpPr/>
+          <p:nvPr/>
+        </p:nvSpPr>
+        <p:spPr>
+          <a:xfrm>
+            <a:off x="9286248" y="5602976"/>
+            <a:ext cx="261257" cy="244719"/>
+          </a:xfrm>
+          <a:prstGeom prst="upArrow">
+            <a:avLst/>
+          </a:prstGeom>
+          <a:solidFill>
+            <a:srgbClr val="0070C0"/>
+          </a:solidFill>
+        </p:spPr>
+        <p:style>
+          <a:lnRef idx="2">
+            <a:schemeClr val="accent1">
+              <a:shade val="15000"/>
+            </a:schemeClr>
+          </a:lnRef>
+          <a:fillRef idx="1">
+            <a:schemeClr val="accent1"/>
+          </a:fillRef>
+          <a:effectRef idx="0">
+            <a:schemeClr val="accent1"/>
+          </a:effectRef>
+          <a:fontRef idx="minor">
+            <a:schemeClr val="lt1"/>
+          </a:fontRef>
+        </p:style>
+        <p:txBody>
+          <a:bodyPr rtlCol="0" anchor="ctr"/>
+          <a:lstStyle/>
+          <a:p>
+            <a:pPr algn="ctr"/>
+            <a:endParaRPr lang="en-US"/>
+          </a:p>
+        </p:txBody>
+      </p:sp>
+      <p:sp>
+        <p:nvSpPr>
+          <p:cNvPr id="14" name="Rectangle: Rounded Corners 13">
+            <a:extLst>
+              <a:ext uri="{FF2B5EF4-FFF2-40B4-BE49-F238E27FC236}">
+                <a16:creationId xmlns:a16="http://schemas.microsoft.com/office/drawing/2014/main" id="{FDEB629F-2F6C-E269-0438-AB98BFDFC5FC}"/>
+              </a:ext>
+            </a:extLst>
+          </p:cNvPr>
+          <p:cNvSpPr/>
+          <p:nvPr/>
+        </p:nvSpPr>
+        <p:spPr>
+          <a:xfrm>
+            <a:off x="8420775" y="5143772"/>
+            <a:ext cx="1954845" cy="476463"/>
+          </a:xfrm>
+          <a:prstGeom prst="roundRect">
+            <a:avLst/>
+          </a:prstGeom>
+          <a:solidFill>
+            <a:srgbClr val="00B0F0"/>
+          </a:solidFill>
+        </p:spPr>
+        <p:style>
+          <a:lnRef idx="2">
+            <a:schemeClr val="accent4">
+              <a:shade val="15000"/>
+            </a:schemeClr>
+          </a:lnRef>
+          <a:fillRef idx="1">
+            <a:schemeClr val="accent4"/>
+          </a:fillRef>
+          <a:effectRef idx="0">
+            <a:schemeClr val="accent4"/>
+          </a:effectRef>
+          <a:fontRef idx="minor">
+            <a:schemeClr val="lt1"/>
+          </a:fontRef>
+        </p:style>
+        <p:txBody>
+          <a:bodyPr rtlCol="0" anchor="ctr"/>
+          <a:lstStyle/>
+          <a:p>
+            <a:pPr algn="ctr"/>
+            <a:r>
+              <a:rPr lang="en-US" b="1" dirty="0"/>
+              <a:t>DB Handler</a:t>
+            </a:r>
+          </a:p>
+        </p:txBody>
+      </p:sp>
+      <p:cxnSp>
+        <p:nvCxnSpPr>
+          <p:cNvPr id="15" name="Straight Connector 14">
+            <a:extLst>
+              <a:ext uri="{FF2B5EF4-FFF2-40B4-BE49-F238E27FC236}">
+                <a16:creationId xmlns:a16="http://schemas.microsoft.com/office/drawing/2014/main" id="{37478BB8-3B21-62DE-CBA2-4F8AF4402102}"/>
+              </a:ext>
+            </a:extLst>
+          </p:cNvPr>
+          <p:cNvCxnSpPr>
+            <a:cxnSpLocks/>
+          </p:cNvCxnSpPr>
+          <p:nvPr/>
+        </p:nvCxnSpPr>
+        <p:spPr>
+          <a:xfrm flipV="1">
+            <a:off x="7301014" y="5307671"/>
+            <a:ext cx="1128352" cy="12004"/>
+          </a:xfrm>
+          <a:prstGeom prst="line">
+            <a:avLst/>
+          </a:prstGeom>
+          <a:ln w="19050">
+            <a:solidFill>
+              <a:srgbClr val="FFC000"/>
+            </a:solidFill>
+            <a:prstDash val="sysDash"/>
+            <a:tailEnd type="triangle"/>
+          </a:ln>
+        </p:spPr>
+        <p:style>
+          <a:lnRef idx="1">
+            <a:schemeClr val="accent1"/>
+          </a:lnRef>
+          <a:fillRef idx="0">
+            <a:schemeClr val="accent1"/>
+          </a:fillRef>
+          <a:effectRef idx="0">
+            <a:schemeClr val="accent1"/>
+          </a:effectRef>
+          <a:fontRef idx="minor">
+            <a:schemeClr val="tx1"/>
+          </a:fontRef>
+        </p:style>
+      </p:cxnSp>
+      <p:cxnSp>
+        <p:nvCxnSpPr>
+          <p:cNvPr id="16" name="Straight Connector 15">
+            <a:extLst>
+              <a:ext uri="{FF2B5EF4-FFF2-40B4-BE49-F238E27FC236}">
+                <a16:creationId xmlns:a16="http://schemas.microsoft.com/office/drawing/2014/main" id="{26EC032C-C226-D85F-D83B-9E6EC293895D}"/>
+              </a:ext>
+            </a:extLst>
+          </p:cNvPr>
+          <p:cNvCxnSpPr>
+            <a:cxnSpLocks/>
+          </p:cNvCxnSpPr>
+          <p:nvPr/>
+        </p:nvCxnSpPr>
+        <p:spPr>
+          <a:xfrm flipH="1">
+            <a:off x="7276930" y="5474315"/>
+            <a:ext cx="1143845" cy="0"/>
+          </a:xfrm>
+          <a:prstGeom prst="line">
+            <a:avLst/>
+          </a:prstGeom>
+          <a:ln w="19050">
+            <a:solidFill>
+              <a:srgbClr val="00B0F0"/>
+            </a:solidFill>
+            <a:prstDash val="sysDash"/>
+            <a:tailEnd type="triangle"/>
+          </a:ln>
+        </p:spPr>
+        <p:style>
+          <a:lnRef idx="1">
+            <a:schemeClr val="accent1"/>
+          </a:lnRef>
+          <a:fillRef idx="0">
+            <a:schemeClr val="accent1"/>
+          </a:fillRef>
+          <a:effectRef idx="0">
+            <a:schemeClr val="accent1"/>
+          </a:effectRef>
+          <a:fontRef idx="minor">
+            <a:schemeClr val="tx1"/>
+          </a:fontRef>
+        </p:style>
+      </p:cxnSp>
+    </p:spTree>
+    <p:extLst>
+      <p:ext uri="{BB962C8B-B14F-4D97-AF65-F5344CB8AC3E}">
+        <p14:creationId xmlns:p14="http://schemas.microsoft.com/office/powerpoint/2010/main" val="324702382"/>
+      </p:ext>
+    </p:extLst>
+  </p:cSld>
+  <p:clrMapOvr>
+    <a:masterClrMapping/>
+  </p:clrMapOvr>
+</p:sld>
+</file>
+
+<file path=ppt/slides/slide12.xml><?xml version="1.0" encoding="utf-8"?>
+<p:sld xmlns:a="http://schemas.openxmlformats.org/drawingml/2006/main" xmlns:r="http://schemas.openxmlformats.org/officeDocument/2006/relationships" xmlns:p="http://schemas.openxmlformats.org/presentationml/2006/main">
+  <p:cSld>
+    <p:spTree>
+      <p:nvGrpSpPr>
+        <p:cNvPr id="1" name=""/>
+        <p:cNvGrpSpPr/>
+        <p:nvPr/>
+      </p:nvGrpSpPr>
+      <p:grpSpPr>
+        <a:xfrm>
+          <a:off x="0" y="0"/>
+          <a:ext cx="0" cy="0"/>
+          <a:chOff x="0" y="0"/>
+          <a:chExt cx="0" cy="0"/>
+        </a:xfrm>
+      </p:grpSpPr>
+      <p:sp>
+        <p:nvSpPr>
+          <p:cNvPr id="2" name="Title 1">
+            <a:extLst>
+              <a:ext uri="{FF2B5EF4-FFF2-40B4-BE49-F238E27FC236}">
+                <a16:creationId xmlns:a16="http://schemas.microsoft.com/office/drawing/2014/main" id="{A638DB80-0F08-1741-D1F0-21A5119A41B1}"/>
+              </a:ext>
+            </a:extLst>
+          </p:cNvPr>
+          <p:cNvSpPr>
+            <a:spLocks noGrp="1"/>
+          </p:cNvSpPr>
+          <p:nvPr>
+            <p:ph type="title"/>
+          </p:nvPr>
+        </p:nvSpPr>
+        <p:spPr/>
+        <p:txBody>
+          <a:bodyPr/>
+          <a:lstStyle/>
+          <a:p>
+            <a:r>
+              <a:rPr lang="en-US" dirty="0"/>
+              <a:t>Front-End Concept</a:t>
+            </a:r>
+          </a:p>
+        </p:txBody>
+      </p:sp>
+      <p:sp>
+        <p:nvSpPr>
+          <p:cNvPr id="4" name="Date Placeholder 3">
+            <a:extLst>
+              <a:ext uri="{FF2B5EF4-FFF2-40B4-BE49-F238E27FC236}">
+                <a16:creationId xmlns:a16="http://schemas.microsoft.com/office/drawing/2014/main" id="{7D6D102C-228C-C1E7-E2D9-D2FF335C7853}"/>
+              </a:ext>
+            </a:extLst>
+          </p:cNvPr>
+          <p:cNvSpPr>
+            <a:spLocks noGrp="1"/>
+          </p:cNvSpPr>
+          <p:nvPr>
+            <p:ph type="dt" sz="half" idx="10"/>
+          </p:nvPr>
+        </p:nvSpPr>
+        <p:spPr/>
+        <p:txBody>
+          <a:bodyPr/>
+          <a:lstStyle/>
+          <a:p>
+            <a:fld id="{EB66EB2B-286A-45BC-9953-B5DF063DD154}" type="datetime1">
+              <a:rPr lang="en-US" smtClean="0"/>
+              <a:t>04-Jul-23</a:t>
+            </a:fld>
+            <a:endParaRPr lang="en-US"/>
+          </a:p>
+        </p:txBody>
+      </p:sp>
+      <p:sp>
+        <p:nvSpPr>
+          <p:cNvPr id="5" name="Slide Number Placeholder 4">
+            <a:extLst>
+              <a:ext uri="{FF2B5EF4-FFF2-40B4-BE49-F238E27FC236}">
+                <a16:creationId xmlns:a16="http://schemas.microsoft.com/office/drawing/2014/main" id="{C04B5272-CACA-674E-BBC7-E983983AFAC2}"/>
+              </a:ext>
+            </a:extLst>
+          </p:cNvPr>
+          <p:cNvSpPr>
+            <a:spLocks noGrp="1"/>
+          </p:cNvSpPr>
+          <p:nvPr>
+            <p:ph type="sldNum" sz="quarter" idx="12"/>
+          </p:nvPr>
+        </p:nvSpPr>
+        <p:spPr/>
+        <p:txBody>
+          <a:bodyPr/>
+          <a:lstStyle/>
+          <a:p>
+            <a:fld id="{DB48B2AB-3808-49D7-8A5E-478590DD98C6}" type="slidenum">
+              <a:rPr lang="en-US" smtClean="0"/>
+              <a:t>12</a:t>
+            </a:fld>
+            <a:endParaRPr lang="en-US"/>
+          </a:p>
+        </p:txBody>
+      </p:sp>
+      <p:sp>
+        <p:nvSpPr>
+          <p:cNvPr id="6" name="Rectangle: Rounded Corners 5">
+            <a:extLst>
+              <a:ext uri="{FF2B5EF4-FFF2-40B4-BE49-F238E27FC236}">
+                <a16:creationId xmlns:a16="http://schemas.microsoft.com/office/drawing/2014/main" id="{D72DBBB7-FAD6-A017-C4CB-5CC1DA3D1533}"/>
+              </a:ext>
+            </a:extLst>
+          </p:cNvPr>
+          <p:cNvSpPr/>
+          <p:nvPr/>
+        </p:nvSpPr>
+        <p:spPr>
+          <a:xfrm>
+            <a:off x="760454" y="2446066"/>
+            <a:ext cx="2634586" cy="4207826"/>
+          </a:xfrm>
+          <a:prstGeom prst="roundRect">
+            <a:avLst/>
+          </a:prstGeom>
+          <a:solidFill>
+            <a:schemeClr val="tx1"/>
+          </a:solidFill>
+          <a:ln w="34925">
+            <a:prstDash val="sysDash"/>
+          </a:ln>
+        </p:spPr>
+        <p:style>
+          <a:lnRef idx="2">
+            <a:schemeClr val="accent1">
+              <a:shade val="15000"/>
+            </a:schemeClr>
+          </a:lnRef>
+          <a:fillRef idx="1">
+            <a:schemeClr val="accent1"/>
+          </a:fillRef>
+          <a:effectRef idx="0">
+            <a:schemeClr val="accent1"/>
+          </a:effectRef>
+          <a:fontRef idx="minor">
+            <a:schemeClr val="lt1"/>
+          </a:fontRef>
+        </p:style>
+        <p:txBody>
+          <a:bodyPr rtlCol="0" anchor="ctr"/>
+          <a:lstStyle/>
+          <a:p>
+            <a:pPr algn="ctr"/>
+            <a:endParaRPr lang="en-US" dirty="0"/>
+          </a:p>
+        </p:txBody>
+      </p:sp>
+      <p:sp>
+        <p:nvSpPr>
+          <p:cNvPr id="7" name="Rectangle: Rounded Corners 6">
+            <a:extLst>
+              <a:ext uri="{FF2B5EF4-FFF2-40B4-BE49-F238E27FC236}">
+                <a16:creationId xmlns:a16="http://schemas.microsoft.com/office/drawing/2014/main" id="{10BD7830-1B3F-E1ED-57CF-6A1BCEB074F6}"/>
+              </a:ext>
+            </a:extLst>
+          </p:cNvPr>
+          <p:cNvSpPr/>
+          <p:nvPr/>
+        </p:nvSpPr>
+        <p:spPr>
+          <a:xfrm>
+            <a:off x="7350578" y="2446066"/>
+            <a:ext cx="2634586" cy="3595296"/>
+          </a:xfrm>
+          <a:prstGeom prst="roundRect">
+            <a:avLst/>
+          </a:prstGeom>
+          <a:solidFill>
+            <a:schemeClr val="tx1"/>
+          </a:solidFill>
+          <a:ln w="34925">
+            <a:prstDash val="sysDash"/>
+          </a:ln>
+        </p:spPr>
+        <p:style>
+          <a:lnRef idx="2">
+            <a:schemeClr val="accent1">
+              <a:shade val="15000"/>
+            </a:schemeClr>
+          </a:lnRef>
+          <a:fillRef idx="1">
+            <a:schemeClr val="accent1"/>
+          </a:fillRef>
+          <a:effectRef idx="0">
+            <a:schemeClr val="accent1"/>
+          </a:effectRef>
+          <a:fontRef idx="minor">
+            <a:schemeClr val="lt1"/>
+          </a:fontRef>
+        </p:style>
+        <p:txBody>
+          <a:bodyPr rtlCol="0" anchor="ctr"/>
+          <a:lstStyle/>
+          <a:p>
+            <a:pPr algn="ctr"/>
+            <a:endParaRPr lang="en-US"/>
+          </a:p>
+        </p:txBody>
+      </p:sp>
+      <p:pic>
+        <p:nvPicPr>
+          <p:cNvPr id="8" name="Picture 7" descr="A picture containing electronics, electronic component, circuit component, passive circuit component&#10;&#10;Description automatically generated">
+            <a:extLst>
+              <a:ext uri="{FF2B5EF4-FFF2-40B4-BE49-F238E27FC236}">
+                <a16:creationId xmlns:a16="http://schemas.microsoft.com/office/drawing/2014/main" id="{064D7DCC-21C9-DE06-CEE5-CDC8D6ACA79A}"/>
+              </a:ext>
+            </a:extLst>
+          </p:cNvPr>
+          <p:cNvPicPr>
+            <a:picLocks noChangeAspect="1"/>
+          </p:cNvPicPr>
+          <p:nvPr/>
+        </p:nvPicPr>
+        <p:blipFill>
+          <a:blip r:embed="rId2">
+            <a:extLst>
+              <a:ext uri="{28A0092B-C50C-407E-A947-70E740481C1C}">
+                <a14:useLocalDpi xmlns:a14="http://schemas.microsoft.com/office/drawing/2010/main" val="0"/>
+              </a:ext>
+            </a:extLst>
+          </a:blip>
+          <a:stretch>
+            <a:fillRect/>
+          </a:stretch>
+        </p:blipFill>
+        <p:spPr>
+          <a:xfrm>
+            <a:off x="1162785" y="4739822"/>
+            <a:ext cx="1775873" cy="1775873"/>
+          </a:xfrm>
+          <a:prstGeom prst="roundRect">
+            <a:avLst>
+              <a:gd name="adj" fmla="val 3876"/>
+            </a:avLst>
+          </a:prstGeom>
+          <a:ln>
+            <a:solidFill>
+              <a:schemeClr val="accent1"/>
+            </a:solidFill>
+          </a:ln>
+          <a:effectLst/>
+        </p:spPr>
+      </p:pic>
+      <p:pic>
+        <p:nvPicPr>
+          <p:cNvPr id="10" name="Picture 9" descr="A picture containing text, clipart, graphic design, design&#10;&#10;Description automatically generated">
+            <a:extLst>
+              <a:ext uri="{FF2B5EF4-FFF2-40B4-BE49-F238E27FC236}">
+                <a16:creationId xmlns:a16="http://schemas.microsoft.com/office/drawing/2014/main" id="{8F1EF72C-7A32-B4E0-EE7E-E9D005EA66C5}"/>
+              </a:ext>
+            </a:extLst>
+          </p:cNvPr>
+          <p:cNvPicPr>
+            <a:picLocks noChangeAspect="1"/>
+          </p:cNvPicPr>
+          <p:nvPr/>
+        </p:nvPicPr>
+        <p:blipFill>
+          <a:blip r:embed="rId3">
+            <a:extLst>
+              <a:ext uri="{28A0092B-C50C-407E-A947-70E740481C1C}">
+                <a14:useLocalDpi xmlns:a14="http://schemas.microsoft.com/office/drawing/2010/main" val="0"/>
+              </a:ext>
+            </a:extLst>
+          </a:blip>
+          <a:stretch>
+            <a:fillRect/>
+          </a:stretch>
+        </p:blipFill>
+        <p:spPr>
+          <a:xfrm>
+            <a:off x="1162785" y="3742688"/>
+            <a:ext cx="1755321" cy="1093985"/>
+          </a:xfrm>
+          <a:prstGeom prst="rect">
+            <a:avLst/>
+          </a:prstGeom>
+        </p:spPr>
+      </p:pic>
+      <p:sp>
+        <p:nvSpPr>
+          <p:cNvPr id="11" name="Rectangle: Rounded Corners 10">
+            <a:extLst>
+              <a:ext uri="{FF2B5EF4-FFF2-40B4-BE49-F238E27FC236}">
+                <a16:creationId xmlns:a16="http://schemas.microsoft.com/office/drawing/2014/main" id="{4D184C3B-0A65-3ED2-1960-7AC312654B28}"/>
+              </a:ext>
+            </a:extLst>
+          </p:cNvPr>
+          <p:cNvSpPr/>
+          <p:nvPr/>
+        </p:nvSpPr>
+        <p:spPr>
+          <a:xfrm>
+            <a:off x="1285330" y="3010443"/>
+            <a:ext cx="1755321" cy="380298"/>
+          </a:xfrm>
+          <a:prstGeom prst="roundRect">
+            <a:avLst/>
+          </a:prstGeom>
+        </p:spPr>
+        <p:style>
+          <a:lnRef idx="2">
+            <a:schemeClr val="accent1">
+              <a:shade val="15000"/>
+            </a:schemeClr>
+          </a:lnRef>
+          <a:fillRef idx="1">
+            <a:schemeClr val="accent1"/>
+          </a:fillRef>
+          <a:effectRef idx="0">
+            <a:schemeClr val="accent1"/>
+          </a:effectRef>
+          <a:fontRef idx="minor">
+            <a:schemeClr val="lt1"/>
+          </a:fontRef>
+        </p:style>
+        <p:txBody>
+          <a:bodyPr rtlCol="0" anchor="ctr"/>
+          <a:lstStyle/>
+          <a:p>
+            <a:pPr algn="ctr"/>
+            <a:r>
+              <a:rPr lang="en-US" dirty="0"/>
+              <a:t>HTTP </a:t>
+            </a:r>
+            <a:r>
+              <a:rPr lang="en-US" b="1" dirty="0"/>
+              <a:t>GET</a:t>
+            </a:r>
+            <a:r>
+              <a:rPr lang="en-US" dirty="0"/>
+              <a:t> API</a:t>
+            </a:r>
+          </a:p>
+        </p:txBody>
+      </p:sp>
+      <p:pic>
+        <p:nvPicPr>
+          <p:cNvPr id="13" name="Picture 12" descr="A logo of a google chrome&#10;&#10;Description automatically generated with low confidence">
+            <a:extLst>
+              <a:ext uri="{FF2B5EF4-FFF2-40B4-BE49-F238E27FC236}">
+                <a16:creationId xmlns:a16="http://schemas.microsoft.com/office/drawing/2014/main" id="{D552180A-B5E1-55B4-0608-95FA45938DA6}"/>
+              </a:ext>
+            </a:extLst>
+          </p:cNvPr>
+          <p:cNvPicPr>
+            <a:picLocks noChangeAspect="1"/>
+          </p:cNvPicPr>
+          <p:nvPr/>
+        </p:nvPicPr>
+        <p:blipFill>
+          <a:blip r:embed="rId4">
+            <a:extLst>
+              <a:ext uri="{28A0092B-C50C-407E-A947-70E740481C1C}">
+                <a14:useLocalDpi xmlns:a14="http://schemas.microsoft.com/office/drawing/2010/main" val="0"/>
+              </a:ext>
+            </a:extLst>
+          </a:blip>
+          <a:stretch>
+            <a:fillRect/>
+          </a:stretch>
+        </p:blipFill>
+        <p:spPr>
+          <a:xfrm>
+            <a:off x="9229462" y="5305118"/>
+            <a:ext cx="617152" cy="619216"/>
+          </a:xfrm>
+          <a:prstGeom prst="rect">
+            <a:avLst/>
+          </a:prstGeom>
+        </p:spPr>
+      </p:pic>
+      <p:pic>
+        <p:nvPicPr>
+          <p:cNvPr id="15" name="Picture 14" descr="A blue and green logo&#10;&#10;Description automatically generated with low confidence">
+            <a:extLst>
+              <a:ext uri="{FF2B5EF4-FFF2-40B4-BE49-F238E27FC236}">
+                <a16:creationId xmlns:a16="http://schemas.microsoft.com/office/drawing/2014/main" id="{B90D864E-C2E3-CAE9-1A35-1F32B454D073}"/>
+              </a:ext>
+            </a:extLst>
+          </p:cNvPr>
+          <p:cNvPicPr>
+            <a:picLocks noChangeAspect="1"/>
+          </p:cNvPicPr>
+          <p:nvPr/>
+        </p:nvPicPr>
+        <p:blipFill>
+          <a:blip r:embed="rId5">
+            <a:extLst>
+              <a:ext uri="{28A0092B-C50C-407E-A947-70E740481C1C}">
+                <a14:useLocalDpi xmlns:a14="http://schemas.microsoft.com/office/drawing/2010/main" val="0"/>
+              </a:ext>
+            </a:extLst>
+          </a:blip>
+          <a:stretch>
+            <a:fillRect/>
+          </a:stretch>
+        </p:blipFill>
+        <p:spPr>
+          <a:xfrm>
+            <a:off x="8317018" y="5317568"/>
+            <a:ext cx="852751" cy="639563"/>
+          </a:xfrm>
+          <a:prstGeom prst="rect">
+            <a:avLst/>
+          </a:prstGeom>
+        </p:spPr>
+      </p:pic>
+      <p:pic>
+        <p:nvPicPr>
+          <p:cNvPr id="17" name="Picture 16" descr="A picture containing graphics, creativity, clipart, colorfulness&#10;&#10;Description automatically generated">
+            <a:extLst>
+              <a:ext uri="{FF2B5EF4-FFF2-40B4-BE49-F238E27FC236}">
+                <a16:creationId xmlns:a16="http://schemas.microsoft.com/office/drawing/2014/main" id="{72C6D4C9-910C-6345-8D2D-36F698E02CBE}"/>
+              </a:ext>
+            </a:extLst>
+          </p:cNvPr>
+          <p:cNvPicPr>
+            <a:picLocks noChangeAspect="1"/>
+          </p:cNvPicPr>
+          <p:nvPr/>
+        </p:nvPicPr>
+        <p:blipFill>
+          <a:blip r:embed="rId6">
+            <a:extLst>
+              <a:ext uri="{28A0092B-C50C-407E-A947-70E740481C1C}">
+                <a14:useLocalDpi xmlns:a14="http://schemas.microsoft.com/office/drawing/2010/main" val="0"/>
+              </a:ext>
+            </a:extLst>
+          </a:blip>
+          <a:stretch>
+            <a:fillRect/>
+          </a:stretch>
+        </p:blipFill>
+        <p:spPr>
+          <a:xfrm>
+            <a:off x="7560128" y="5136311"/>
+            <a:ext cx="806226" cy="846537"/>
+          </a:xfrm>
+          <a:prstGeom prst="rect">
+            <a:avLst/>
+          </a:prstGeom>
+        </p:spPr>
+      </p:pic>
+      <p:cxnSp>
+        <p:nvCxnSpPr>
+          <p:cNvPr id="19" name="Straight Connector 18">
+            <a:extLst>
+              <a:ext uri="{FF2B5EF4-FFF2-40B4-BE49-F238E27FC236}">
+                <a16:creationId xmlns:a16="http://schemas.microsoft.com/office/drawing/2014/main" id="{F0B2D8BF-13F1-B7DB-6944-AA082A119876}"/>
+              </a:ext>
+            </a:extLst>
+          </p:cNvPr>
+          <p:cNvCxnSpPr/>
+          <p:nvPr/>
+        </p:nvCxnSpPr>
+        <p:spPr>
+          <a:xfrm>
+            <a:off x="7399690" y="5136311"/>
+            <a:ext cx="2585474" cy="0"/>
+          </a:xfrm>
+          <a:prstGeom prst="line">
+            <a:avLst/>
+          </a:prstGeom>
+        </p:spPr>
+        <p:style>
+          <a:lnRef idx="1">
+            <a:schemeClr val="accent1"/>
+          </a:lnRef>
+          <a:fillRef idx="0">
+            <a:schemeClr val="accent1"/>
+          </a:fillRef>
+          <a:effectRef idx="0">
+            <a:schemeClr val="accent1"/>
+          </a:effectRef>
+          <a:fontRef idx="minor">
+            <a:schemeClr val="tx1"/>
+          </a:fontRef>
+        </p:style>
+      </p:cxnSp>
+      <p:pic>
+        <p:nvPicPr>
+          <p:cNvPr id="21" name="Picture 20" descr="A picture containing text, font, symbol, number&#10;&#10;Description automatically generated">
+            <a:extLst>
+              <a:ext uri="{FF2B5EF4-FFF2-40B4-BE49-F238E27FC236}">
+                <a16:creationId xmlns:a16="http://schemas.microsoft.com/office/drawing/2014/main" id="{2F53A16B-B39B-0412-A22E-CECBC6E53456}"/>
+              </a:ext>
+            </a:extLst>
+          </p:cNvPr>
+          <p:cNvPicPr>
+            <a:picLocks noChangeAspect="1"/>
+          </p:cNvPicPr>
+          <p:nvPr/>
+        </p:nvPicPr>
+        <p:blipFill>
+          <a:blip r:embed="rId7">
+            <a:extLst>
+              <a:ext uri="{28A0092B-C50C-407E-A947-70E740481C1C}">
+                <a14:useLocalDpi xmlns:a14="http://schemas.microsoft.com/office/drawing/2010/main" val="0"/>
+              </a:ext>
+            </a:extLst>
+          </a:blip>
+          <a:stretch>
+            <a:fillRect/>
+          </a:stretch>
+        </p:blipFill>
+        <p:spPr>
+          <a:xfrm>
+            <a:off x="9229462" y="2608770"/>
+            <a:ext cx="640873" cy="691278"/>
+          </a:xfrm>
+          <a:prstGeom prst="rect">
+            <a:avLst/>
+          </a:prstGeom>
+        </p:spPr>
+      </p:pic>
+      <p:sp>
+        <p:nvSpPr>
+          <p:cNvPr id="22" name="Rectangle: Rounded Corners 21">
+            <a:extLst>
+              <a:ext uri="{FF2B5EF4-FFF2-40B4-BE49-F238E27FC236}">
+                <a16:creationId xmlns:a16="http://schemas.microsoft.com/office/drawing/2014/main" id="{23C439AD-E1A5-D4E9-E489-21CF31571F0C}"/>
+              </a:ext>
+            </a:extLst>
+          </p:cNvPr>
+          <p:cNvSpPr/>
+          <p:nvPr/>
+        </p:nvSpPr>
+        <p:spPr>
+          <a:xfrm>
+            <a:off x="7609758" y="2960138"/>
+            <a:ext cx="1513192" cy="380298"/>
+          </a:xfrm>
+          <a:prstGeom prst="roundRect">
+            <a:avLst/>
+          </a:prstGeom>
+        </p:spPr>
+        <p:style>
+          <a:lnRef idx="2">
+            <a:schemeClr val="accent1">
+              <a:shade val="15000"/>
+            </a:schemeClr>
+          </a:lnRef>
+          <a:fillRef idx="1">
+            <a:schemeClr val="accent1"/>
+          </a:fillRef>
+          <a:effectRef idx="0">
+            <a:schemeClr val="accent1"/>
+          </a:effectRef>
+          <a:fontRef idx="minor">
+            <a:schemeClr val="lt1"/>
+          </a:fontRef>
+        </p:style>
+        <p:txBody>
+          <a:bodyPr rtlCol="0" anchor="ctr"/>
+          <a:lstStyle/>
+          <a:p>
+            <a:pPr algn="ctr"/>
+            <a:r>
+              <a:rPr lang="en-US" b="1" dirty="0"/>
+              <a:t>FETCH GET</a:t>
+            </a:r>
+            <a:endParaRPr lang="en-US" dirty="0"/>
+          </a:p>
+        </p:txBody>
+      </p:sp>
+      <p:cxnSp>
+        <p:nvCxnSpPr>
+          <p:cNvPr id="23" name="Straight Connector 22">
+            <a:extLst>
+              <a:ext uri="{FF2B5EF4-FFF2-40B4-BE49-F238E27FC236}">
+                <a16:creationId xmlns:a16="http://schemas.microsoft.com/office/drawing/2014/main" id="{345D07EC-752A-1C92-4F0E-82B08D797679}"/>
+              </a:ext>
+            </a:extLst>
+          </p:cNvPr>
+          <p:cNvCxnSpPr>
+            <a:cxnSpLocks/>
+          </p:cNvCxnSpPr>
+          <p:nvPr/>
+        </p:nvCxnSpPr>
+        <p:spPr>
+          <a:xfrm flipV="1">
+            <a:off x="3195965" y="3150287"/>
+            <a:ext cx="4364163" cy="17552"/>
+          </a:xfrm>
+          <a:prstGeom prst="line">
+            <a:avLst/>
+          </a:prstGeom>
+          <a:ln w="22225">
+            <a:solidFill>
+              <a:schemeClr val="accent3"/>
+            </a:solidFill>
+            <a:prstDash val="sysDash"/>
+            <a:headEnd type="triangle"/>
+            <a:tailEnd type="triangle"/>
+          </a:ln>
+        </p:spPr>
+        <p:style>
+          <a:lnRef idx="1">
+            <a:schemeClr val="accent1"/>
+          </a:lnRef>
+          <a:fillRef idx="0">
+            <a:schemeClr val="accent1"/>
+          </a:fillRef>
+          <a:effectRef idx="0">
+            <a:schemeClr val="accent1"/>
+          </a:effectRef>
+          <a:fontRef idx="minor">
+            <a:schemeClr val="tx1"/>
+          </a:fontRef>
+        </p:style>
+      </p:cxnSp>
+      <p:sp>
+        <p:nvSpPr>
+          <p:cNvPr id="26" name="Rectangle: Rounded Corners 25">
+            <a:extLst>
+              <a:ext uri="{FF2B5EF4-FFF2-40B4-BE49-F238E27FC236}">
+                <a16:creationId xmlns:a16="http://schemas.microsoft.com/office/drawing/2014/main" id="{E9D25F73-13A8-2285-BEDF-6706D21A40F2}"/>
+              </a:ext>
+            </a:extLst>
+          </p:cNvPr>
+          <p:cNvSpPr/>
+          <p:nvPr/>
+        </p:nvSpPr>
+        <p:spPr>
+          <a:xfrm>
+            <a:off x="7485965" y="3468854"/>
+            <a:ext cx="2319585" cy="1583226"/>
+          </a:xfrm>
+          <a:prstGeom prst="roundRect">
+            <a:avLst/>
+          </a:prstGeom>
+          <a:solidFill>
+            <a:schemeClr val="tx1"/>
+          </a:solidFill>
+        </p:spPr>
+        <p:style>
+          <a:lnRef idx="2">
+            <a:schemeClr val="accent1">
+              <a:shade val="15000"/>
+            </a:schemeClr>
+          </a:lnRef>
+          <a:fillRef idx="1">
+            <a:schemeClr val="accent1"/>
+          </a:fillRef>
+          <a:effectRef idx="0">
+            <a:schemeClr val="accent1"/>
+          </a:effectRef>
+          <a:fontRef idx="minor">
+            <a:schemeClr val="lt1"/>
+          </a:fontRef>
+        </p:style>
+        <p:txBody>
+          <a:bodyPr rtlCol="0" anchor="ctr"/>
+          <a:lstStyle/>
+          <a:p>
+            <a:pPr marL="342900" indent="-342900">
+              <a:buAutoNum type="arabicPeriod"/>
+            </a:pPr>
+            <a:r>
+              <a:rPr lang="en-US" sz="1400" dirty="0">
+                <a:solidFill>
+                  <a:schemeClr val="bg1"/>
+                </a:solidFill>
+              </a:rPr>
+              <a:t>Retrieve wash machines states and timestamp</a:t>
+            </a:r>
+          </a:p>
+          <a:p>
+            <a:pPr marL="342900" indent="-342900">
+              <a:buAutoNum type="arabicPeriod"/>
+            </a:pPr>
+            <a:r>
+              <a:rPr lang="en-US" sz="1400" dirty="0" err="1">
+                <a:solidFill>
+                  <a:schemeClr val="bg1"/>
+                </a:solidFill>
+              </a:rPr>
+              <a:t>mqtt_subscribe</a:t>
+            </a:r>
+            <a:endParaRPr lang="en-US" sz="1400" dirty="0">
+              <a:solidFill>
+                <a:schemeClr val="bg1"/>
+              </a:solidFill>
+            </a:endParaRPr>
+          </a:p>
+          <a:p>
+            <a:pPr marL="342900" indent="-342900" algn="ctr">
+              <a:buAutoNum type="arabicPeriod"/>
+            </a:pPr>
+            <a:r>
+              <a:rPr lang="en-US" sz="1400" dirty="0">
+                <a:solidFill>
+                  <a:schemeClr val="bg1"/>
+                </a:solidFill>
+              </a:rPr>
+              <a:t>Implement control logic as back-end</a:t>
+            </a:r>
+            <a:r>
+              <a:rPr lang="en-US" sz="1400" dirty="0"/>
+              <a:t> GET</a:t>
+            </a:r>
+          </a:p>
+        </p:txBody>
+      </p:sp>
+      <p:sp>
+        <p:nvSpPr>
+          <p:cNvPr id="27" name="TextBox 26">
+            <a:extLst>
+              <a:ext uri="{FF2B5EF4-FFF2-40B4-BE49-F238E27FC236}">
+                <a16:creationId xmlns:a16="http://schemas.microsoft.com/office/drawing/2014/main" id="{285FD2A2-B2EC-84D9-4C23-6F054CE9E6E2}"/>
+              </a:ext>
+            </a:extLst>
+          </p:cNvPr>
+          <p:cNvSpPr txBox="1"/>
+          <p:nvPr/>
+        </p:nvSpPr>
+        <p:spPr>
+          <a:xfrm>
+            <a:off x="1162785" y="2071237"/>
+            <a:ext cx="1312714" cy="369332"/>
+          </a:xfrm>
+          <a:prstGeom prst="rect">
+            <a:avLst/>
+          </a:prstGeom>
+          <a:noFill/>
+        </p:spPr>
+        <p:txBody>
+          <a:bodyPr wrap="square" rtlCol="0">
+            <a:spAutoFit/>
+          </a:bodyPr>
+          <a:lstStyle/>
+          <a:p>
+            <a:r>
+              <a:rPr lang="en-US" b="1" dirty="0"/>
+              <a:t>Back-End</a:t>
+            </a:r>
+          </a:p>
+        </p:txBody>
+      </p:sp>
+      <p:sp>
+        <p:nvSpPr>
+          <p:cNvPr id="28" name="TextBox 27">
+            <a:extLst>
+              <a:ext uri="{FF2B5EF4-FFF2-40B4-BE49-F238E27FC236}">
+                <a16:creationId xmlns:a16="http://schemas.microsoft.com/office/drawing/2014/main" id="{6119A742-1D5B-D4EE-6C58-099D967DB05E}"/>
+              </a:ext>
+            </a:extLst>
+          </p:cNvPr>
+          <p:cNvSpPr txBox="1"/>
+          <p:nvPr/>
+        </p:nvSpPr>
+        <p:spPr>
+          <a:xfrm>
+            <a:off x="7938193" y="1992331"/>
+            <a:ext cx="1312714" cy="369332"/>
+          </a:xfrm>
+          <a:prstGeom prst="rect">
+            <a:avLst/>
+          </a:prstGeom>
+          <a:noFill/>
+        </p:spPr>
+        <p:txBody>
+          <a:bodyPr wrap="square" rtlCol="0">
+            <a:spAutoFit/>
+          </a:bodyPr>
+          <a:lstStyle/>
+          <a:p>
+            <a:r>
+              <a:rPr lang="en-US" b="1" dirty="0"/>
+              <a:t>Front-End</a:t>
+            </a:r>
+          </a:p>
+        </p:txBody>
+      </p:sp>
+    </p:spTree>
+    <p:extLst>
+      <p:ext uri="{BB962C8B-B14F-4D97-AF65-F5344CB8AC3E}">
+        <p14:creationId xmlns:p14="http://schemas.microsoft.com/office/powerpoint/2010/main" val="548158004"/>
+      </p:ext>
+    </p:extLst>
+  </p:cSld>
+  <p:clrMapOvr>
+    <a:masterClrMapping/>
+  </p:clrMapOvr>
+</p:sld>
+</file>
+
+<file path=ppt/slides/slide13.xml><?xml version="1.0" encoding="utf-8"?>
+<p:sld xmlns:a="http://schemas.openxmlformats.org/drawingml/2006/main" xmlns:r="http://schemas.openxmlformats.org/officeDocument/2006/relationships" xmlns:p="http://schemas.openxmlformats.org/presentationml/2006/main">
+  <p:cSld>
+    <p:spTree>
+      <p:nvGrpSpPr>
+        <p:cNvPr id="1" name=""/>
+        <p:cNvGrpSpPr/>
+        <p:nvPr/>
+      </p:nvGrpSpPr>
+      <p:grpSpPr>
+        <a:xfrm>
+          <a:off x="0" y="0"/>
+          <a:ext cx="0" cy="0"/>
+          <a:chOff x="0" y="0"/>
+          <a:chExt cx="0" cy="0"/>
+        </a:xfrm>
+      </p:grpSpPr>
+      <p:sp>
+        <p:nvSpPr>
+          <p:cNvPr id="2" name="Title 1">
+            <a:extLst>
+              <a:ext uri="{FF2B5EF4-FFF2-40B4-BE49-F238E27FC236}">
+                <a16:creationId xmlns:a16="http://schemas.microsoft.com/office/drawing/2014/main" id="{43C238E8-D642-BD3D-5043-1988DE71319C}"/>
+              </a:ext>
+            </a:extLst>
+          </p:cNvPr>
+          <p:cNvSpPr>
+            <a:spLocks noGrp="1"/>
+          </p:cNvSpPr>
+          <p:nvPr>
+            <p:ph type="title"/>
+          </p:nvPr>
+        </p:nvSpPr>
+        <p:spPr/>
+        <p:txBody>
+          <a:bodyPr/>
+          <a:lstStyle/>
+          <a:p>
+            <a:r>
+              <a:rPr lang="en-US" dirty="0"/>
               <a:t>Contact</a:t>
             </a:r>
           </a:p>
@@ -6386,7 +9968,7 @@
           <a:p>
             <a:fld id="{2CC4B9E7-B783-4FA9-A7B0-305C12EA00CD}" type="datetime1">
               <a:rPr lang="en-US" smtClean="0"/>
-              <a:t>29-Jun-23</a:t>
+              <a:t>04-Jul-23</a:t>
             </a:fld>
             <a:endParaRPr lang="en-US"/>
           </a:p>
@@ -6415,7 +9997,7 @@
           <a:p>
             <a:fld id="{DB48B2AB-3808-49D7-8A5E-478590DD98C6}" type="slidenum">
               <a:rPr lang="en-US" smtClean="0"/>
-              <a:t>10</a:t>
+              <a:t>13</a:t>
             </a:fld>
             <a:endParaRPr lang="en-US"/>
           </a:p>
@@ -6509,6 +10091,10 @@
               <a:t>Rekkas</a:t>
             </a:r>
             <a:r>
+              <a:rPr lang="en-US" b="1" dirty="0"/>
+              <a:t> (alumni)</a:t>
+            </a:r>
+            <a:r>
               <a:rPr lang="en-US" dirty="0"/>
               <a:t>, </a:t>
             </a:r>
@@ -6521,22 +10107,26 @@
               <a:t>Katirtzoglou</a:t>
             </a:r>
             <a:r>
+              <a:rPr lang="en-US" b="1" dirty="0"/>
+              <a:t> (undergraduate)</a:t>
+            </a:r>
+            <a:r>
               <a:rPr lang="en-US" dirty="0"/>
               <a:t> and </a:t>
             </a:r>
             <a:r>
               <a:rPr lang="en-US" b="1" dirty="0"/>
-              <a:t>Stefanos Plastras</a:t>
+              <a:t>Stefanos Plastras (alumni)</a:t>
             </a:r>
             <a:r>
               <a:rPr lang="en-US" dirty="0"/>
-              <a:t>, alumni of University of the Aegean, ICSD Dept.</a:t>
+              <a:t>, members of the University of the Aegean, Information &amp; Communication System Engineering (ICSE) Dept.</a:t>
             </a:r>
           </a:p>
           <a:p>
             <a:r>
               <a:rPr lang="en-US" dirty="0"/>
-              <a:t>Software Developers mainly with passion, time and motivation to design and implement this idea from a concept to a reality!</a:t>
+              <a:t>Mainly software developers with passion, time and motivation to design and implement this idea from a concept to a reality!</a:t>
             </a:r>
           </a:p>
           <a:p>
@@ -6554,7 +10144,7 @@
             </a:r>
             <a:r>
               <a:rPr lang="en-US" dirty="0"/>
-              <a:t> installed the hardware in the field of wash machines and tested the application while </a:t>
+              <a:t> in the hardware installation in the field of wash machines and in testing the application while </a:t>
             </a:r>
             <a:r>
               <a:rPr lang="en-US" b="1" dirty="0"/>
@@ -6562,7 +10152,7 @@
             </a:r>
             <a:r>
               <a:rPr lang="en-US" dirty="0"/>
-              <a:t> developed the back/front-end software needed to run the application.</a:t>
+              <a:t> in the development of the back/front-end software needed to run the application.</a:t>
             </a:r>
           </a:p>
           <a:p>
@@ -6593,7 +10183,7 @@
           <a:p>
             <a:fld id="{37E638DE-CDCA-444C-8ADA-0D506E1AE9BA}" type="datetime1">
               <a:rPr lang="en-US" smtClean="0"/>
-              <a:t>29-Jun-23</a:t>
+              <a:t>04-Jul-23</a:t>
             </a:fld>
             <a:endParaRPr lang="en-US"/>
           </a:p>
@@ -6704,7 +10294,7 @@
         </p:nvSpPr>
         <p:spPr>
           <a:xfrm>
-            <a:off x="818712" y="1916105"/>
+            <a:off x="827424" y="1684868"/>
             <a:ext cx="10554574" cy="2862505"/>
           </a:xfrm>
         </p:spPr>
@@ -6772,7 +10362,7 @@
           <a:p>
             <a:fld id="{90D84326-EF55-452B-B22E-27EE7A736765}" type="datetime1">
               <a:rPr lang="en-US" smtClean="0"/>
-              <a:t>29-Jun-23</a:t>
+              <a:t>04-Jul-23</a:t>
             </a:fld>
             <a:endParaRPr lang="en-US"/>
           </a:p>
@@ -6823,6 +10413,14 @@
 <file path=ppt/slides/slide4.xml><?xml version="1.0" encoding="utf-8"?>
 <p:sld xmlns:a="http://schemas.openxmlformats.org/drawingml/2006/main" xmlns:r="http://schemas.openxmlformats.org/officeDocument/2006/relationships" xmlns:p="http://schemas.openxmlformats.org/presentationml/2006/main">
   <p:cSld>
+    <p:bg>
+      <p:bgPr>
+        <a:solidFill>
+          <a:schemeClr val="bg2"/>
+        </a:solidFill>
+        <a:effectLst/>
+      </p:bgPr>
+    </p:bg>
     <p:spTree>
       <p:nvGrpSpPr>
         <p:cNvPr id="1" name=""/>
@@ -6853,9 +10451,16 @@
             <p:ph type="title"/>
           </p:nvPr>
         </p:nvSpPr>
-        <p:spPr/>
-        <p:txBody>
-          <a:bodyPr/>
+        <p:spPr>
+          <a:xfrm>
+            <a:off x="810000" y="447188"/>
+            <a:ext cx="10571998" cy="970450"/>
+          </a:xfrm>
+        </p:spPr>
+        <p:txBody>
+          <a:bodyPr>
+            <a:normAutofit/>
+          </a:bodyPr>
           <a:lstStyle/>
           <a:p>
             <a:r>
@@ -6883,110 +10488,154 @@
         </p:nvSpPr>
         <p:spPr>
           <a:xfrm>
-            <a:off x="810000" y="2138167"/>
-            <a:ext cx="10554574" cy="4268320"/>
+            <a:off x="810000" y="2414814"/>
+            <a:ext cx="10268936" cy="4298042"/>
           </a:xfrm>
         </p:spPr>
         <p:txBody>
           <a:bodyPr>
-            <a:normAutofit/>
+            <a:noAutofit/>
           </a:bodyPr>
           <a:lstStyle/>
           <a:p>
+            <a:pPr>
+              <a:lnSpc>
+                <a:spcPct val="90000"/>
+              </a:lnSpc>
+            </a:pPr>
             <a:r>
               <a:rPr lang="en-US" dirty="0"/>
               <a:t>We want to:</a:t>
             </a:r>
           </a:p>
           <a:p>
-            <a:pPr lvl="1"/>
-            <a:r>
-              <a:rPr lang="en-US" dirty="0"/>
+            <a:pPr lvl="1">
+              <a:lnSpc>
+                <a:spcPct val="90000"/>
+              </a:lnSpc>
+            </a:pPr>
+            <a:r>
+              <a:rPr lang="en-US" sz="1800" dirty="0"/>
               <a:t>View in </a:t>
             </a:r>
             <a:r>
-              <a:rPr lang="en-US" b="1" dirty="0"/>
+              <a:rPr lang="en-US" sz="1800" b="1" dirty="0"/>
               <a:t>Web</a:t>
             </a:r>
             <a:r>
-              <a:rPr lang="en-US" dirty="0"/>
-              <a:t>, the wash machines states</a:t>
-            </a:r>
-          </a:p>
-          <a:p>
-            <a:pPr lvl="1"/>
-            <a:endParaRPr lang="en-US" dirty="0"/>
-          </a:p>
-          <a:p>
+              <a:rPr lang="en-US" sz="1800" dirty="0"/>
+              <a:t>, the wash machines states every time</a:t>
+            </a:r>
+          </a:p>
+          <a:p>
+            <a:pPr marL="457200" lvl="1" indent="0">
+              <a:lnSpc>
+                <a:spcPct val="90000"/>
+              </a:lnSpc>
+              <a:buNone/>
+            </a:pPr>
+            <a:endParaRPr lang="en-US" sz="1800" dirty="0"/>
+          </a:p>
+          <a:p>
+            <a:pPr>
+              <a:lnSpc>
+                <a:spcPct val="90000"/>
+              </a:lnSpc>
+            </a:pPr>
             <a:r>
               <a:rPr lang="en-US" dirty="0"/>
               <a:t>Our goal:</a:t>
             </a:r>
           </a:p>
           <a:p>
-            <a:pPr lvl="1"/>
-            <a:r>
-              <a:rPr lang="en-US" dirty="0"/>
+            <a:pPr lvl="1">
+              <a:lnSpc>
+                <a:spcPct val="90000"/>
+              </a:lnSpc>
+            </a:pPr>
+            <a:r>
+              <a:rPr lang="en-US" sz="1800" dirty="0"/>
               <a:t>Develop entire data pipeline system</a:t>
             </a:r>
           </a:p>
           <a:p>
-            <a:pPr lvl="1"/>
-            <a:r>
-              <a:rPr lang="en-US" dirty="0"/>
+            <a:pPr lvl="1">
+              <a:lnSpc>
+                <a:spcPct val="90000"/>
+              </a:lnSpc>
+            </a:pPr>
+            <a:r>
+              <a:rPr lang="en-US" sz="1800" dirty="0"/>
               <a:t>Create Web service offering this functionality</a:t>
             </a:r>
           </a:p>
           <a:p>
-            <a:pPr lvl="1"/>
-            <a:r>
-              <a:rPr lang="en-US" dirty="0"/>
+            <a:pPr lvl="1">
+              <a:lnSpc>
+                <a:spcPct val="90000"/>
+              </a:lnSpc>
+            </a:pPr>
+            <a:r>
+              <a:rPr lang="en-US" sz="1800" dirty="0"/>
               <a:t>Making it public through local network</a:t>
             </a:r>
           </a:p>
           <a:p>
-            <a:pPr lvl="1"/>
-            <a:r>
-              <a:rPr lang="en-US" dirty="0"/>
+            <a:pPr lvl="1">
+              <a:lnSpc>
+                <a:spcPct val="90000"/>
+              </a:lnSpc>
+            </a:pPr>
+            <a:r>
+              <a:rPr lang="en-US" sz="1800" dirty="0"/>
               <a:t>Promoting </a:t>
             </a:r>
             <a:r>
-              <a:rPr lang="en-US" b="1" dirty="0">
-                <a:solidFill>
-                  <a:srgbClr val="FFC000"/>
-                </a:solidFill>
-              </a:rPr>
+              <a:rPr lang="en-US" sz="1800" b="1" dirty="0"/>
               <a:t>open-source</a:t>
             </a:r>
             <a:r>
-              <a:rPr lang="en-US" dirty="0"/>
+              <a:rPr lang="en-US" sz="1800" dirty="0"/>
               <a:t> project</a:t>
             </a:r>
           </a:p>
           <a:p>
-            <a:pPr lvl="1"/>
-            <a:endParaRPr lang="en-US" dirty="0"/>
-          </a:p>
-          <a:p>
+            <a:pPr lvl="1">
+              <a:lnSpc>
+                <a:spcPct val="90000"/>
+              </a:lnSpc>
+            </a:pPr>
+            <a:endParaRPr lang="en-US" sz="1800" dirty="0"/>
+          </a:p>
+          <a:p>
+            <a:pPr>
+              <a:lnSpc>
+                <a:spcPct val="90000"/>
+              </a:lnSpc>
+            </a:pPr>
             <a:r>
               <a:rPr lang="en-US" dirty="0"/>
               <a:t>Project place</a:t>
             </a:r>
           </a:p>
           <a:p>
-            <a:pPr lvl="1"/>
-            <a:r>
-              <a:rPr lang="en-US" dirty="0"/>
+            <a:pPr lvl="1">
+              <a:lnSpc>
+                <a:spcPct val="90000"/>
+              </a:lnSpc>
+            </a:pPr>
+            <a:r>
+              <a:rPr lang="en-US" sz="1800" dirty="0"/>
               <a:t>GitHub Repo: </a:t>
             </a:r>
             <a:r>
-              <a:rPr lang="en-US" dirty="0">
+              <a:rPr lang="en-US" sz="1800" dirty="0">
                 <a:hlinkClick r:id="rId2"/>
               </a:rPr>
               <a:t>https://github.com/stevpla/wash_machines_monitoring_project</a:t>
             </a:r>
             <a:r>
-              <a:rPr lang="en-US" dirty="0"/>
+              <a:rPr lang="en-US" sz="1800" dirty="0"/>
               <a:t> </a:t>
             </a:r>
           </a:p>
@@ -7008,16 +10657,33 @@
             <p:ph type="dt" sz="half" idx="10"/>
           </p:nvPr>
         </p:nvSpPr>
-        <p:spPr/>
-        <p:txBody>
-          <a:bodyPr/>
-          <a:lstStyle/>
-          <a:p>
+        <p:spPr>
+          <a:xfrm>
+            <a:off x="9334626" y="6041362"/>
+            <a:ext cx="1343706" cy="365125"/>
+          </a:xfrm>
+        </p:spPr>
+        <p:txBody>
+          <a:bodyPr>
+            <a:normAutofit/>
+          </a:bodyPr>
+          <a:lstStyle/>
+          <a:p>
+            <a:pPr>
+              <a:spcAft>
+                <a:spcPts val="600"/>
+              </a:spcAft>
+            </a:pPr>
             <a:fld id="{09B5F489-F705-4C3C-B765-BFBF372505D7}" type="datetime1">
               <a:rPr lang="en-US" smtClean="0"/>
-              <a:t>29-Jun-23</a:t>
+              <a:pPr>
+                <a:spcAft>
+                  <a:spcPts val="600"/>
+                </a:spcAft>
+              </a:pPr>
+              <a:t>04-Jul-23</a:t>
             </a:fld>
-            <a:endParaRPr lang="en-US" dirty="0"/>
+            <a:endParaRPr lang="en-US"/>
           </a:p>
         </p:txBody>
       </p:sp>
@@ -7037,19 +10703,83 @@
             <p:ph type="sldNum" sz="quarter" idx="12"/>
           </p:nvPr>
         </p:nvSpPr>
-        <p:spPr/>
-        <p:txBody>
-          <a:bodyPr/>
-          <a:lstStyle/>
-          <a:p>
+        <p:spPr>
+          <a:xfrm>
+            <a:off x="10678331" y="5915888"/>
+            <a:ext cx="1062155" cy="490599"/>
+          </a:xfrm>
+        </p:spPr>
+        <p:txBody>
+          <a:bodyPr>
+            <a:normAutofit/>
+          </a:bodyPr>
+          <a:lstStyle/>
+          <a:p>
+            <a:pPr>
+              <a:spcAft>
+                <a:spcPts val="600"/>
+              </a:spcAft>
+            </a:pPr>
             <a:fld id="{DB48B2AB-3808-49D7-8A5E-478590DD98C6}" type="slidenum">
               <a:rPr lang="en-US" smtClean="0"/>
+              <a:pPr>
+                <a:spcAft>
+                  <a:spcPts val="600"/>
+                </a:spcAft>
+              </a:pPr>
               <a:t>4</a:t>
             </a:fld>
-            <a:endParaRPr lang="en-US" dirty="0"/>
-          </a:p>
-        </p:txBody>
-      </p:sp>
+            <a:endParaRPr lang="en-US"/>
+          </a:p>
+        </p:txBody>
+      </p:sp>
+      <p:pic>
+        <p:nvPicPr>
+          <p:cNvPr id="7" name="Graphic 6">
+            <a:extLst>
+              <a:ext uri="{FF2B5EF4-FFF2-40B4-BE49-F238E27FC236}">
+                <a16:creationId xmlns:a16="http://schemas.microsoft.com/office/drawing/2014/main" id="{7CF7AA0D-F2A0-DEE0-29BC-9FC6387F2389}"/>
+              </a:ext>
+            </a:extLst>
+          </p:cNvPr>
+          <p:cNvPicPr>
+            <a:picLocks noChangeAspect="1"/>
+          </p:cNvPicPr>
+          <p:nvPr/>
+        </p:nvPicPr>
+        <p:blipFill>
+          <a:blip r:embed="rId3">
+            <a:extLst>
+              <a:ext uri="{28A0092B-C50C-407E-A947-70E740481C1C}">
+                <a14:useLocalDpi xmlns:a14="http://schemas.microsoft.com/office/drawing/2010/main" val="0"/>
+              </a:ext>
+              <a:ext uri="{96DAC541-7B7A-43D3-8B79-37D633B846F1}">
+                <asvg:svgBlip xmlns:asvg="http://schemas.microsoft.com/office/drawing/2016/SVG/main" r:embed="rId4"/>
+              </a:ext>
+            </a:extLst>
+          </a:blip>
+          <a:stretch>
+            <a:fillRect/>
+          </a:stretch>
+        </p:blipFill>
+        <p:spPr>
+          <a:xfrm>
+            <a:off x="10108439" y="4850000"/>
+            <a:ext cx="1139781" cy="1139781"/>
+          </a:xfrm>
+          <a:prstGeom prst="roundRect">
+            <a:avLst>
+              <a:gd name="adj" fmla="val 3876"/>
+            </a:avLst>
+          </a:prstGeom>
+          <a:ln>
+            <a:solidFill>
+              <a:schemeClr val="accent1"/>
+            </a:solidFill>
+          </a:ln>
+          <a:effectLst/>
+        </p:spPr>
+      </p:pic>
     </p:spTree>
     <p:extLst>
       <p:ext uri="{BB962C8B-B14F-4D97-AF65-F5344CB8AC3E}">
@@ -7066,6 +10796,14 @@
 <file path=ppt/slides/slide5.xml><?xml version="1.0" encoding="utf-8"?>
 <p:sld xmlns:a="http://schemas.openxmlformats.org/drawingml/2006/main" xmlns:r="http://schemas.openxmlformats.org/officeDocument/2006/relationships" xmlns:p="http://schemas.openxmlformats.org/presentationml/2006/main">
   <p:cSld>
+    <p:bg>
+      <p:bgPr>
+        <a:solidFill>
+          <a:schemeClr val="bg2"/>
+        </a:solidFill>
+        <a:effectLst/>
+      </p:bgPr>
+    </p:bg>
     <p:spTree>
       <p:nvGrpSpPr>
         <p:cNvPr id="1" name=""/>
@@ -7085,7 +10823,7 @@
           <p:cNvPr id="2" name="Title 1">
             <a:extLst>
               <a:ext uri="{FF2B5EF4-FFF2-40B4-BE49-F238E27FC236}">
-                <a16:creationId xmlns:a16="http://schemas.microsoft.com/office/drawing/2014/main" id="{9749A039-A815-D759-8E05-BF9DAA350981}"/>
+                <a16:creationId xmlns:a16="http://schemas.microsoft.com/office/drawing/2014/main" id="{362116EA-C3F3-AE5F-F08C-049D918955A7}"/>
               </a:ext>
             </a:extLst>
           </p:cNvPr>
@@ -7096,14 +10834,21 @@
             <p:ph type="title"/>
           </p:nvPr>
         </p:nvSpPr>
-        <p:spPr/>
-        <p:txBody>
-          <a:bodyPr/>
+        <p:spPr>
+          <a:xfrm>
+            <a:off x="810000" y="447188"/>
+            <a:ext cx="10571998" cy="970450"/>
+          </a:xfrm>
+        </p:spPr>
+        <p:txBody>
+          <a:bodyPr>
+            <a:normAutofit/>
+          </a:bodyPr>
           <a:lstStyle/>
           <a:p>
             <a:r>
               <a:rPr lang="en-US" dirty="0"/>
-              <a:t>Application</a:t>
+              <a:t>All-in-One</a:t>
             </a:r>
           </a:p>
         </p:txBody>
@@ -7113,7 +10858,7 @@
           <p:cNvPr id="3" name="Content Placeholder 2">
             <a:extLst>
               <a:ext uri="{FF2B5EF4-FFF2-40B4-BE49-F238E27FC236}">
-                <a16:creationId xmlns:a16="http://schemas.microsoft.com/office/drawing/2014/main" id="{4F0307EE-0D1D-7B1A-C740-7BD92EED3F49}"/>
+                <a16:creationId xmlns:a16="http://schemas.microsoft.com/office/drawing/2014/main" id="{24CD8AF9-ECF1-F62C-BE25-0649A237183B}"/>
               </a:ext>
             </a:extLst>
           </p:cNvPr>
@@ -7124,74 +10869,131 @@
             <p:ph idx="1"/>
           </p:nvPr>
         </p:nvSpPr>
-        <p:spPr/>
-        <p:txBody>
-          <a:bodyPr/>
+        <p:spPr>
+          <a:xfrm>
+            <a:off x="818713" y="2413000"/>
+            <a:ext cx="9378480" cy="3632200"/>
+          </a:xfrm>
+        </p:spPr>
+        <p:txBody>
+          <a:bodyPr>
+            <a:normAutofit/>
+          </a:bodyPr>
           <a:lstStyle/>
           <a:p>
             <a:r>
               <a:rPr lang="en-US" dirty="0"/>
-              <a:t>The app combines technologies such as ESP32, Raspberry Pi 3 Model b+, Python 3.10, MQTT, JavaScript, HTML, CSS, CPP</a:t>
-            </a:r>
-          </a:p>
-          <a:p>
+              <a:t>Our concept utilizes eco-friendly approach due to ESP32-MCU low-power IoT device</a:t>
+            </a:r>
+          </a:p>
+          <a:p>
+            <a:r>
+              <a:rPr lang="en-US" b="1" dirty="0"/>
+              <a:t>Sustainability</a:t>
+            </a:r>
             <a:r>
               <a:rPr lang="en-US" dirty="0"/>
-              <a:t>In general, there are 4 layers</a:t>
-            </a:r>
-          </a:p>
-          <a:p>
-            <a:pPr lvl="1"/>
+              <a:t> in wash machines longer lifecycle (Predictive maintenance)</a:t>
+            </a:r>
+          </a:p>
+          <a:p>
             <a:r>
               <a:rPr lang="en-US" b="1" dirty="0"/>
-              <a:t>Data Producer </a:t>
+              <a:t>Low-cost</a:t>
             </a:r>
             <a:r>
               <a:rPr lang="en-US" dirty="0"/>
-              <a:t>(ESP32)</a:t>
-            </a:r>
-          </a:p>
-          <a:p>
-            <a:pPr lvl="1"/>
+              <a:t> solution</a:t>
+            </a:r>
+          </a:p>
+          <a:p>
             <a:r>
               <a:rPr lang="en-US" b="1" dirty="0"/>
-              <a:t>Data Broker </a:t>
+              <a:t>Scalable</a:t>
             </a:r>
             <a:r>
               <a:rPr lang="en-US" dirty="0"/>
-              <a:t>(Raspberry Pi )</a:t>
-            </a:r>
-          </a:p>
-          <a:p>
-            <a:pPr lvl="1"/>
+              <a:t> (More AC sensors)</a:t>
+            </a:r>
+          </a:p>
+          <a:p>
             <a:r>
               <a:rPr lang="en-US" b="1" dirty="0"/>
-              <a:t>Data Consumer </a:t>
+              <a:t>Upgradable</a:t>
             </a:r>
             <a:r>
               <a:rPr lang="en-US" dirty="0"/>
-              <a:t>(Raspberry Pi )</a:t>
-            </a:r>
-          </a:p>
-          <a:p>
-            <a:pPr lvl="1"/>
+              <a:t> (Any hardware part) </a:t>
+            </a:r>
+          </a:p>
+          <a:p>
             <a:r>
               <a:rPr lang="en-US" b="1" dirty="0"/>
-              <a:t>Web Service </a:t>
+              <a:t>Agnostic-vendor</a:t>
             </a:r>
             <a:r>
               <a:rPr lang="en-US" dirty="0"/>
-              <a:t>(Raspberry Pi )</a:t>
-            </a:r>
-          </a:p>
-        </p:txBody>
-      </p:sp>
+              <a:t> (Plug-n-Play)</a:t>
+            </a:r>
+          </a:p>
+          <a:p>
+            <a:r>
+              <a:rPr lang="en-US" b="1" dirty="0"/>
+              <a:t>Open-source</a:t>
+            </a:r>
+          </a:p>
+        </p:txBody>
+      </p:sp>
+      <p:pic>
+        <p:nvPicPr>
+          <p:cNvPr id="7" name="Picture 6" descr="A green circle with a black outline&#10;&#10;Description automatically generated with low confidence">
+            <a:extLst>
+              <a:ext uri="{FF2B5EF4-FFF2-40B4-BE49-F238E27FC236}">
+                <a16:creationId xmlns:a16="http://schemas.microsoft.com/office/drawing/2014/main" id="{421C4484-3ABF-58AF-49AF-2F9F6E27D5CF}"/>
+              </a:ext>
+            </a:extLst>
+          </p:cNvPr>
+          <p:cNvPicPr>
+            <a:picLocks noChangeAspect="1"/>
+          </p:cNvPicPr>
+          <p:nvPr/>
+        </p:nvPicPr>
+        <p:blipFill>
+          <a:blip r:embed="rId2">
+            <a:extLst>
+              <a:ext uri="{28A0092B-C50C-407E-A947-70E740481C1C}">
+                <a14:useLocalDpi xmlns:a14="http://schemas.microsoft.com/office/drawing/2010/main" val="0"/>
+              </a:ext>
+            </a:extLst>
+          </a:blip>
+          <a:stretch>
+            <a:fillRect/>
+          </a:stretch>
+        </p:blipFill>
+        <p:spPr>
+          <a:xfrm>
+            <a:off x="2892050" y="5458521"/>
+            <a:ext cx="914734" cy="914734"/>
+          </a:xfrm>
+          <a:prstGeom prst="roundRect">
+            <a:avLst>
+              <a:gd name="adj" fmla="val 3876"/>
+            </a:avLst>
+          </a:prstGeom>
+          <a:ln>
+            <a:solidFill>
+              <a:schemeClr val="accent1"/>
+            </a:solidFill>
+          </a:ln>
+          <a:effectLst/>
+        </p:spPr>
+      </p:pic>
       <p:sp>
         <p:nvSpPr>
           <p:cNvPr id="4" name="Date Placeholder 3">
             <a:extLst>
               <a:ext uri="{FF2B5EF4-FFF2-40B4-BE49-F238E27FC236}">
-                <a16:creationId xmlns:a16="http://schemas.microsoft.com/office/drawing/2014/main" id="{1BD00F5C-51AC-BFB3-1EE8-7C04C6D0B35A}"/>
+                <a16:creationId xmlns:a16="http://schemas.microsoft.com/office/drawing/2014/main" id="{84A56E04-C684-82F0-C72C-BC83AA77F636}"/>
               </a:ext>
             </a:extLst>
           </p:cNvPr>
@@ -7202,14 +11004,31 @@
             <p:ph type="dt" sz="half" idx="10"/>
           </p:nvPr>
         </p:nvSpPr>
-        <p:spPr/>
-        <p:txBody>
-          <a:bodyPr/>
-          <a:lstStyle/>
-          <a:p>
-            <a:fld id="{CBA9CEB4-3D00-42FC-95C6-C70CB95720C4}" type="datetime1">
+        <p:spPr>
+          <a:xfrm>
+            <a:off x="9334626" y="6041362"/>
+            <a:ext cx="1343706" cy="365125"/>
+          </a:xfrm>
+        </p:spPr>
+        <p:txBody>
+          <a:bodyPr>
+            <a:normAutofit/>
+          </a:bodyPr>
+          <a:lstStyle/>
+          <a:p>
+            <a:pPr>
+              <a:spcAft>
+                <a:spcPts val="600"/>
+              </a:spcAft>
+            </a:pPr>
+            <a:fld id="{EB66EB2B-286A-45BC-9953-B5DF063DD154}" type="datetime1">
               <a:rPr lang="en-US" smtClean="0"/>
-              <a:t>29-Jun-23</a:t>
+              <a:pPr>
+                <a:spcAft>
+                  <a:spcPts val="600"/>
+                </a:spcAft>
+              </a:pPr>
+              <a:t>04-Jul-23</a:t>
             </a:fld>
             <a:endParaRPr lang="en-US"/>
           </a:p>
@@ -7217,10 +11036,10 @@
       </p:sp>
       <p:sp>
         <p:nvSpPr>
-          <p:cNvPr id="6" name="Slide Number Placeholder 5">
-            <a:extLst>
-              <a:ext uri="{FF2B5EF4-FFF2-40B4-BE49-F238E27FC236}">
-                <a16:creationId xmlns:a16="http://schemas.microsoft.com/office/drawing/2014/main" id="{4E275170-AC64-F674-C190-89C67871BD27}"/>
+          <p:cNvPr id="5" name="Slide Number Placeholder 4">
+            <a:extLst>
+              <a:ext uri="{FF2B5EF4-FFF2-40B4-BE49-F238E27FC236}">
+                <a16:creationId xmlns:a16="http://schemas.microsoft.com/office/drawing/2014/main" id="{2146D159-B000-91D0-3CBF-9E545E06FD03}"/>
               </a:ext>
             </a:extLst>
           </p:cNvPr>
@@ -7231,23 +11050,84 @@
             <p:ph type="sldNum" sz="quarter" idx="12"/>
           </p:nvPr>
         </p:nvSpPr>
-        <p:spPr/>
-        <p:txBody>
-          <a:bodyPr/>
-          <a:lstStyle/>
-          <a:p>
+        <p:spPr>
+          <a:xfrm>
+            <a:off x="10678331" y="5915888"/>
+            <a:ext cx="1062155" cy="490599"/>
+          </a:xfrm>
+        </p:spPr>
+        <p:txBody>
+          <a:bodyPr>
+            <a:normAutofit/>
+          </a:bodyPr>
+          <a:lstStyle/>
+          <a:p>
+            <a:pPr>
+              <a:spcAft>
+                <a:spcPts val="600"/>
+              </a:spcAft>
+            </a:pPr>
             <a:fld id="{DB48B2AB-3808-49D7-8A5E-478590DD98C6}" type="slidenum">
               <a:rPr lang="en-US" smtClean="0"/>
+              <a:pPr>
+                <a:spcAft>
+                  <a:spcPts val="600"/>
+                </a:spcAft>
+              </a:pPr>
               <a:t>5</a:t>
             </a:fld>
             <a:endParaRPr lang="en-US"/>
           </a:p>
         </p:txBody>
       </p:sp>
+      <p:pic>
+        <p:nvPicPr>
+          <p:cNvPr id="9" name="Picture 8" descr="A logo of a recycle&#10;&#10;Description automatically generated with low confidence">
+            <a:extLst>
+              <a:ext uri="{FF2B5EF4-FFF2-40B4-BE49-F238E27FC236}">
+                <a16:creationId xmlns:a16="http://schemas.microsoft.com/office/drawing/2014/main" id="{6FEEB3ED-7DB4-EA80-FDCA-9A5577C5240B}"/>
+              </a:ext>
+            </a:extLst>
+          </p:cNvPr>
+          <p:cNvPicPr>
+            <a:picLocks noChangeAspect="1"/>
+          </p:cNvPicPr>
+          <p:nvPr/>
+        </p:nvPicPr>
+        <p:blipFill>
+          <a:blip r:embed="rId3">
+            <a:extLst>
+              <a:ext uri="{28A0092B-C50C-407E-A947-70E740481C1C}">
+                <a14:useLocalDpi xmlns:a14="http://schemas.microsoft.com/office/drawing/2010/main" val="0"/>
+              </a:ext>
+            </a:extLst>
+          </a:blip>
+          <a:stretch>
+            <a:fillRect/>
+          </a:stretch>
+        </p:blipFill>
+        <p:spPr>
+          <a:xfrm>
+            <a:off x="9707881" y="3181538"/>
+            <a:ext cx="970450" cy="970450"/>
+          </a:xfrm>
+          <a:prstGeom prst="roundRect">
+            <a:avLst>
+              <a:gd name="adj" fmla="val 3876"/>
+            </a:avLst>
+          </a:prstGeom>
+          <a:ln>
+            <a:solidFill>
+              <a:schemeClr val="accent1"/>
+            </a:solidFill>
+          </a:ln>
+          <a:effectLst/>
+        </p:spPr>
+      </p:pic>
     </p:spTree>
     <p:extLst>
       <p:ext uri="{BB962C8B-B14F-4D97-AF65-F5344CB8AC3E}">
-        <p14:creationId xmlns:p14="http://schemas.microsoft.com/office/powerpoint/2010/main" val="3395157833"/>
+        <p14:creationId xmlns:p14="http://schemas.microsoft.com/office/powerpoint/2010/main" val="3839689211"/>
       </p:ext>
     </p:extLst>
   </p:cSld>
@@ -7279,6 +11159,586 @@
           <p:cNvPr id="2" name="Title 1">
             <a:extLst>
               <a:ext uri="{FF2B5EF4-FFF2-40B4-BE49-F238E27FC236}">
+                <a16:creationId xmlns:a16="http://schemas.microsoft.com/office/drawing/2014/main" id="{9749A039-A815-D759-8E05-BF9DAA350981}"/>
+              </a:ext>
+            </a:extLst>
+          </p:cNvPr>
+          <p:cNvSpPr>
+            <a:spLocks noGrp="1"/>
+          </p:cNvSpPr>
+          <p:nvPr>
+            <p:ph type="title"/>
+          </p:nvPr>
+        </p:nvSpPr>
+        <p:spPr/>
+        <p:txBody>
+          <a:bodyPr/>
+          <a:lstStyle/>
+          <a:p>
+            <a:r>
+              <a:rPr lang="en-US" dirty="0"/>
+              <a:t>Application</a:t>
+            </a:r>
+          </a:p>
+        </p:txBody>
+      </p:sp>
+      <p:sp>
+        <p:nvSpPr>
+          <p:cNvPr id="3" name="Content Placeholder 2">
+            <a:extLst>
+              <a:ext uri="{FF2B5EF4-FFF2-40B4-BE49-F238E27FC236}">
+                <a16:creationId xmlns:a16="http://schemas.microsoft.com/office/drawing/2014/main" id="{4F0307EE-0D1D-7B1A-C740-7BD92EED3F49}"/>
+              </a:ext>
+            </a:extLst>
+          </p:cNvPr>
+          <p:cNvSpPr>
+            <a:spLocks noGrp="1"/>
+          </p:cNvSpPr>
+          <p:nvPr>
+            <p:ph idx="1"/>
+          </p:nvPr>
+        </p:nvSpPr>
+        <p:spPr>
+          <a:xfrm>
+            <a:off x="827424" y="2051645"/>
+            <a:ext cx="10554574" cy="3636511"/>
+          </a:xfrm>
+        </p:spPr>
+        <p:txBody>
+          <a:bodyPr/>
+          <a:lstStyle/>
+          <a:p>
+            <a:r>
+              <a:rPr lang="en-US" dirty="0"/>
+              <a:t>The app combines technologies such as ESP32, Raspberry Pi 3 Model b+, Python 3.10, MQTT, JavaScript, HTML, CSS, CPP</a:t>
+            </a:r>
+          </a:p>
+          <a:p>
+            <a:r>
+              <a:rPr lang="en-US" dirty="0"/>
+              <a:t>In general, there are 4 layers</a:t>
+            </a:r>
+          </a:p>
+          <a:p>
+            <a:pPr lvl="1"/>
+            <a:r>
+              <a:rPr lang="en-US" b="1" dirty="0"/>
+              <a:t>Data Producer </a:t>
+            </a:r>
+            <a:r>
+              <a:rPr lang="en-US" dirty="0"/>
+              <a:t>(ESP32)</a:t>
+            </a:r>
+          </a:p>
+          <a:p>
+            <a:pPr lvl="1"/>
+            <a:r>
+              <a:rPr lang="en-US" b="1" dirty="0"/>
+              <a:t>Data Broker </a:t>
+            </a:r>
+            <a:r>
+              <a:rPr lang="en-US" dirty="0"/>
+              <a:t>(Raspberry Pi )</a:t>
+            </a:r>
+          </a:p>
+          <a:p>
+            <a:pPr lvl="1"/>
+            <a:r>
+              <a:rPr lang="en-US" b="1" dirty="0"/>
+              <a:t>Data Consumer </a:t>
+            </a:r>
+            <a:r>
+              <a:rPr lang="en-US" dirty="0"/>
+              <a:t>(Raspberry Pi )</a:t>
+            </a:r>
+          </a:p>
+          <a:p>
+            <a:pPr lvl="1"/>
+            <a:r>
+              <a:rPr lang="en-US" b="1" dirty="0"/>
+              <a:t>Web Service </a:t>
+            </a:r>
+            <a:r>
+              <a:rPr lang="en-US" dirty="0"/>
+              <a:t>(Raspberry Pi )</a:t>
+            </a:r>
+          </a:p>
+        </p:txBody>
+      </p:sp>
+      <p:sp>
+        <p:nvSpPr>
+          <p:cNvPr id="4" name="Date Placeholder 3">
+            <a:extLst>
+              <a:ext uri="{FF2B5EF4-FFF2-40B4-BE49-F238E27FC236}">
+                <a16:creationId xmlns:a16="http://schemas.microsoft.com/office/drawing/2014/main" id="{1BD00F5C-51AC-BFB3-1EE8-7C04C6D0B35A}"/>
+              </a:ext>
+            </a:extLst>
+          </p:cNvPr>
+          <p:cNvSpPr>
+            <a:spLocks noGrp="1"/>
+          </p:cNvSpPr>
+          <p:nvPr>
+            <p:ph type="dt" sz="half" idx="10"/>
+          </p:nvPr>
+        </p:nvSpPr>
+        <p:spPr/>
+        <p:txBody>
+          <a:bodyPr/>
+          <a:lstStyle/>
+          <a:p>
+            <a:fld id="{CBA9CEB4-3D00-42FC-95C6-C70CB95720C4}" type="datetime1">
+              <a:rPr lang="en-US" smtClean="0"/>
+              <a:t>04-Jul-23</a:t>
+            </a:fld>
+            <a:endParaRPr lang="en-US"/>
+          </a:p>
+        </p:txBody>
+      </p:sp>
+      <p:sp>
+        <p:nvSpPr>
+          <p:cNvPr id="6" name="Slide Number Placeholder 5">
+            <a:extLst>
+              <a:ext uri="{FF2B5EF4-FFF2-40B4-BE49-F238E27FC236}">
+                <a16:creationId xmlns:a16="http://schemas.microsoft.com/office/drawing/2014/main" id="{4E275170-AC64-F674-C190-89C67871BD27}"/>
+              </a:ext>
+            </a:extLst>
+          </p:cNvPr>
+          <p:cNvSpPr>
+            <a:spLocks noGrp="1"/>
+          </p:cNvSpPr>
+          <p:nvPr>
+            <p:ph type="sldNum" sz="quarter" idx="12"/>
+          </p:nvPr>
+        </p:nvSpPr>
+        <p:spPr/>
+        <p:txBody>
+          <a:bodyPr/>
+          <a:lstStyle/>
+          <a:p>
+            <a:fld id="{DB48B2AB-3808-49D7-8A5E-478590DD98C6}" type="slidenum">
+              <a:rPr lang="en-US" smtClean="0"/>
+              <a:t>6</a:t>
+            </a:fld>
+            <a:endParaRPr lang="en-US"/>
+          </a:p>
+        </p:txBody>
+      </p:sp>
+      <p:pic>
+        <p:nvPicPr>
+          <p:cNvPr id="7" name="Graphic 6">
+            <a:extLst>
+              <a:ext uri="{FF2B5EF4-FFF2-40B4-BE49-F238E27FC236}">
+                <a16:creationId xmlns:a16="http://schemas.microsoft.com/office/drawing/2014/main" id="{6EF88783-33CF-2669-DCEC-8107F13E0AB9}"/>
+              </a:ext>
+            </a:extLst>
+          </p:cNvPr>
+          <p:cNvPicPr>
+            <a:picLocks noChangeAspect="1"/>
+          </p:cNvPicPr>
+          <p:nvPr/>
+        </p:nvPicPr>
+        <p:blipFill>
+          <a:blip r:embed="rId2">
+            <a:extLst>
+              <a:ext uri="{28A0092B-C50C-407E-A947-70E740481C1C}">
+                <a14:useLocalDpi xmlns:a14="http://schemas.microsoft.com/office/drawing/2010/main" val="0"/>
+              </a:ext>
+              <a:ext uri="{96DAC541-7B7A-43D3-8B79-37D633B846F1}">
+                <asvg:svgBlip xmlns:asvg="http://schemas.microsoft.com/office/drawing/2016/SVG/main" r:embed="rId3"/>
+              </a:ext>
+            </a:extLst>
+          </a:blip>
+          <a:stretch>
+            <a:fillRect/>
+          </a:stretch>
+        </p:blipFill>
+        <p:spPr>
+          <a:xfrm>
+            <a:off x="7367913" y="3869900"/>
+            <a:ext cx="936807" cy="936807"/>
+          </a:xfrm>
+          <a:prstGeom prst="rect">
+            <a:avLst/>
+          </a:prstGeom>
+        </p:spPr>
+      </p:pic>
+      <p:pic>
+        <p:nvPicPr>
+          <p:cNvPr id="9" name="Graphic 8">
+            <a:extLst>
+              <a:ext uri="{FF2B5EF4-FFF2-40B4-BE49-F238E27FC236}">
+                <a16:creationId xmlns:a16="http://schemas.microsoft.com/office/drawing/2014/main" id="{F3086406-C2D0-DF96-0201-066FD395477C}"/>
+              </a:ext>
+            </a:extLst>
+          </p:cNvPr>
+          <p:cNvPicPr>
+            <a:picLocks noChangeAspect="1"/>
+          </p:cNvPicPr>
+          <p:nvPr/>
+        </p:nvPicPr>
+        <p:blipFill>
+          <a:blip r:embed="rId4">
+            <a:extLst>
+              <a:ext uri="{28A0092B-C50C-407E-A947-70E740481C1C}">
+                <a14:useLocalDpi xmlns:a14="http://schemas.microsoft.com/office/drawing/2010/main" val="0"/>
+              </a:ext>
+              <a:ext uri="{96DAC541-7B7A-43D3-8B79-37D633B846F1}">
+                <asvg:svgBlip xmlns:asvg="http://schemas.microsoft.com/office/drawing/2016/SVG/main" r:embed="rId5"/>
+              </a:ext>
+            </a:extLst>
+          </a:blip>
+          <a:stretch>
+            <a:fillRect/>
+          </a:stretch>
+        </p:blipFill>
+        <p:spPr>
+          <a:xfrm>
+            <a:off x="8841723" y="3051780"/>
+            <a:ext cx="985805" cy="985805"/>
+          </a:xfrm>
+          <a:prstGeom prst="rect">
+            <a:avLst/>
+          </a:prstGeom>
+        </p:spPr>
+      </p:pic>
+      <p:pic>
+        <p:nvPicPr>
+          <p:cNvPr id="11" name="Graphic 10">
+            <a:extLst>
+              <a:ext uri="{FF2B5EF4-FFF2-40B4-BE49-F238E27FC236}">
+                <a16:creationId xmlns:a16="http://schemas.microsoft.com/office/drawing/2014/main" id="{BB915D38-0130-B188-6A5F-C8D1E8928946}"/>
+              </a:ext>
+            </a:extLst>
+          </p:cNvPr>
+          <p:cNvPicPr>
+            <a:picLocks noChangeAspect="1"/>
+          </p:cNvPicPr>
+          <p:nvPr/>
+        </p:nvPicPr>
+        <p:blipFill>
+          <a:blip r:embed="rId6">
+            <a:extLst>
+              <a:ext uri="{28A0092B-C50C-407E-A947-70E740481C1C}">
+                <a14:useLocalDpi xmlns:a14="http://schemas.microsoft.com/office/drawing/2010/main" val="0"/>
+              </a:ext>
+              <a:ext uri="{96DAC541-7B7A-43D3-8B79-37D633B846F1}">
+                <asvg:svgBlip xmlns:asvg="http://schemas.microsoft.com/office/drawing/2016/SVG/main" r:embed="rId7"/>
+              </a:ext>
+            </a:extLst>
+          </a:blip>
+          <a:stretch>
+            <a:fillRect/>
+          </a:stretch>
+        </p:blipFill>
+        <p:spPr>
+          <a:xfrm>
+            <a:off x="8841723" y="4294262"/>
+            <a:ext cx="936807" cy="936807"/>
+          </a:xfrm>
+          <a:prstGeom prst="rect">
+            <a:avLst/>
+          </a:prstGeom>
+        </p:spPr>
+      </p:pic>
+      <p:pic>
+        <p:nvPicPr>
+          <p:cNvPr id="13" name="Graphic 12">
+            <a:extLst>
+              <a:ext uri="{FF2B5EF4-FFF2-40B4-BE49-F238E27FC236}">
+                <a16:creationId xmlns:a16="http://schemas.microsoft.com/office/drawing/2014/main" id="{A5A4ABC1-1B21-D6E9-C739-E907E78B8E92}"/>
+              </a:ext>
+            </a:extLst>
+          </p:cNvPr>
+          <p:cNvPicPr>
+            <a:picLocks noChangeAspect="1"/>
+          </p:cNvPicPr>
+          <p:nvPr/>
+        </p:nvPicPr>
+        <p:blipFill>
+          <a:blip r:embed="rId8">
+            <a:extLst>
+              <a:ext uri="{28A0092B-C50C-407E-A947-70E740481C1C}">
+                <a14:useLocalDpi xmlns:a14="http://schemas.microsoft.com/office/drawing/2010/main" val="0"/>
+              </a:ext>
+              <a:ext uri="{96DAC541-7B7A-43D3-8B79-37D633B846F1}">
+                <asvg:svgBlip xmlns:asvg="http://schemas.microsoft.com/office/drawing/2016/SVG/main" r:embed="rId9"/>
+              </a:ext>
+            </a:extLst>
+          </a:blip>
+          <a:stretch>
+            <a:fillRect/>
+          </a:stretch>
+        </p:blipFill>
+        <p:spPr>
+          <a:xfrm>
+            <a:off x="7667337" y="5238119"/>
+            <a:ext cx="985805" cy="985805"/>
+          </a:xfrm>
+          <a:prstGeom prst="rect">
+            <a:avLst/>
+          </a:prstGeom>
+        </p:spPr>
+      </p:pic>
+      <p:pic>
+        <p:nvPicPr>
+          <p:cNvPr id="15" name="Graphic 14">
+            <a:extLst>
+              <a:ext uri="{FF2B5EF4-FFF2-40B4-BE49-F238E27FC236}">
+                <a16:creationId xmlns:a16="http://schemas.microsoft.com/office/drawing/2014/main" id="{09B60441-931C-354E-295E-27D4DB31F0AE}"/>
+              </a:ext>
+            </a:extLst>
+          </p:cNvPr>
+          <p:cNvPicPr>
+            <a:picLocks noChangeAspect="1"/>
+          </p:cNvPicPr>
+          <p:nvPr/>
+        </p:nvPicPr>
+        <p:blipFill>
+          <a:blip r:embed="rId10">
+            <a:extLst>
+              <a:ext uri="{28A0092B-C50C-407E-A947-70E740481C1C}">
+                <a14:useLocalDpi xmlns:a14="http://schemas.microsoft.com/office/drawing/2010/main" val="0"/>
+              </a:ext>
+              <a:ext uri="{96DAC541-7B7A-43D3-8B79-37D633B846F1}">
+                <asvg:svgBlip xmlns:asvg="http://schemas.microsoft.com/office/drawing/2016/SVG/main" r:embed="rId11"/>
+              </a:ext>
+            </a:extLst>
+          </a:blip>
+          <a:stretch>
+            <a:fillRect/>
+          </a:stretch>
+        </p:blipFill>
+        <p:spPr>
+          <a:xfrm>
+            <a:off x="231607" y="5731021"/>
+            <a:ext cx="985804" cy="985804"/>
+          </a:xfrm>
+          <a:prstGeom prst="rect">
+            <a:avLst/>
+          </a:prstGeom>
+        </p:spPr>
+      </p:pic>
+      <p:pic>
+        <p:nvPicPr>
+          <p:cNvPr id="17" name="Graphic 16">
+            <a:extLst>
+              <a:ext uri="{FF2B5EF4-FFF2-40B4-BE49-F238E27FC236}">
+                <a16:creationId xmlns:a16="http://schemas.microsoft.com/office/drawing/2014/main" id="{FEDD8C66-AB96-A9F0-7E01-035352EE2EE1}"/>
+              </a:ext>
+            </a:extLst>
+          </p:cNvPr>
+          <p:cNvPicPr>
+            <a:picLocks noChangeAspect="1"/>
+          </p:cNvPicPr>
+          <p:nvPr/>
+        </p:nvPicPr>
+        <p:blipFill>
+          <a:blip r:embed="rId12">
+            <a:extLst>
+              <a:ext uri="{28A0092B-C50C-407E-A947-70E740481C1C}">
+                <a14:useLocalDpi xmlns:a14="http://schemas.microsoft.com/office/drawing/2010/main" val="0"/>
+              </a:ext>
+              <a:ext uri="{96DAC541-7B7A-43D3-8B79-37D633B846F1}">
+                <asvg:svgBlip xmlns:asvg="http://schemas.microsoft.com/office/drawing/2016/SVG/main" r:embed="rId13"/>
+              </a:ext>
+            </a:extLst>
+          </a:blip>
+          <a:stretch>
+            <a:fillRect/>
+          </a:stretch>
+        </p:blipFill>
+        <p:spPr>
+          <a:xfrm>
+            <a:off x="10292690" y="4732544"/>
+            <a:ext cx="814384" cy="814384"/>
+          </a:xfrm>
+          <a:prstGeom prst="rect">
+            <a:avLst/>
+          </a:prstGeom>
+        </p:spPr>
+      </p:pic>
+      <p:pic>
+        <p:nvPicPr>
+          <p:cNvPr id="19" name="Graphic 18">
+            <a:extLst>
+              <a:ext uri="{FF2B5EF4-FFF2-40B4-BE49-F238E27FC236}">
+                <a16:creationId xmlns:a16="http://schemas.microsoft.com/office/drawing/2014/main" id="{79D7BC3E-EBF1-5B8F-C6BB-39C786AAA963}"/>
+              </a:ext>
+            </a:extLst>
+          </p:cNvPr>
+          <p:cNvPicPr>
+            <a:picLocks noChangeAspect="1"/>
+          </p:cNvPicPr>
+          <p:nvPr/>
+        </p:nvPicPr>
+        <p:blipFill>
+          <a:blip r:embed="rId14">
+            <a:extLst>
+              <a:ext uri="{28A0092B-C50C-407E-A947-70E740481C1C}">
+                <a14:useLocalDpi xmlns:a14="http://schemas.microsoft.com/office/drawing/2010/main" val="0"/>
+              </a:ext>
+              <a:ext uri="{96DAC541-7B7A-43D3-8B79-37D633B846F1}">
+                <asvg:svgBlip xmlns:asvg="http://schemas.microsoft.com/office/drawing/2016/SVG/main" r:embed="rId15"/>
+              </a:ext>
+            </a:extLst>
+          </a:blip>
+          <a:stretch>
+            <a:fillRect/>
+          </a:stretch>
+        </p:blipFill>
+        <p:spPr>
+          <a:xfrm>
+            <a:off x="9086814" y="5456055"/>
+            <a:ext cx="919665" cy="919665"/>
+          </a:xfrm>
+          <a:prstGeom prst="rect">
+            <a:avLst/>
+          </a:prstGeom>
+        </p:spPr>
+      </p:pic>
+      <p:pic>
+        <p:nvPicPr>
+          <p:cNvPr id="21" name="Picture 20" descr="A purple and white logo&#10;&#10;Description automatically generated with medium confidence">
+            <a:extLst>
+              <a:ext uri="{FF2B5EF4-FFF2-40B4-BE49-F238E27FC236}">
+                <a16:creationId xmlns:a16="http://schemas.microsoft.com/office/drawing/2014/main" id="{FA897893-2F41-BCBC-C693-F35305695778}"/>
+              </a:ext>
+            </a:extLst>
+          </p:cNvPr>
+          <p:cNvPicPr>
+            <a:picLocks noChangeAspect="1"/>
+          </p:cNvPicPr>
+          <p:nvPr/>
+        </p:nvPicPr>
+        <p:blipFill>
+          <a:blip r:embed="rId16">
+            <a:extLst>
+              <a:ext uri="{28A0092B-C50C-407E-A947-70E740481C1C}">
+                <a14:useLocalDpi xmlns:a14="http://schemas.microsoft.com/office/drawing/2010/main" val="0"/>
+              </a:ext>
+            </a:extLst>
+          </a:blip>
+          <a:stretch>
+            <a:fillRect/>
+          </a:stretch>
+        </p:blipFill>
+        <p:spPr>
+          <a:xfrm>
+            <a:off x="10134853" y="3398089"/>
+            <a:ext cx="1062155" cy="1062155"/>
+          </a:xfrm>
+          <a:prstGeom prst="rect">
+            <a:avLst/>
+          </a:prstGeom>
+        </p:spPr>
+      </p:pic>
+      <p:pic>
+        <p:nvPicPr>
+          <p:cNvPr id="23" name="Picture 22" descr="A picture containing text, font, graphics, logo&#10;&#10;Description automatically generated">
+            <a:extLst>
+              <a:ext uri="{FF2B5EF4-FFF2-40B4-BE49-F238E27FC236}">
+                <a16:creationId xmlns:a16="http://schemas.microsoft.com/office/drawing/2014/main" id="{DAE9DB9E-23F9-F14F-4B47-287151A4DF13}"/>
+              </a:ext>
+            </a:extLst>
+          </p:cNvPr>
+          <p:cNvPicPr>
+            <a:picLocks noChangeAspect="1"/>
+          </p:cNvPicPr>
+          <p:nvPr/>
+        </p:nvPicPr>
+        <p:blipFill>
+          <a:blip r:embed="rId17">
+            <a:extLst>
+              <a:ext uri="{28A0092B-C50C-407E-A947-70E740481C1C}">
+                <a14:useLocalDpi xmlns:a14="http://schemas.microsoft.com/office/drawing/2010/main" val="0"/>
+              </a:ext>
+            </a:extLst>
+          </a:blip>
+          <a:stretch>
+            <a:fillRect/>
+          </a:stretch>
+        </p:blipFill>
+        <p:spPr>
+          <a:xfrm>
+            <a:off x="1731571" y="5404432"/>
+            <a:ext cx="893214" cy="893214"/>
+          </a:xfrm>
+          <a:prstGeom prst="rect">
+            <a:avLst/>
+          </a:prstGeom>
+        </p:spPr>
+      </p:pic>
+      <p:pic>
+        <p:nvPicPr>
+          <p:cNvPr id="25" name="Picture 24" descr="A blue hexagon with white c and plus symbols&#10;&#10;Description automatically generated with low confidence">
+            <a:extLst>
+              <a:ext uri="{FF2B5EF4-FFF2-40B4-BE49-F238E27FC236}">
+                <a16:creationId xmlns:a16="http://schemas.microsoft.com/office/drawing/2014/main" id="{5873ABC8-226F-D922-FD71-419ED18429EA}"/>
+              </a:ext>
+            </a:extLst>
+          </p:cNvPr>
+          <p:cNvPicPr>
+            <a:picLocks noChangeAspect="1"/>
+          </p:cNvPicPr>
+          <p:nvPr/>
+        </p:nvPicPr>
+        <p:blipFill>
+          <a:blip r:embed="rId18">
+            <a:extLst>
+              <a:ext uri="{28A0092B-C50C-407E-A947-70E740481C1C}">
+                <a14:useLocalDpi xmlns:a14="http://schemas.microsoft.com/office/drawing/2010/main" val="0"/>
+              </a:ext>
+            </a:extLst>
+          </a:blip>
+          <a:stretch>
+            <a:fillRect/>
+          </a:stretch>
+        </p:blipFill>
+        <p:spPr>
+          <a:xfrm>
+            <a:off x="3148897" y="5764090"/>
+            <a:ext cx="919665" cy="919665"/>
+          </a:xfrm>
+          <a:prstGeom prst="rect">
+            <a:avLst/>
+          </a:prstGeom>
+        </p:spPr>
+      </p:pic>
+    </p:spTree>
+    <p:extLst>
+      <p:ext uri="{BB962C8B-B14F-4D97-AF65-F5344CB8AC3E}">
+        <p14:creationId xmlns:p14="http://schemas.microsoft.com/office/powerpoint/2010/main" val="3395157833"/>
+      </p:ext>
+    </p:extLst>
+  </p:cSld>
+  <p:clrMapOvr>
+    <a:masterClrMapping/>
+  </p:clrMapOvr>
+</p:sld>
+</file>
+
+<file path=ppt/slides/slide7.xml><?xml version="1.0" encoding="utf-8"?>
+<p:sld xmlns:a="http://schemas.openxmlformats.org/drawingml/2006/main" xmlns:r="http://schemas.openxmlformats.org/officeDocument/2006/relationships" xmlns:p="http://schemas.openxmlformats.org/presentationml/2006/main">
+  <p:cSld>
+    <p:spTree>
+      <p:nvGrpSpPr>
+        <p:cNvPr id="1" name=""/>
+        <p:cNvGrpSpPr/>
+        <p:nvPr/>
+      </p:nvGrpSpPr>
+      <p:grpSpPr>
+        <a:xfrm>
+          <a:off x="0" y="0"/>
+          <a:ext cx="0" cy="0"/>
+          <a:chOff x="0" y="0"/>
+          <a:chExt cx="0" cy="0"/>
+        </a:xfrm>
+      </p:grpSpPr>
+      <p:sp>
+        <p:nvSpPr>
+          <p:cNvPr id="2" name="Title 1">
+            <a:extLst>
+              <a:ext uri="{FF2B5EF4-FFF2-40B4-BE49-F238E27FC236}">
                 <a16:creationId xmlns:a16="http://schemas.microsoft.com/office/drawing/2014/main" id="{6CB542EA-2450-AA89-8AEF-191996D0D747}"/>
               </a:ext>
             </a:extLst>
@@ -7552,7 +12012,7 @@
           <a:p>
             <a:fld id="{802DD59C-3995-4985-B1F6-F0760A94EC9E}" type="datetime1">
               <a:rPr lang="en-US" smtClean="0"/>
-              <a:t>29-Jun-23</a:t>
+              <a:t>04-Jul-23</a:t>
             </a:fld>
             <a:endParaRPr lang="en-US"/>
           </a:p>
@@ -7586,7 +12046,7 @@
           <a:p>
             <a:fld id="{DB48B2AB-3808-49D7-8A5E-478590DD98C6}" type="slidenum">
               <a:rPr lang="en-US" smtClean="0"/>
-              <a:t>6</a:t>
+              <a:t>7</a:t>
             </a:fld>
             <a:endParaRPr lang="en-US" dirty="0"/>
           </a:p>
@@ -7605,7 +12065,7 @@
 </p:sld>
 </file>
 
-<file path=ppt/slides/slide7.xml><?xml version="1.0" encoding="utf-8"?>
+<file path=ppt/slides/slide8.xml><?xml version="1.0" encoding="utf-8"?>
 <p:sld xmlns:a="http://schemas.openxmlformats.org/drawingml/2006/main" xmlns:r="http://schemas.openxmlformats.org/officeDocument/2006/relationships" xmlns:p="http://schemas.openxmlformats.org/presentationml/2006/main">
   <p:cSld>
     <p:bg>
@@ -8043,7 +12503,7 @@
                   <a:spcPts val="600"/>
                 </a:spcAft>
               </a:pPr>
-              <a:t>29-Jun-23</a:t>
+              <a:t>04-Jul-23</a:t>
             </a:fld>
             <a:endParaRPr lang="en-US"/>
           </a:p>
@@ -8089,7 +12549,7 @@
                   <a:spcPts val="600"/>
                 </a:spcAft>
               </a:pPr>
-              <a:t>7</a:t>
+              <a:t>8</a:t>
             </a:fld>
             <a:endParaRPr lang="en-US"/>
           </a:p>
@@ -8236,7 +12696,7 @@
 </p:sld>
 </file>
 
-<file path=ppt/slides/slide8.xml><?xml version="1.0" encoding="utf-8"?>
+<file path=ppt/slides/slide9.xml><?xml version="1.0" encoding="utf-8"?>
 <p:sld xmlns:a="http://schemas.openxmlformats.org/drawingml/2006/main" xmlns:r="http://schemas.openxmlformats.org/officeDocument/2006/relationships" xmlns:p="http://schemas.openxmlformats.org/presentationml/2006/main">
   <p:cSld>
     <p:bg>
@@ -8644,7 +13104,7 @@
                   <a:spcPts val="600"/>
                 </a:spcAft>
               </a:pPr>
-              <a:t>29-Jun-23</a:t>
+              <a:t>04-Jul-23</a:t>
             </a:fld>
             <a:endParaRPr lang="en-US"/>
           </a:p>
@@ -8690,7 +13150,7 @@
                   <a:spcPts val="600"/>
                 </a:spcAft>
               </a:pPr>
-              <a:t>8</a:t>
+              <a:t>9</a:t>
             </a:fld>
             <a:endParaRPr lang="en-US"/>
           </a:p>
@@ -8782,802 +13242,6 @@
     <p:extLst>
       <p:ext uri="{BB962C8B-B14F-4D97-AF65-F5344CB8AC3E}">
         <p14:creationId xmlns:p14="http://schemas.microsoft.com/office/powerpoint/2010/main" val="2467951929"/>
-      </p:ext>
-    </p:extLst>
-  </p:cSld>
-  <p:clrMapOvr>
-    <a:masterClrMapping/>
-  </p:clrMapOvr>
-</p:sld>
-</file>
-
-<file path=ppt/slides/slide9.xml><?xml version="1.0" encoding="utf-8"?>
-<p:sld xmlns:a="http://schemas.openxmlformats.org/drawingml/2006/main" xmlns:r="http://schemas.openxmlformats.org/officeDocument/2006/relationships" xmlns:p="http://schemas.openxmlformats.org/presentationml/2006/main">
-  <p:cSld>
-    <p:spTree>
-      <p:nvGrpSpPr>
-        <p:cNvPr id="1" name=""/>
-        <p:cNvGrpSpPr/>
-        <p:nvPr/>
-      </p:nvGrpSpPr>
-      <p:grpSpPr>
-        <a:xfrm>
-          <a:off x="0" y="0"/>
-          <a:ext cx="0" cy="0"/>
-          <a:chOff x="0" y="0"/>
-          <a:chExt cx="0" cy="0"/>
-        </a:xfrm>
-      </p:grpSpPr>
-      <p:sp>
-        <p:nvSpPr>
-          <p:cNvPr id="2" name="Title 1">
-            <a:extLst>
-              <a:ext uri="{FF2B5EF4-FFF2-40B4-BE49-F238E27FC236}">
-                <a16:creationId xmlns:a16="http://schemas.microsoft.com/office/drawing/2014/main" id="{A638DB80-0F08-1741-D1F0-21A5119A41B1}"/>
-              </a:ext>
-            </a:extLst>
-          </p:cNvPr>
-          <p:cNvSpPr>
-            <a:spLocks noGrp="1"/>
-          </p:cNvSpPr>
-          <p:nvPr>
-            <p:ph type="title"/>
-          </p:nvPr>
-        </p:nvSpPr>
-        <p:spPr/>
-        <p:txBody>
-          <a:bodyPr/>
-          <a:lstStyle/>
-          <a:p>
-            <a:r>
-              <a:rPr lang="en-US" dirty="0"/>
-              <a:t>Front-End Concept</a:t>
-            </a:r>
-          </a:p>
-        </p:txBody>
-      </p:sp>
-      <p:sp>
-        <p:nvSpPr>
-          <p:cNvPr id="4" name="Date Placeholder 3">
-            <a:extLst>
-              <a:ext uri="{FF2B5EF4-FFF2-40B4-BE49-F238E27FC236}">
-                <a16:creationId xmlns:a16="http://schemas.microsoft.com/office/drawing/2014/main" id="{7D6D102C-228C-C1E7-E2D9-D2FF335C7853}"/>
-              </a:ext>
-            </a:extLst>
-          </p:cNvPr>
-          <p:cNvSpPr>
-            <a:spLocks noGrp="1"/>
-          </p:cNvSpPr>
-          <p:nvPr>
-            <p:ph type="dt" sz="half" idx="10"/>
-          </p:nvPr>
-        </p:nvSpPr>
-        <p:spPr/>
-        <p:txBody>
-          <a:bodyPr/>
-          <a:lstStyle/>
-          <a:p>
-            <a:fld id="{EB66EB2B-286A-45BC-9953-B5DF063DD154}" type="datetime1">
-              <a:rPr lang="en-US" smtClean="0"/>
-              <a:t>29-Jun-23</a:t>
-            </a:fld>
-            <a:endParaRPr lang="en-US"/>
-          </a:p>
-        </p:txBody>
-      </p:sp>
-      <p:sp>
-        <p:nvSpPr>
-          <p:cNvPr id="5" name="Slide Number Placeholder 4">
-            <a:extLst>
-              <a:ext uri="{FF2B5EF4-FFF2-40B4-BE49-F238E27FC236}">
-                <a16:creationId xmlns:a16="http://schemas.microsoft.com/office/drawing/2014/main" id="{C04B5272-CACA-674E-BBC7-E983983AFAC2}"/>
-              </a:ext>
-            </a:extLst>
-          </p:cNvPr>
-          <p:cNvSpPr>
-            <a:spLocks noGrp="1"/>
-          </p:cNvSpPr>
-          <p:nvPr>
-            <p:ph type="sldNum" sz="quarter" idx="12"/>
-          </p:nvPr>
-        </p:nvSpPr>
-        <p:spPr/>
-        <p:txBody>
-          <a:bodyPr/>
-          <a:lstStyle/>
-          <a:p>
-            <a:fld id="{DB48B2AB-3808-49D7-8A5E-478590DD98C6}" type="slidenum">
-              <a:rPr lang="en-US" smtClean="0"/>
-              <a:t>9</a:t>
-            </a:fld>
-            <a:endParaRPr lang="en-US"/>
-          </a:p>
-        </p:txBody>
-      </p:sp>
-      <p:sp>
-        <p:nvSpPr>
-          <p:cNvPr id="6" name="Rectangle: Rounded Corners 5">
-            <a:extLst>
-              <a:ext uri="{FF2B5EF4-FFF2-40B4-BE49-F238E27FC236}">
-                <a16:creationId xmlns:a16="http://schemas.microsoft.com/office/drawing/2014/main" id="{D72DBBB7-FAD6-A017-C4CB-5CC1DA3D1533}"/>
-              </a:ext>
-            </a:extLst>
-          </p:cNvPr>
-          <p:cNvSpPr/>
-          <p:nvPr/>
-        </p:nvSpPr>
-        <p:spPr>
-          <a:xfrm>
-            <a:off x="760454" y="2446066"/>
-            <a:ext cx="2634586" cy="4207826"/>
-          </a:xfrm>
-          <a:prstGeom prst="roundRect">
-            <a:avLst/>
-          </a:prstGeom>
-          <a:solidFill>
-            <a:schemeClr val="tx1"/>
-          </a:solidFill>
-          <a:ln w="34925">
-            <a:prstDash val="sysDash"/>
-          </a:ln>
-        </p:spPr>
-        <p:style>
-          <a:lnRef idx="2">
-            <a:schemeClr val="accent1">
-              <a:shade val="15000"/>
-            </a:schemeClr>
-          </a:lnRef>
-          <a:fillRef idx="1">
-            <a:schemeClr val="accent1"/>
-          </a:fillRef>
-          <a:effectRef idx="0">
-            <a:schemeClr val="accent1"/>
-          </a:effectRef>
-          <a:fontRef idx="minor">
-            <a:schemeClr val="lt1"/>
-          </a:fontRef>
-        </p:style>
-        <p:txBody>
-          <a:bodyPr rtlCol="0" anchor="ctr"/>
-          <a:lstStyle/>
-          <a:p>
-            <a:pPr algn="ctr"/>
-            <a:endParaRPr lang="en-US" dirty="0"/>
-          </a:p>
-        </p:txBody>
-      </p:sp>
-      <p:sp>
-        <p:nvSpPr>
-          <p:cNvPr id="7" name="Rectangle: Rounded Corners 6">
-            <a:extLst>
-              <a:ext uri="{FF2B5EF4-FFF2-40B4-BE49-F238E27FC236}">
-                <a16:creationId xmlns:a16="http://schemas.microsoft.com/office/drawing/2014/main" id="{10BD7830-1B3F-E1ED-57CF-6A1BCEB074F6}"/>
-              </a:ext>
-            </a:extLst>
-          </p:cNvPr>
-          <p:cNvSpPr/>
-          <p:nvPr/>
-        </p:nvSpPr>
-        <p:spPr>
-          <a:xfrm>
-            <a:off x="7350578" y="2446066"/>
-            <a:ext cx="2634586" cy="3595296"/>
-          </a:xfrm>
-          <a:prstGeom prst="roundRect">
-            <a:avLst/>
-          </a:prstGeom>
-          <a:solidFill>
-            <a:schemeClr val="tx1"/>
-          </a:solidFill>
-          <a:ln w="34925">
-            <a:prstDash val="sysDash"/>
-          </a:ln>
-        </p:spPr>
-        <p:style>
-          <a:lnRef idx="2">
-            <a:schemeClr val="accent1">
-              <a:shade val="15000"/>
-            </a:schemeClr>
-          </a:lnRef>
-          <a:fillRef idx="1">
-            <a:schemeClr val="accent1"/>
-          </a:fillRef>
-          <a:effectRef idx="0">
-            <a:schemeClr val="accent1"/>
-          </a:effectRef>
-          <a:fontRef idx="minor">
-            <a:schemeClr val="lt1"/>
-          </a:fontRef>
-        </p:style>
-        <p:txBody>
-          <a:bodyPr rtlCol="0" anchor="ctr"/>
-          <a:lstStyle/>
-          <a:p>
-            <a:pPr algn="ctr"/>
-            <a:endParaRPr lang="en-US"/>
-          </a:p>
-        </p:txBody>
-      </p:sp>
-      <p:pic>
-        <p:nvPicPr>
-          <p:cNvPr id="8" name="Picture 7" descr="A picture containing electronics, electronic component, circuit component, passive circuit component&#10;&#10;Description automatically generated">
-            <a:extLst>
-              <a:ext uri="{FF2B5EF4-FFF2-40B4-BE49-F238E27FC236}">
-                <a16:creationId xmlns:a16="http://schemas.microsoft.com/office/drawing/2014/main" id="{064D7DCC-21C9-DE06-CEE5-CDC8D6ACA79A}"/>
-              </a:ext>
-            </a:extLst>
-          </p:cNvPr>
-          <p:cNvPicPr>
-            <a:picLocks noChangeAspect="1"/>
-          </p:cNvPicPr>
-          <p:nvPr/>
-        </p:nvPicPr>
-        <p:blipFill>
-          <a:blip r:embed="rId2">
-            <a:extLst>
-              <a:ext uri="{28A0092B-C50C-407E-A947-70E740481C1C}">
-                <a14:useLocalDpi xmlns:a14="http://schemas.microsoft.com/office/drawing/2010/main" val="0"/>
-              </a:ext>
-            </a:extLst>
-          </a:blip>
-          <a:stretch>
-            <a:fillRect/>
-          </a:stretch>
-        </p:blipFill>
-        <p:spPr>
-          <a:xfrm>
-            <a:off x="1162785" y="4739822"/>
-            <a:ext cx="1775873" cy="1775873"/>
-          </a:xfrm>
-          <a:prstGeom prst="roundRect">
-            <a:avLst>
-              <a:gd name="adj" fmla="val 3876"/>
-            </a:avLst>
-          </a:prstGeom>
-          <a:ln>
-            <a:solidFill>
-              <a:schemeClr val="accent1"/>
-            </a:solidFill>
-          </a:ln>
-          <a:effectLst/>
-        </p:spPr>
-      </p:pic>
-      <p:pic>
-        <p:nvPicPr>
-          <p:cNvPr id="10" name="Picture 9" descr="A picture containing text, clipart, graphic design, design&#10;&#10;Description automatically generated">
-            <a:extLst>
-              <a:ext uri="{FF2B5EF4-FFF2-40B4-BE49-F238E27FC236}">
-                <a16:creationId xmlns:a16="http://schemas.microsoft.com/office/drawing/2014/main" id="{8F1EF72C-7A32-B4E0-EE7E-E9D005EA66C5}"/>
-              </a:ext>
-            </a:extLst>
-          </p:cNvPr>
-          <p:cNvPicPr>
-            <a:picLocks noChangeAspect="1"/>
-          </p:cNvPicPr>
-          <p:nvPr/>
-        </p:nvPicPr>
-        <p:blipFill>
-          <a:blip r:embed="rId3">
-            <a:extLst>
-              <a:ext uri="{28A0092B-C50C-407E-A947-70E740481C1C}">
-                <a14:useLocalDpi xmlns:a14="http://schemas.microsoft.com/office/drawing/2010/main" val="0"/>
-              </a:ext>
-            </a:extLst>
-          </a:blip>
-          <a:stretch>
-            <a:fillRect/>
-          </a:stretch>
-        </p:blipFill>
-        <p:spPr>
-          <a:xfrm>
-            <a:off x="1162785" y="3742688"/>
-            <a:ext cx="1755321" cy="1093985"/>
-          </a:xfrm>
-          <a:prstGeom prst="rect">
-            <a:avLst/>
-          </a:prstGeom>
-        </p:spPr>
-      </p:pic>
-      <p:sp>
-        <p:nvSpPr>
-          <p:cNvPr id="11" name="Rectangle: Rounded Corners 10">
-            <a:extLst>
-              <a:ext uri="{FF2B5EF4-FFF2-40B4-BE49-F238E27FC236}">
-                <a16:creationId xmlns:a16="http://schemas.microsoft.com/office/drawing/2014/main" id="{4D184C3B-0A65-3ED2-1960-7AC312654B28}"/>
-              </a:ext>
-            </a:extLst>
-          </p:cNvPr>
-          <p:cNvSpPr/>
-          <p:nvPr/>
-        </p:nvSpPr>
-        <p:spPr>
-          <a:xfrm>
-            <a:off x="1285330" y="3010443"/>
-            <a:ext cx="1755321" cy="380298"/>
-          </a:xfrm>
-          <a:prstGeom prst="roundRect">
-            <a:avLst/>
-          </a:prstGeom>
-        </p:spPr>
-        <p:style>
-          <a:lnRef idx="2">
-            <a:schemeClr val="accent1">
-              <a:shade val="15000"/>
-            </a:schemeClr>
-          </a:lnRef>
-          <a:fillRef idx="1">
-            <a:schemeClr val="accent1"/>
-          </a:fillRef>
-          <a:effectRef idx="0">
-            <a:schemeClr val="accent1"/>
-          </a:effectRef>
-          <a:fontRef idx="minor">
-            <a:schemeClr val="lt1"/>
-          </a:fontRef>
-        </p:style>
-        <p:txBody>
-          <a:bodyPr rtlCol="0" anchor="ctr"/>
-          <a:lstStyle/>
-          <a:p>
-            <a:pPr algn="ctr"/>
-            <a:r>
-              <a:rPr lang="en-US" dirty="0"/>
-              <a:t>HTTP </a:t>
-            </a:r>
-            <a:r>
-              <a:rPr lang="en-US" b="1" dirty="0"/>
-              <a:t>GET</a:t>
-            </a:r>
-            <a:r>
-              <a:rPr lang="en-US" dirty="0"/>
-              <a:t> API</a:t>
-            </a:r>
-          </a:p>
-        </p:txBody>
-      </p:sp>
-      <p:pic>
-        <p:nvPicPr>
-          <p:cNvPr id="13" name="Picture 12" descr="A logo of a google chrome&#10;&#10;Description automatically generated with low confidence">
-            <a:extLst>
-              <a:ext uri="{FF2B5EF4-FFF2-40B4-BE49-F238E27FC236}">
-                <a16:creationId xmlns:a16="http://schemas.microsoft.com/office/drawing/2014/main" id="{D552180A-B5E1-55B4-0608-95FA45938DA6}"/>
-              </a:ext>
-            </a:extLst>
-          </p:cNvPr>
-          <p:cNvPicPr>
-            <a:picLocks noChangeAspect="1"/>
-          </p:cNvPicPr>
-          <p:nvPr/>
-        </p:nvPicPr>
-        <p:blipFill>
-          <a:blip r:embed="rId4">
-            <a:extLst>
-              <a:ext uri="{28A0092B-C50C-407E-A947-70E740481C1C}">
-                <a14:useLocalDpi xmlns:a14="http://schemas.microsoft.com/office/drawing/2010/main" val="0"/>
-              </a:ext>
-            </a:extLst>
-          </a:blip>
-          <a:stretch>
-            <a:fillRect/>
-          </a:stretch>
-        </p:blipFill>
-        <p:spPr>
-          <a:xfrm>
-            <a:off x="9229462" y="5305118"/>
-            <a:ext cx="617152" cy="619216"/>
-          </a:xfrm>
-          <a:prstGeom prst="rect">
-            <a:avLst/>
-          </a:prstGeom>
-        </p:spPr>
-      </p:pic>
-      <p:pic>
-        <p:nvPicPr>
-          <p:cNvPr id="15" name="Picture 14" descr="A blue and green logo&#10;&#10;Description automatically generated with low confidence">
-            <a:extLst>
-              <a:ext uri="{FF2B5EF4-FFF2-40B4-BE49-F238E27FC236}">
-                <a16:creationId xmlns:a16="http://schemas.microsoft.com/office/drawing/2014/main" id="{B90D864E-C2E3-CAE9-1A35-1F32B454D073}"/>
-              </a:ext>
-            </a:extLst>
-          </p:cNvPr>
-          <p:cNvPicPr>
-            <a:picLocks noChangeAspect="1"/>
-          </p:cNvPicPr>
-          <p:nvPr/>
-        </p:nvPicPr>
-        <p:blipFill>
-          <a:blip r:embed="rId5">
-            <a:extLst>
-              <a:ext uri="{28A0092B-C50C-407E-A947-70E740481C1C}">
-                <a14:useLocalDpi xmlns:a14="http://schemas.microsoft.com/office/drawing/2010/main" val="0"/>
-              </a:ext>
-            </a:extLst>
-          </a:blip>
-          <a:stretch>
-            <a:fillRect/>
-          </a:stretch>
-        </p:blipFill>
-        <p:spPr>
-          <a:xfrm>
-            <a:off x="8317018" y="5317568"/>
-            <a:ext cx="852751" cy="639563"/>
-          </a:xfrm>
-          <a:prstGeom prst="rect">
-            <a:avLst/>
-          </a:prstGeom>
-        </p:spPr>
-      </p:pic>
-      <p:pic>
-        <p:nvPicPr>
-          <p:cNvPr id="17" name="Picture 16" descr="A picture containing graphics, creativity, clipart, colorfulness&#10;&#10;Description automatically generated">
-            <a:extLst>
-              <a:ext uri="{FF2B5EF4-FFF2-40B4-BE49-F238E27FC236}">
-                <a16:creationId xmlns:a16="http://schemas.microsoft.com/office/drawing/2014/main" id="{72C6D4C9-910C-6345-8D2D-36F698E02CBE}"/>
-              </a:ext>
-            </a:extLst>
-          </p:cNvPr>
-          <p:cNvPicPr>
-            <a:picLocks noChangeAspect="1"/>
-          </p:cNvPicPr>
-          <p:nvPr/>
-        </p:nvPicPr>
-        <p:blipFill>
-          <a:blip r:embed="rId6">
-            <a:extLst>
-              <a:ext uri="{28A0092B-C50C-407E-A947-70E740481C1C}">
-                <a14:useLocalDpi xmlns:a14="http://schemas.microsoft.com/office/drawing/2010/main" val="0"/>
-              </a:ext>
-            </a:extLst>
-          </a:blip>
-          <a:stretch>
-            <a:fillRect/>
-          </a:stretch>
-        </p:blipFill>
-        <p:spPr>
-          <a:xfrm>
-            <a:off x="7560128" y="5136311"/>
-            <a:ext cx="806226" cy="846537"/>
-          </a:xfrm>
-          <a:prstGeom prst="rect">
-            <a:avLst/>
-          </a:prstGeom>
-        </p:spPr>
-      </p:pic>
-      <p:cxnSp>
-        <p:nvCxnSpPr>
-          <p:cNvPr id="19" name="Straight Connector 18">
-            <a:extLst>
-              <a:ext uri="{FF2B5EF4-FFF2-40B4-BE49-F238E27FC236}">
-                <a16:creationId xmlns:a16="http://schemas.microsoft.com/office/drawing/2014/main" id="{F0B2D8BF-13F1-B7DB-6944-AA082A119876}"/>
-              </a:ext>
-            </a:extLst>
-          </p:cNvPr>
-          <p:cNvCxnSpPr/>
-          <p:nvPr/>
-        </p:nvCxnSpPr>
-        <p:spPr>
-          <a:xfrm>
-            <a:off x="7399690" y="5136311"/>
-            <a:ext cx="2585474" cy="0"/>
-          </a:xfrm>
-          <a:prstGeom prst="line">
-            <a:avLst/>
-          </a:prstGeom>
-        </p:spPr>
-        <p:style>
-          <a:lnRef idx="1">
-            <a:schemeClr val="accent1"/>
-          </a:lnRef>
-          <a:fillRef idx="0">
-            <a:schemeClr val="accent1"/>
-          </a:fillRef>
-          <a:effectRef idx="0">
-            <a:schemeClr val="accent1"/>
-          </a:effectRef>
-          <a:fontRef idx="minor">
-            <a:schemeClr val="tx1"/>
-          </a:fontRef>
-        </p:style>
-      </p:cxnSp>
-      <p:pic>
-        <p:nvPicPr>
-          <p:cNvPr id="21" name="Picture 20" descr="A picture containing text, font, symbol, number&#10;&#10;Description automatically generated">
-            <a:extLst>
-              <a:ext uri="{FF2B5EF4-FFF2-40B4-BE49-F238E27FC236}">
-                <a16:creationId xmlns:a16="http://schemas.microsoft.com/office/drawing/2014/main" id="{2F53A16B-B39B-0412-A22E-CECBC6E53456}"/>
-              </a:ext>
-            </a:extLst>
-          </p:cNvPr>
-          <p:cNvPicPr>
-            <a:picLocks noChangeAspect="1"/>
-          </p:cNvPicPr>
-          <p:nvPr/>
-        </p:nvPicPr>
-        <p:blipFill>
-          <a:blip r:embed="rId7">
-            <a:extLst>
-              <a:ext uri="{28A0092B-C50C-407E-A947-70E740481C1C}">
-                <a14:useLocalDpi xmlns:a14="http://schemas.microsoft.com/office/drawing/2010/main" val="0"/>
-              </a:ext>
-            </a:extLst>
-          </a:blip>
-          <a:stretch>
-            <a:fillRect/>
-          </a:stretch>
-        </p:blipFill>
-        <p:spPr>
-          <a:xfrm>
-            <a:off x="9229462" y="2608770"/>
-            <a:ext cx="640873" cy="691278"/>
-          </a:xfrm>
-          <a:prstGeom prst="rect">
-            <a:avLst/>
-          </a:prstGeom>
-        </p:spPr>
-      </p:pic>
-      <p:sp>
-        <p:nvSpPr>
-          <p:cNvPr id="22" name="Rectangle: Rounded Corners 21">
-            <a:extLst>
-              <a:ext uri="{FF2B5EF4-FFF2-40B4-BE49-F238E27FC236}">
-                <a16:creationId xmlns:a16="http://schemas.microsoft.com/office/drawing/2014/main" id="{23C439AD-E1A5-D4E9-E489-21CF31571F0C}"/>
-              </a:ext>
-            </a:extLst>
-          </p:cNvPr>
-          <p:cNvSpPr/>
-          <p:nvPr/>
-        </p:nvSpPr>
-        <p:spPr>
-          <a:xfrm>
-            <a:off x="7609758" y="2960138"/>
-            <a:ext cx="1513192" cy="380298"/>
-          </a:xfrm>
-          <a:prstGeom prst="roundRect">
-            <a:avLst/>
-          </a:prstGeom>
-        </p:spPr>
-        <p:style>
-          <a:lnRef idx="2">
-            <a:schemeClr val="accent1">
-              <a:shade val="15000"/>
-            </a:schemeClr>
-          </a:lnRef>
-          <a:fillRef idx="1">
-            <a:schemeClr val="accent1"/>
-          </a:fillRef>
-          <a:effectRef idx="0">
-            <a:schemeClr val="accent1"/>
-          </a:effectRef>
-          <a:fontRef idx="minor">
-            <a:schemeClr val="lt1"/>
-          </a:fontRef>
-        </p:style>
-        <p:txBody>
-          <a:bodyPr rtlCol="0" anchor="ctr"/>
-          <a:lstStyle/>
-          <a:p>
-            <a:pPr algn="ctr"/>
-            <a:r>
-              <a:rPr lang="en-US" b="1" dirty="0"/>
-              <a:t>FETCH GET</a:t>
-            </a:r>
-            <a:endParaRPr lang="en-US" dirty="0"/>
-          </a:p>
-        </p:txBody>
-      </p:sp>
-      <p:cxnSp>
-        <p:nvCxnSpPr>
-          <p:cNvPr id="23" name="Straight Connector 22">
-            <a:extLst>
-              <a:ext uri="{FF2B5EF4-FFF2-40B4-BE49-F238E27FC236}">
-                <a16:creationId xmlns:a16="http://schemas.microsoft.com/office/drawing/2014/main" id="{345D07EC-752A-1C92-4F0E-82B08D797679}"/>
-              </a:ext>
-            </a:extLst>
-          </p:cNvPr>
-          <p:cNvCxnSpPr>
-            <a:cxnSpLocks/>
-          </p:cNvCxnSpPr>
-          <p:nvPr/>
-        </p:nvCxnSpPr>
-        <p:spPr>
-          <a:xfrm flipV="1">
-            <a:off x="3195965" y="3150287"/>
-            <a:ext cx="4364163" cy="17552"/>
-          </a:xfrm>
-          <a:prstGeom prst="line">
-            <a:avLst/>
-          </a:prstGeom>
-          <a:ln w="22225">
-            <a:solidFill>
-              <a:schemeClr val="accent3"/>
-            </a:solidFill>
-            <a:prstDash val="sysDash"/>
-            <a:headEnd type="triangle"/>
-            <a:tailEnd type="triangle"/>
-          </a:ln>
-        </p:spPr>
-        <p:style>
-          <a:lnRef idx="1">
-            <a:schemeClr val="accent1"/>
-          </a:lnRef>
-          <a:fillRef idx="0">
-            <a:schemeClr val="accent1"/>
-          </a:fillRef>
-          <a:effectRef idx="0">
-            <a:schemeClr val="accent1"/>
-          </a:effectRef>
-          <a:fontRef idx="minor">
-            <a:schemeClr val="tx1"/>
-          </a:fontRef>
-        </p:style>
-      </p:cxnSp>
-      <p:sp>
-        <p:nvSpPr>
-          <p:cNvPr id="26" name="Rectangle: Rounded Corners 25">
-            <a:extLst>
-              <a:ext uri="{FF2B5EF4-FFF2-40B4-BE49-F238E27FC236}">
-                <a16:creationId xmlns:a16="http://schemas.microsoft.com/office/drawing/2014/main" id="{E9D25F73-13A8-2285-BEDF-6706D21A40F2}"/>
-              </a:ext>
-            </a:extLst>
-          </p:cNvPr>
-          <p:cNvSpPr/>
-          <p:nvPr/>
-        </p:nvSpPr>
-        <p:spPr>
-          <a:xfrm>
-            <a:off x="7485965" y="3468854"/>
-            <a:ext cx="2319585" cy="1583226"/>
-          </a:xfrm>
-          <a:prstGeom prst="roundRect">
-            <a:avLst/>
-          </a:prstGeom>
-          <a:solidFill>
-            <a:schemeClr val="tx1"/>
-          </a:solidFill>
-        </p:spPr>
-        <p:style>
-          <a:lnRef idx="2">
-            <a:schemeClr val="accent1">
-              <a:shade val="15000"/>
-            </a:schemeClr>
-          </a:lnRef>
-          <a:fillRef idx="1">
-            <a:schemeClr val="accent1"/>
-          </a:fillRef>
-          <a:effectRef idx="0">
-            <a:schemeClr val="accent1"/>
-          </a:effectRef>
-          <a:fontRef idx="minor">
-            <a:schemeClr val="lt1"/>
-          </a:fontRef>
-        </p:style>
-        <p:txBody>
-          <a:bodyPr rtlCol="0" anchor="ctr"/>
-          <a:lstStyle/>
-          <a:p>
-            <a:pPr marL="342900" indent="-342900">
-              <a:buAutoNum type="arabicPeriod"/>
-            </a:pPr>
-            <a:r>
-              <a:rPr lang="en-US" sz="1400" dirty="0">
-                <a:solidFill>
-                  <a:schemeClr val="bg1"/>
-                </a:solidFill>
-              </a:rPr>
-              <a:t>Retrieve wash machines states and timestamp</a:t>
-            </a:r>
-          </a:p>
-          <a:p>
-            <a:pPr marL="342900" indent="-342900">
-              <a:buAutoNum type="arabicPeriod"/>
-            </a:pPr>
-            <a:r>
-              <a:rPr lang="en-US" sz="1400" dirty="0" err="1">
-                <a:solidFill>
-                  <a:schemeClr val="bg1"/>
-                </a:solidFill>
-              </a:rPr>
-              <a:t>mqtt_subscribe</a:t>
-            </a:r>
-            <a:endParaRPr lang="en-US" sz="1400" dirty="0">
-              <a:solidFill>
-                <a:schemeClr val="bg1"/>
-              </a:solidFill>
-            </a:endParaRPr>
-          </a:p>
-          <a:p>
-            <a:pPr marL="342900" indent="-342900" algn="ctr">
-              <a:buAutoNum type="arabicPeriod"/>
-            </a:pPr>
-            <a:r>
-              <a:rPr lang="en-US" sz="1400" dirty="0">
-                <a:solidFill>
-                  <a:schemeClr val="bg1"/>
-                </a:solidFill>
-              </a:rPr>
-              <a:t>Implement control logic as back-end</a:t>
-            </a:r>
-            <a:r>
-              <a:rPr lang="en-US" sz="1400" dirty="0"/>
-              <a:t> GET</a:t>
-            </a:r>
-          </a:p>
-        </p:txBody>
-      </p:sp>
-      <p:sp>
-        <p:nvSpPr>
-          <p:cNvPr id="27" name="TextBox 26">
-            <a:extLst>
-              <a:ext uri="{FF2B5EF4-FFF2-40B4-BE49-F238E27FC236}">
-                <a16:creationId xmlns:a16="http://schemas.microsoft.com/office/drawing/2014/main" id="{285FD2A2-B2EC-84D9-4C23-6F054CE9E6E2}"/>
-              </a:ext>
-            </a:extLst>
-          </p:cNvPr>
-          <p:cNvSpPr txBox="1"/>
-          <p:nvPr/>
-        </p:nvSpPr>
-        <p:spPr>
-          <a:xfrm>
-            <a:off x="1162785" y="2071237"/>
-            <a:ext cx="1312714" cy="369332"/>
-          </a:xfrm>
-          <a:prstGeom prst="rect">
-            <a:avLst/>
-          </a:prstGeom>
-          <a:noFill/>
-        </p:spPr>
-        <p:txBody>
-          <a:bodyPr wrap="square" rtlCol="0">
-            <a:spAutoFit/>
-          </a:bodyPr>
-          <a:lstStyle/>
-          <a:p>
-            <a:r>
-              <a:rPr lang="en-US" b="1" dirty="0"/>
-              <a:t>Back-End</a:t>
-            </a:r>
-          </a:p>
-        </p:txBody>
-      </p:sp>
-      <p:sp>
-        <p:nvSpPr>
-          <p:cNvPr id="28" name="TextBox 27">
-            <a:extLst>
-              <a:ext uri="{FF2B5EF4-FFF2-40B4-BE49-F238E27FC236}">
-                <a16:creationId xmlns:a16="http://schemas.microsoft.com/office/drawing/2014/main" id="{6119A742-1D5B-D4EE-6C58-099D967DB05E}"/>
-              </a:ext>
-            </a:extLst>
-          </p:cNvPr>
-          <p:cNvSpPr txBox="1"/>
-          <p:nvPr/>
-        </p:nvSpPr>
-        <p:spPr>
-          <a:xfrm>
-            <a:off x="7938193" y="1992331"/>
-            <a:ext cx="1312714" cy="369332"/>
-          </a:xfrm>
-          <a:prstGeom prst="rect">
-            <a:avLst/>
-          </a:prstGeom>
-          <a:noFill/>
-        </p:spPr>
-        <p:txBody>
-          <a:bodyPr wrap="square" rtlCol="0">
-            <a:spAutoFit/>
-          </a:bodyPr>
-          <a:lstStyle/>
-          <a:p>
-            <a:r>
-              <a:rPr lang="en-US" b="1" dirty="0"/>
-              <a:t>Front-End</a:t>
-            </a:r>
-          </a:p>
-        </p:txBody>
-      </p:sp>
-    </p:spTree>
-    <p:extLst>
-      <p:ext uri="{BB962C8B-B14F-4D97-AF65-F5344CB8AC3E}">
-        <p14:creationId xmlns:p14="http://schemas.microsoft.com/office/powerpoint/2010/main" val="548158004"/>
       </p:ext>
     </p:extLst>
   </p:cSld>
